--- a/project.pptx
+++ b/project.pptx
@@ -5,18 +5,21 @@
     <p:sldMasterId id="2147483648" r:id="rId1"/>
   </p:sldMasterIdLst>
   <p:notesMasterIdLst>
-    <p:notesMasterId r:id="rId11"/>
+    <p:notesMasterId r:id="rId14"/>
   </p:notesMasterIdLst>
   <p:sldIdLst>
     <p:sldId id="264" r:id="rId2"/>
     <p:sldId id="260" r:id="rId3"/>
     <p:sldId id="272" r:id="rId4"/>
-    <p:sldId id="266" r:id="rId5"/>
-    <p:sldId id="267" r:id="rId6"/>
-    <p:sldId id="268" r:id="rId7"/>
-    <p:sldId id="269" r:id="rId8"/>
-    <p:sldId id="270" r:id="rId9"/>
-    <p:sldId id="271" r:id="rId10"/>
+    <p:sldId id="273" r:id="rId5"/>
+    <p:sldId id="277" r:id="rId6"/>
+    <p:sldId id="275" r:id="rId7"/>
+    <p:sldId id="267" r:id="rId8"/>
+    <p:sldId id="268" r:id="rId9"/>
+    <p:sldId id="269" r:id="rId10"/>
+    <p:sldId id="276" r:id="rId11"/>
+    <p:sldId id="266" r:id="rId12"/>
+    <p:sldId id="270" r:id="rId13"/>
   </p:sldIdLst>
   <p:sldSz cx="12192000" cy="6858000"/>
   <p:notesSz cx="6858000" cy="9144000"/>
@@ -216,7 +219,7 @@
           <a:p>
             <a:fld id="{ADE46B90-1E26-4F52-ACD0-8E96F6C4AD7B}" type="datetimeFigureOut">
               <a:rPr lang="ar-EG" smtClean="0"/>
-              <a:t>07/03/1446</a:t>
+              <a:t>08/03/1446</a:t>
             </a:fld>
             <a:endParaRPr lang="ar-EG"/>
           </a:p>
@@ -633,7 +636,7 @@
           <a:p>
             <a:fld id="{7DB3666C-26F4-48F1-8BB1-D7519B350C34}" type="datetimeFigureOut">
               <a:rPr lang="ar-EG" smtClean="0"/>
-              <a:t>07/03/1446</a:t>
+              <a:t>08/03/1446</a:t>
             </a:fld>
             <a:endParaRPr lang="ar-EG"/>
           </a:p>
@@ -833,7 +836,7 @@
           <a:p>
             <a:fld id="{7DB3666C-26F4-48F1-8BB1-D7519B350C34}" type="datetimeFigureOut">
               <a:rPr lang="ar-EG" smtClean="0"/>
-              <a:t>07/03/1446</a:t>
+              <a:t>08/03/1446</a:t>
             </a:fld>
             <a:endParaRPr lang="ar-EG"/>
           </a:p>
@@ -1043,7 +1046,7 @@
           <a:p>
             <a:fld id="{7DB3666C-26F4-48F1-8BB1-D7519B350C34}" type="datetimeFigureOut">
               <a:rPr lang="ar-EG" smtClean="0"/>
-              <a:t>07/03/1446</a:t>
+              <a:t>08/03/1446</a:t>
             </a:fld>
             <a:endParaRPr lang="ar-EG"/>
           </a:p>
@@ -1243,7 +1246,7 @@
           <a:p>
             <a:fld id="{7DB3666C-26F4-48F1-8BB1-D7519B350C34}" type="datetimeFigureOut">
               <a:rPr lang="ar-EG" smtClean="0"/>
-              <a:t>07/03/1446</a:t>
+              <a:t>08/03/1446</a:t>
             </a:fld>
             <a:endParaRPr lang="ar-EG"/>
           </a:p>
@@ -1519,7 +1522,7 @@
           <a:p>
             <a:fld id="{7DB3666C-26F4-48F1-8BB1-D7519B350C34}" type="datetimeFigureOut">
               <a:rPr lang="ar-EG" smtClean="0"/>
-              <a:t>07/03/1446</a:t>
+              <a:t>08/03/1446</a:t>
             </a:fld>
             <a:endParaRPr lang="ar-EG"/>
           </a:p>
@@ -1787,7 +1790,7 @@
           <a:p>
             <a:fld id="{7DB3666C-26F4-48F1-8BB1-D7519B350C34}" type="datetimeFigureOut">
               <a:rPr lang="ar-EG" smtClean="0"/>
-              <a:t>07/03/1446</a:t>
+              <a:t>08/03/1446</a:t>
             </a:fld>
             <a:endParaRPr lang="ar-EG"/>
           </a:p>
@@ -2202,7 +2205,7 @@
           <a:p>
             <a:fld id="{7DB3666C-26F4-48F1-8BB1-D7519B350C34}" type="datetimeFigureOut">
               <a:rPr lang="ar-EG" smtClean="0"/>
-              <a:t>07/03/1446</a:t>
+              <a:t>08/03/1446</a:t>
             </a:fld>
             <a:endParaRPr lang="ar-EG"/>
           </a:p>
@@ -2344,7 +2347,7 @@
           <a:p>
             <a:fld id="{7DB3666C-26F4-48F1-8BB1-D7519B350C34}" type="datetimeFigureOut">
               <a:rPr lang="ar-EG" smtClean="0"/>
-              <a:t>07/03/1446</a:t>
+              <a:t>08/03/1446</a:t>
             </a:fld>
             <a:endParaRPr lang="ar-EG"/>
           </a:p>
@@ -2457,7 +2460,7 @@
           <a:p>
             <a:fld id="{7DB3666C-26F4-48F1-8BB1-D7519B350C34}" type="datetimeFigureOut">
               <a:rPr lang="ar-EG" smtClean="0"/>
-              <a:t>07/03/1446</a:t>
+              <a:t>08/03/1446</a:t>
             </a:fld>
             <a:endParaRPr lang="ar-EG"/>
           </a:p>
@@ -2770,7 +2773,7 @@
           <a:p>
             <a:fld id="{7DB3666C-26F4-48F1-8BB1-D7519B350C34}" type="datetimeFigureOut">
               <a:rPr lang="ar-EG" smtClean="0"/>
-              <a:t>07/03/1446</a:t>
+              <a:t>08/03/1446</a:t>
             </a:fld>
             <a:endParaRPr lang="ar-EG"/>
           </a:p>
@@ -3059,7 +3062,7 @@
           <a:p>
             <a:fld id="{7DB3666C-26F4-48F1-8BB1-D7519B350C34}" type="datetimeFigureOut">
               <a:rPr lang="ar-EG" smtClean="0"/>
-              <a:t>07/03/1446</a:t>
+              <a:t>08/03/1446</a:t>
             </a:fld>
             <a:endParaRPr lang="ar-EG"/>
           </a:p>
@@ -3302,7 +3305,7 @@
           <a:p>
             <a:fld id="{7DB3666C-26F4-48F1-8BB1-D7519B350C34}" type="datetimeFigureOut">
               <a:rPr lang="ar-EG" smtClean="0"/>
-              <a:t>07/03/1446</a:t>
+              <a:t>08/03/1446</a:t>
             </a:fld>
             <a:endParaRPr lang="ar-EG"/>
           </a:p>
@@ -3950,6 +3953,839 @@
   <p:clrMapOvr>
     <a:masterClrMapping/>
   </p:clrMapOvr>
+  <mc:AlternateContent xmlns:mc="http://schemas.openxmlformats.org/markup-compatibility/2006" xmlns:p159="http://schemas.microsoft.com/office/powerpoint/2015/09/main">
+    <mc:Choice Requires="p159">
+      <p:transition xmlns:p14="http://schemas.microsoft.com/office/powerpoint/2010/main" spd="slow" p14:dur="2000">
+        <p159:morph option="byObject"/>
+      </p:transition>
+    </mc:Choice>
+    <mc:Fallback xmlns="">
+      <p:transition spd="slow">
+        <p:fade/>
+      </p:transition>
+    </mc:Fallback>
+  </mc:AlternateContent>
+</p:sld>
+</file>
+
+<file path=ppt/slides/slide10.xml><?xml version="1.0" encoding="utf-8"?>
+<p:sld xmlns:a="http://schemas.openxmlformats.org/drawingml/2006/main" xmlns:r="http://schemas.openxmlformats.org/officeDocument/2006/relationships" xmlns:p="http://schemas.openxmlformats.org/presentationml/2006/main" show="0">
+  <p:cSld>
+    <p:spTree>
+      <p:nvGrpSpPr>
+        <p:cNvPr id="1" name=""/>
+        <p:cNvGrpSpPr/>
+        <p:nvPr/>
+      </p:nvGrpSpPr>
+      <p:grpSpPr>
+        <a:xfrm>
+          <a:off x="0" y="0"/>
+          <a:ext cx="0" cy="0"/>
+          <a:chOff x="0" y="0"/>
+          <a:chExt cx="0" cy="0"/>
+        </a:xfrm>
+      </p:grpSpPr>
+      <p:sp>
+        <p:nvSpPr>
+          <p:cNvPr id="2" name="Rectangle 1">
+            <a:extLst>
+              <a:ext uri="{FF2B5EF4-FFF2-40B4-BE49-F238E27FC236}">
+                <a16:creationId xmlns:a16="http://schemas.microsoft.com/office/drawing/2014/main" id="{9A3B4C56-A16C-47E0-985D-A46F5AA7389D}"/>
+              </a:ext>
+            </a:extLst>
+          </p:cNvPr>
+          <p:cNvSpPr/>
+          <p:nvPr/>
+        </p:nvSpPr>
+        <p:spPr>
+          <a:xfrm flipH="1">
+            <a:off x="6096000" y="0"/>
+            <a:ext cx="6096000" cy="6858000"/>
+          </a:xfrm>
+          <a:prstGeom prst="rect">
+            <a:avLst/>
+          </a:prstGeom>
+          <a:solidFill>
+            <a:srgbClr val="421D5D"/>
+          </a:solidFill>
+        </p:spPr>
+        <p:style>
+          <a:lnRef idx="2">
+            <a:schemeClr val="accent1">
+              <a:shade val="50000"/>
+            </a:schemeClr>
+          </a:lnRef>
+          <a:fillRef idx="1">
+            <a:schemeClr val="accent1"/>
+          </a:fillRef>
+          <a:effectRef idx="0">
+            <a:schemeClr val="accent1"/>
+          </a:effectRef>
+          <a:fontRef idx="minor">
+            <a:schemeClr val="lt1"/>
+          </a:fontRef>
+        </p:style>
+        <p:txBody>
+          <a:bodyPr rtlCol="1" anchor="ctr"/>
+          <a:lstStyle/>
+          <a:p>
+            <a:pPr algn="ctr"/>
+            <a:endParaRPr lang="ar-EG"/>
+          </a:p>
+        </p:txBody>
+      </p:sp>
+      <p:sp>
+        <p:nvSpPr>
+          <p:cNvPr id="3" name="Rectangle: Rounded Corners 2">
+            <a:extLst>
+              <a:ext uri="{FF2B5EF4-FFF2-40B4-BE49-F238E27FC236}">
+                <a16:creationId xmlns:a16="http://schemas.microsoft.com/office/drawing/2014/main" id="{FDC5310F-B71C-46A0-9E8C-61293D7559C4}"/>
+              </a:ext>
+            </a:extLst>
+          </p:cNvPr>
+          <p:cNvSpPr/>
+          <p:nvPr/>
+        </p:nvSpPr>
+        <p:spPr>
+          <a:xfrm>
+            <a:off x="7231117" y="876300"/>
+            <a:ext cx="3825765" cy="5105400"/>
+          </a:xfrm>
+          <a:prstGeom prst="roundRect">
+            <a:avLst>
+              <a:gd name="adj" fmla="val 10257"/>
+            </a:avLst>
+          </a:prstGeom>
+          <a:blipFill dpi="0" rotWithShape="1">
+            <a:blip r:embed="rId2">
+              <a:extLst>
+                <a:ext uri="{837473B0-CC2E-450A-ABE3-18F120FF3D39}">
+                  <a1611:picAttrSrcUrl xmlns:a1611="http://schemas.microsoft.com/office/drawing/2016/11/main" r:id="rId3"/>
+                </a:ext>
+              </a:extLst>
+            </a:blip>
+            <a:srcRect/>
+            <a:stretch>
+              <a:fillRect/>
+            </a:stretch>
+          </a:blipFill>
+          <a:effectLst>
+            <a:glow rad="127000">
+              <a:schemeClr val="accent1"/>
+            </a:glow>
+            <a:reflection blurRad="76200" stA="45000" endPos="65000" dist="50800" dir="5400000" sy="-100000" algn="bl" rotWithShape="0"/>
+          </a:effectLst>
+        </p:spPr>
+        <p:style>
+          <a:lnRef idx="2">
+            <a:schemeClr val="accent1">
+              <a:shade val="50000"/>
+            </a:schemeClr>
+          </a:lnRef>
+          <a:fillRef idx="1">
+            <a:schemeClr val="accent1"/>
+          </a:fillRef>
+          <a:effectRef idx="0">
+            <a:schemeClr val="accent1"/>
+          </a:effectRef>
+          <a:fontRef idx="minor">
+            <a:schemeClr val="lt1"/>
+          </a:fontRef>
+        </p:style>
+        <p:txBody>
+          <a:bodyPr rtlCol="1" anchor="ctr"/>
+          <a:lstStyle/>
+          <a:p>
+            <a:pPr algn="ctr"/>
+            <a:endParaRPr lang="ar-EG"/>
+          </a:p>
+        </p:txBody>
+      </p:sp>
+      <p:sp>
+        <p:nvSpPr>
+          <p:cNvPr id="5" name="TextBox 4">
+            <a:extLst>
+              <a:ext uri="{FF2B5EF4-FFF2-40B4-BE49-F238E27FC236}">
+                <a16:creationId xmlns:a16="http://schemas.microsoft.com/office/drawing/2014/main" id="{92D6F531-FFFC-4775-8747-2A6C1975445D}"/>
+              </a:ext>
+            </a:extLst>
+          </p:cNvPr>
+          <p:cNvSpPr txBox="1"/>
+          <p:nvPr/>
+        </p:nvSpPr>
+        <p:spPr>
+          <a:xfrm>
+            <a:off x="777764" y="1081584"/>
+            <a:ext cx="5318236" cy="4093428"/>
+          </a:xfrm>
+          <a:prstGeom prst="rect">
+            <a:avLst/>
+          </a:prstGeom>
+          <a:noFill/>
+        </p:spPr>
+        <p:txBody>
+          <a:bodyPr wrap="square" rtlCol="1">
+            <a:spAutoFit/>
+          </a:bodyPr>
+          <a:lstStyle/>
+          <a:p>
+            <a:r>
+              <a:rPr lang="en-US" sz="4400" dirty="0"/>
+              <a:t>Agenda:</a:t>
+            </a:r>
+          </a:p>
+          <a:p>
+            <a:r>
+              <a:rPr lang="en-US" sz="3600" dirty="0"/>
+              <a:t>01-Project Overview</a:t>
+            </a:r>
+          </a:p>
+          <a:p>
+            <a:r>
+              <a:rPr lang="en-US" sz="3600" dirty="0"/>
+              <a:t>02-System Architecture</a:t>
+            </a:r>
+          </a:p>
+          <a:p>
+            <a:r>
+              <a:rPr lang="en-US" sz="3600" dirty="0"/>
+              <a:t>03-Yocto</a:t>
+            </a:r>
+          </a:p>
+          <a:p>
+            <a:r>
+              <a:rPr lang="en-US" sz="3600" dirty="0"/>
+              <a:t>04-IR Sensor</a:t>
+            </a:r>
+          </a:p>
+          <a:p>
+            <a:r>
+              <a:rPr lang="en-US" sz="3600" dirty="0"/>
+              <a:t>05-Gui</a:t>
+            </a:r>
+          </a:p>
+          <a:p>
+            <a:r>
+              <a:rPr lang="en-US" sz="3600" dirty="0"/>
+              <a:t>06-Demo</a:t>
+            </a:r>
+          </a:p>
+        </p:txBody>
+      </p:sp>
+    </p:spTree>
+    <p:extLst>
+      <p:ext uri="{BB962C8B-B14F-4D97-AF65-F5344CB8AC3E}">
+        <p14:creationId xmlns:p14="http://schemas.microsoft.com/office/powerpoint/2010/main" val="2808555932"/>
+      </p:ext>
+    </p:extLst>
+  </p:cSld>
+  <p:clrMapOvr>
+    <a:masterClrMapping/>
+  </p:clrMapOvr>
+  <mc:AlternateContent xmlns:mc="http://schemas.openxmlformats.org/markup-compatibility/2006">
+    <mc:Choice xmlns:p159="http://schemas.microsoft.com/office/powerpoint/2015/09/main" Requires="p159">
+      <p:transition xmlns:p14="http://schemas.microsoft.com/office/powerpoint/2010/main" spd="slow" p14:dur="2000">
+        <p159:morph option="byObject"/>
+      </p:transition>
+    </mc:Choice>
+    <mc:Fallback>
+      <p:transition spd="slow">
+        <p:fade/>
+      </p:transition>
+    </mc:Fallback>
+  </mc:AlternateContent>
+</p:sld>
+</file>
+
+<file path=ppt/slides/slide11.xml><?xml version="1.0" encoding="utf-8"?>
+<p:sld xmlns:a="http://schemas.openxmlformats.org/drawingml/2006/main" xmlns:r="http://schemas.openxmlformats.org/officeDocument/2006/relationships" xmlns:p="http://schemas.openxmlformats.org/presentationml/2006/main">
+  <p:cSld>
+    <p:spTree>
+      <p:nvGrpSpPr>
+        <p:cNvPr id="1" name=""/>
+        <p:cNvGrpSpPr/>
+        <p:nvPr/>
+      </p:nvGrpSpPr>
+      <p:grpSpPr>
+        <a:xfrm>
+          <a:off x="0" y="0"/>
+          <a:ext cx="0" cy="0"/>
+          <a:chOff x="0" y="0"/>
+          <a:chExt cx="0" cy="0"/>
+        </a:xfrm>
+      </p:grpSpPr>
+      <p:sp>
+        <p:nvSpPr>
+          <p:cNvPr id="2" name="Rectangle 1">
+            <a:extLst>
+              <a:ext uri="{FF2B5EF4-FFF2-40B4-BE49-F238E27FC236}">
+                <a16:creationId xmlns:a16="http://schemas.microsoft.com/office/drawing/2014/main" id="{9A3B4C56-A16C-47E0-985D-A46F5AA7389D}"/>
+              </a:ext>
+            </a:extLst>
+          </p:cNvPr>
+          <p:cNvSpPr/>
+          <p:nvPr/>
+        </p:nvSpPr>
+        <p:spPr>
+          <a:xfrm>
+            <a:off x="6096000" y="0"/>
+            <a:ext cx="6096000" cy="6858000"/>
+          </a:xfrm>
+          <a:prstGeom prst="rect">
+            <a:avLst/>
+          </a:prstGeom>
+          <a:solidFill>
+            <a:srgbClr val="421D5D"/>
+          </a:solidFill>
+        </p:spPr>
+        <p:style>
+          <a:lnRef idx="2">
+            <a:schemeClr val="accent1">
+              <a:shade val="50000"/>
+            </a:schemeClr>
+          </a:lnRef>
+          <a:fillRef idx="1">
+            <a:schemeClr val="accent1"/>
+          </a:fillRef>
+          <a:effectRef idx="0">
+            <a:schemeClr val="accent1"/>
+          </a:effectRef>
+          <a:fontRef idx="minor">
+            <a:schemeClr val="lt1"/>
+          </a:fontRef>
+        </p:style>
+        <p:txBody>
+          <a:bodyPr rtlCol="1" anchor="ctr"/>
+          <a:lstStyle/>
+          <a:p>
+            <a:pPr algn="ctr"/>
+            <a:endParaRPr lang="ar-EG"/>
+          </a:p>
+        </p:txBody>
+      </p:sp>
+      <p:sp>
+        <p:nvSpPr>
+          <p:cNvPr id="3" name="Rectangle: Rounded Corners 2">
+            <a:extLst>
+              <a:ext uri="{FF2B5EF4-FFF2-40B4-BE49-F238E27FC236}">
+                <a16:creationId xmlns:a16="http://schemas.microsoft.com/office/drawing/2014/main" id="{FDC5310F-B71C-46A0-9E8C-61293D7559C4}"/>
+              </a:ext>
+            </a:extLst>
+          </p:cNvPr>
+          <p:cNvSpPr/>
+          <p:nvPr/>
+        </p:nvSpPr>
+        <p:spPr>
+          <a:xfrm>
+            <a:off x="1145626" y="1032641"/>
+            <a:ext cx="3825765" cy="5105400"/>
+          </a:xfrm>
+          <a:prstGeom prst="roundRect">
+            <a:avLst>
+              <a:gd name="adj" fmla="val 10257"/>
+            </a:avLst>
+          </a:prstGeom>
+          <a:blipFill dpi="0" rotWithShape="1">
+            <a:blip r:embed="rId2">
+              <a:extLst>
+                <a:ext uri="{837473B0-CC2E-450A-ABE3-18F120FF3D39}">
+                  <a1611:picAttrSrcUrl xmlns:a1611="http://schemas.microsoft.com/office/drawing/2016/11/main" r:id="rId3"/>
+                </a:ext>
+              </a:extLst>
+            </a:blip>
+            <a:srcRect/>
+            <a:stretch>
+              <a:fillRect/>
+            </a:stretch>
+          </a:blipFill>
+          <a:effectLst>
+            <a:glow rad="127000">
+              <a:schemeClr val="accent1"/>
+            </a:glow>
+            <a:reflection blurRad="76200" stA="45000" endPos="65000" dist="50800" dir="5400000" sy="-100000" algn="bl" rotWithShape="0"/>
+          </a:effectLst>
+        </p:spPr>
+        <p:style>
+          <a:lnRef idx="2">
+            <a:schemeClr val="accent1">
+              <a:shade val="50000"/>
+            </a:schemeClr>
+          </a:lnRef>
+          <a:fillRef idx="1">
+            <a:schemeClr val="accent1"/>
+          </a:fillRef>
+          <a:effectRef idx="0">
+            <a:schemeClr val="accent1"/>
+          </a:effectRef>
+          <a:fontRef idx="minor">
+            <a:schemeClr val="lt1"/>
+          </a:fontRef>
+        </p:style>
+        <p:txBody>
+          <a:bodyPr rtlCol="1" anchor="ctr"/>
+          <a:lstStyle/>
+          <a:p>
+            <a:pPr algn="ctr"/>
+            <a:endParaRPr lang="ar-EG"/>
+          </a:p>
+        </p:txBody>
+      </p:sp>
+      <p:sp>
+        <p:nvSpPr>
+          <p:cNvPr id="4" name="TextBox 3">
+            <a:extLst>
+              <a:ext uri="{FF2B5EF4-FFF2-40B4-BE49-F238E27FC236}">
+                <a16:creationId xmlns:a16="http://schemas.microsoft.com/office/drawing/2014/main" id="{AA8DFC32-E073-49D3-9E54-0AC7FA76A496}"/>
+              </a:ext>
+            </a:extLst>
+          </p:cNvPr>
+          <p:cNvSpPr txBox="1"/>
+          <p:nvPr/>
+        </p:nvSpPr>
+        <p:spPr>
+          <a:xfrm>
+            <a:off x="6620719" y="645165"/>
+            <a:ext cx="6257369" cy="12187952"/>
+          </a:xfrm>
+          <a:prstGeom prst="rect">
+            <a:avLst/>
+          </a:prstGeom>
+          <a:noFill/>
+        </p:spPr>
+        <p:txBody>
+          <a:bodyPr wrap="square" rtlCol="1">
+            <a:spAutoFit/>
+          </a:bodyPr>
+          <a:lstStyle/>
+          <a:p>
+            <a:r>
+              <a:rPr lang="en-US" sz="4400" dirty="0"/>
+              <a:t>Demo </a:t>
+            </a:r>
+          </a:p>
+          <a:p>
+            <a:endParaRPr lang="en-US" sz="4400" dirty="0"/>
+          </a:p>
+          <a:p>
+            <a:r>
+              <a:rPr lang="en-US" sz="4400" dirty="0"/>
+              <a:t>01-Objective</a:t>
+            </a:r>
+          </a:p>
+          <a:p>
+            <a:endParaRPr lang="en-US" sz="4400" dirty="0"/>
+          </a:p>
+          <a:p>
+            <a:endParaRPr lang="en-US" sz="4400" dirty="0"/>
+          </a:p>
+          <a:p>
+            <a:r>
+              <a:rPr lang="en-US" sz="4400" dirty="0"/>
+              <a:t>02-Key Features</a:t>
+            </a:r>
+          </a:p>
+          <a:p>
+            <a:endParaRPr lang="en-US" sz="4400" dirty="0"/>
+          </a:p>
+          <a:p>
+            <a:r>
+              <a:rPr lang="en-US" sz="4400" dirty="0"/>
+              <a:t>03-Technology Stack</a:t>
+            </a:r>
+          </a:p>
+          <a:p>
+            <a:endParaRPr lang="en-US" sz="4400" dirty="0"/>
+          </a:p>
+          <a:p>
+            <a:endParaRPr lang="en-US" sz="4400" dirty="0"/>
+          </a:p>
+          <a:p>
+            <a:endParaRPr lang="en-US" sz="4400" dirty="0"/>
+          </a:p>
+          <a:p>
+            <a:endParaRPr lang="en-US" sz="4400" dirty="0"/>
+          </a:p>
+          <a:p>
+            <a:endParaRPr lang="en-US" dirty="0"/>
+          </a:p>
+          <a:p>
+            <a:endParaRPr lang="en-US" dirty="0"/>
+          </a:p>
+          <a:p>
+            <a:endParaRPr lang="en-US" dirty="0"/>
+          </a:p>
+          <a:p>
+            <a:endParaRPr lang="en-US" dirty="0"/>
+          </a:p>
+          <a:p>
+            <a:endParaRPr lang="en-US" dirty="0"/>
+          </a:p>
+          <a:p>
+            <a:r>
+              <a:rPr lang="en-US" sz="2400" dirty="0"/>
+              <a:t>1- </a:t>
+            </a:r>
+            <a:r>
+              <a:rPr lang="en-US" sz="2400" dirty="0" err="1"/>
+              <a:t>hcjsdksd</a:t>
+            </a:r>
+            <a:endParaRPr lang="en-US" sz="2400" dirty="0"/>
+          </a:p>
+          <a:p>
+            <a:endParaRPr lang="en-US" sz="2400" dirty="0"/>
+          </a:p>
+          <a:p>
+            <a:r>
+              <a:rPr lang="en-US" sz="2400" dirty="0"/>
+              <a:t>2-fffggrgfg</a:t>
+            </a:r>
+          </a:p>
+          <a:p>
+            <a:endParaRPr lang="en-US" sz="2400" dirty="0"/>
+          </a:p>
+          <a:p>
+            <a:r>
+              <a:rPr lang="en-US" sz="2400" dirty="0"/>
+              <a:t>3-ggdgdfgdg</a:t>
+            </a:r>
+          </a:p>
+          <a:p>
+            <a:endParaRPr lang="en-US" sz="2400" dirty="0"/>
+          </a:p>
+          <a:p>
+            <a:r>
+              <a:rPr lang="en-US" sz="2400" dirty="0"/>
+              <a:t>4-dgghdfgdfg</a:t>
+            </a:r>
+            <a:endParaRPr lang="ar-EG" sz="2400" dirty="0"/>
+          </a:p>
+        </p:txBody>
+      </p:sp>
+      <p:sp>
+        <p:nvSpPr>
+          <p:cNvPr id="5" name="Rectangle: Rounded Corners 4">
+            <a:extLst>
+              <a:ext uri="{FF2B5EF4-FFF2-40B4-BE49-F238E27FC236}">
+                <a16:creationId xmlns:a16="http://schemas.microsoft.com/office/drawing/2014/main" id="{AE7C4821-CD8B-4253-86F0-8199CE856403}"/>
+              </a:ext>
+            </a:extLst>
+          </p:cNvPr>
+          <p:cNvSpPr/>
+          <p:nvPr/>
+        </p:nvSpPr>
+        <p:spPr>
+          <a:xfrm>
+            <a:off x="1145626" y="1032641"/>
+            <a:ext cx="3825765" cy="5105400"/>
+          </a:xfrm>
+          <a:prstGeom prst="roundRect">
+            <a:avLst>
+              <a:gd name="adj" fmla="val 10257"/>
+            </a:avLst>
+          </a:prstGeom>
+          <a:blipFill dpi="0" rotWithShape="1">
+            <a:blip r:embed="rId4">
+              <a:extLst>
+                <a:ext uri="{837473B0-CC2E-450A-ABE3-18F120FF3D39}">
+                  <a1611:picAttrSrcUrl xmlns:a1611="http://schemas.microsoft.com/office/drawing/2016/11/main" r:id="rId5"/>
+                </a:ext>
+              </a:extLst>
+            </a:blip>
+            <a:srcRect/>
+            <a:stretch>
+              <a:fillRect/>
+            </a:stretch>
+          </a:blipFill>
+          <a:effectLst>
+            <a:glow rad="127000">
+              <a:schemeClr val="accent1"/>
+            </a:glow>
+            <a:reflection blurRad="76200" stA="45000" endPos="65000" dist="50800" dir="5400000" sy="-100000" algn="bl" rotWithShape="0"/>
+          </a:effectLst>
+        </p:spPr>
+        <p:style>
+          <a:lnRef idx="2">
+            <a:schemeClr val="accent1">
+              <a:shade val="50000"/>
+            </a:schemeClr>
+          </a:lnRef>
+          <a:fillRef idx="1">
+            <a:schemeClr val="accent1"/>
+          </a:fillRef>
+          <a:effectRef idx="0">
+            <a:schemeClr val="accent1"/>
+          </a:effectRef>
+          <a:fontRef idx="minor">
+            <a:schemeClr val="lt1"/>
+          </a:fontRef>
+        </p:style>
+        <p:txBody>
+          <a:bodyPr rtlCol="1" anchor="ctr"/>
+          <a:lstStyle/>
+          <a:p>
+            <a:pPr algn="ctr"/>
+            <a:endParaRPr lang="ar-EG"/>
+          </a:p>
+        </p:txBody>
+      </p:sp>
+    </p:spTree>
+    <p:extLst>
+      <p:ext uri="{BB962C8B-B14F-4D97-AF65-F5344CB8AC3E}">
+        <p14:creationId xmlns:p14="http://schemas.microsoft.com/office/powerpoint/2010/main" val="2444678567"/>
+      </p:ext>
+    </p:extLst>
+  </p:cSld>
+  <p:clrMapOvr>
+    <a:masterClrMapping/>
+  </p:clrMapOvr>
+  <mc:AlternateContent xmlns:mc="http://schemas.openxmlformats.org/markup-compatibility/2006" xmlns:p159="http://schemas.microsoft.com/office/powerpoint/2015/09/main">
+    <mc:Choice Requires="p159">
+      <p:transition xmlns:p14="http://schemas.microsoft.com/office/powerpoint/2010/main" spd="slow" p14:dur="2000">
+        <p159:morph option="byObject"/>
+      </p:transition>
+    </mc:Choice>
+    <mc:Fallback xmlns="">
+      <p:transition spd="slow">
+        <p:fade/>
+      </p:transition>
+    </mc:Fallback>
+  </mc:AlternateContent>
+</p:sld>
+</file>
+
+<file path=ppt/slides/slide12.xml><?xml version="1.0" encoding="utf-8"?>
+<p:sld xmlns:a="http://schemas.openxmlformats.org/drawingml/2006/main" xmlns:r="http://schemas.openxmlformats.org/officeDocument/2006/relationships" xmlns:p="http://schemas.openxmlformats.org/presentationml/2006/main" show="0">
+  <p:cSld>
+    <p:spTree>
+      <p:nvGrpSpPr>
+        <p:cNvPr id="1" name=""/>
+        <p:cNvGrpSpPr/>
+        <p:nvPr/>
+      </p:nvGrpSpPr>
+      <p:grpSpPr>
+        <a:xfrm>
+          <a:off x="0" y="0"/>
+          <a:ext cx="0" cy="0"/>
+          <a:chOff x="0" y="0"/>
+          <a:chExt cx="0" cy="0"/>
+        </a:xfrm>
+      </p:grpSpPr>
+      <p:sp>
+        <p:nvSpPr>
+          <p:cNvPr id="2" name="Rectangle 1">
+            <a:extLst>
+              <a:ext uri="{FF2B5EF4-FFF2-40B4-BE49-F238E27FC236}">
+                <a16:creationId xmlns:a16="http://schemas.microsoft.com/office/drawing/2014/main" id="{9A3B4C56-A16C-47E0-985D-A46F5AA7389D}"/>
+              </a:ext>
+            </a:extLst>
+          </p:cNvPr>
+          <p:cNvSpPr/>
+          <p:nvPr/>
+        </p:nvSpPr>
+        <p:spPr>
+          <a:xfrm>
+            <a:off x="6096000" y="0"/>
+            <a:ext cx="6096000" cy="6858000"/>
+          </a:xfrm>
+          <a:prstGeom prst="rect">
+            <a:avLst/>
+          </a:prstGeom>
+          <a:solidFill>
+            <a:srgbClr val="421D5D"/>
+          </a:solidFill>
+        </p:spPr>
+        <p:style>
+          <a:lnRef idx="2">
+            <a:schemeClr val="accent1">
+              <a:shade val="50000"/>
+            </a:schemeClr>
+          </a:lnRef>
+          <a:fillRef idx="1">
+            <a:schemeClr val="accent1"/>
+          </a:fillRef>
+          <a:effectRef idx="0">
+            <a:schemeClr val="accent1"/>
+          </a:effectRef>
+          <a:fontRef idx="minor">
+            <a:schemeClr val="lt1"/>
+          </a:fontRef>
+        </p:style>
+        <p:txBody>
+          <a:bodyPr rtlCol="1" anchor="ctr"/>
+          <a:lstStyle/>
+          <a:p>
+            <a:pPr algn="ctr"/>
+            <a:endParaRPr lang="ar-EG"/>
+          </a:p>
+        </p:txBody>
+      </p:sp>
+      <p:sp>
+        <p:nvSpPr>
+          <p:cNvPr id="3" name="Rectangle: Rounded Corners 2">
+            <a:extLst>
+              <a:ext uri="{FF2B5EF4-FFF2-40B4-BE49-F238E27FC236}">
+                <a16:creationId xmlns:a16="http://schemas.microsoft.com/office/drawing/2014/main" id="{FDC5310F-B71C-46A0-9E8C-61293D7559C4}"/>
+              </a:ext>
+            </a:extLst>
+          </p:cNvPr>
+          <p:cNvSpPr/>
+          <p:nvPr/>
+        </p:nvSpPr>
+        <p:spPr>
+          <a:xfrm>
+            <a:off x="1145626" y="1032641"/>
+            <a:ext cx="3825765" cy="5105400"/>
+          </a:xfrm>
+          <a:prstGeom prst="roundRect">
+            <a:avLst>
+              <a:gd name="adj" fmla="val 10257"/>
+            </a:avLst>
+          </a:prstGeom>
+          <a:blipFill dpi="0" rotWithShape="1">
+            <a:blip r:embed="rId2">
+              <a:extLst>
+                <a:ext uri="{837473B0-CC2E-450A-ABE3-18F120FF3D39}">
+                  <a1611:picAttrSrcUrl xmlns:a1611="http://schemas.microsoft.com/office/drawing/2016/11/main" r:id="rId3"/>
+                </a:ext>
+              </a:extLst>
+            </a:blip>
+            <a:srcRect/>
+            <a:stretch>
+              <a:fillRect/>
+            </a:stretch>
+          </a:blipFill>
+          <a:effectLst>
+            <a:glow rad="127000">
+              <a:schemeClr val="accent1"/>
+            </a:glow>
+            <a:reflection blurRad="76200" stA="45000" endPos="65000" dist="50800" dir="5400000" sy="-100000" algn="bl" rotWithShape="0"/>
+          </a:effectLst>
+        </p:spPr>
+        <p:style>
+          <a:lnRef idx="2">
+            <a:schemeClr val="accent1">
+              <a:shade val="50000"/>
+            </a:schemeClr>
+          </a:lnRef>
+          <a:fillRef idx="1">
+            <a:schemeClr val="accent1"/>
+          </a:fillRef>
+          <a:effectRef idx="0">
+            <a:schemeClr val="accent1"/>
+          </a:effectRef>
+          <a:fontRef idx="minor">
+            <a:schemeClr val="lt1"/>
+          </a:fontRef>
+        </p:style>
+        <p:txBody>
+          <a:bodyPr rtlCol="1" anchor="ctr"/>
+          <a:lstStyle/>
+          <a:p>
+            <a:pPr algn="ctr"/>
+            <a:endParaRPr lang="ar-EG"/>
+          </a:p>
+        </p:txBody>
+      </p:sp>
+      <p:sp>
+        <p:nvSpPr>
+          <p:cNvPr id="4" name="TextBox 3">
+            <a:extLst>
+              <a:ext uri="{FF2B5EF4-FFF2-40B4-BE49-F238E27FC236}">
+                <a16:creationId xmlns:a16="http://schemas.microsoft.com/office/drawing/2014/main" id="{AA8DFC32-E073-49D3-9E54-0AC7FA76A496}"/>
+              </a:ext>
+            </a:extLst>
+          </p:cNvPr>
+          <p:cNvSpPr txBox="1"/>
+          <p:nvPr/>
+        </p:nvSpPr>
+        <p:spPr>
+          <a:xfrm>
+            <a:off x="6558455" y="378371"/>
+            <a:ext cx="5318236" cy="4739759"/>
+          </a:xfrm>
+          <a:prstGeom prst="rect">
+            <a:avLst/>
+          </a:prstGeom>
+          <a:noFill/>
+        </p:spPr>
+        <p:txBody>
+          <a:bodyPr wrap="square" rtlCol="1">
+            <a:spAutoFit/>
+          </a:bodyPr>
+          <a:lstStyle/>
+          <a:p>
+            <a:r>
+              <a:rPr lang="en-US" sz="4400"/>
+              <a:t>Java</a:t>
+            </a:r>
+            <a:endParaRPr lang="en-US" sz="4400" dirty="0"/>
+          </a:p>
+          <a:p>
+            <a:endParaRPr lang="en-US" dirty="0"/>
+          </a:p>
+          <a:p>
+            <a:endParaRPr lang="en-US" dirty="0"/>
+          </a:p>
+          <a:p>
+            <a:endParaRPr lang="en-US" dirty="0"/>
+          </a:p>
+          <a:p>
+            <a:endParaRPr lang="en-US" dirty="0"/>
+          </a:p>
+          <a:p>
+            <a:endParaRPr lang="en-US" dirty="0"/>
+          </a:p>
+          <a:p>
+            <a:r>
+              <a:rPr lang="en-US" sz="2400" dirty="0"/>
+              <a:t>1- </a:t>
+            </a:r>
+            <a:r>
+              <a:rPr lang="en-US" sz="2400" dirty="0" err="1"/>
+              <a:t>hcjsdksd</a:t>
+            </a:r>
+            <a:endParaRPr lang="en-US" sz="2400" dirty="0"/>
+          </a:p>
+          <a:p>
+            <a:endParaRPr lang="en-US" sz="2400" dirty="0"/>
+          </a:p>
+          <a:p>
+            <a:r>
+              <a:rPr lang="en-US" sz="2400" dirty="0"/>
+              <a:t>2-fffggrgfg</a:t>
+            </a:r>
+          </a:p>
+          <a:p>
+            <a:endParaRPr lang="en-US" sz="2400" dirty="0"/>
+          </a:p>
+          <a:p>
+            <a:r>
+              <a:rPr lang="en-US" sz="2400" dirty="0"/>
+              <a:t>3-ggdgdfgdg</a:t>
+            </a:r>
+          </a:p>
+          <a:p>
+            <a:endParaRPr lang="en-US" sz="2400" dirty="0"/>
+          </a:p>
+          <a:p>
+            <a:r>
+              <a:rPr lang="en-US" sz="2400" dirty="0"/>
+              <a:t>4-dgghdfgdfg</a:t>
+            </a:r>
+            <a:endParaRPr lang="ar-EG" sz="2400" dirty="0"/>
+          </a:p>
+        </p:txBody>
+      </p:sp>
+    </p:spTree>
+    <p:extLst>
+      <p:ext uri="{BB962C8B-B14F-4D97-AF65-F5344CB8AC3E}">
+        <p14:creationId xmlns:p14="http://schemas.microsoft.com/office/powerpoint/2010/main" val="665360660"/>
+      </p:ext>
+    </p:extLst>
+  </p:cSld>
+  <p:clrMapOvr>
+    <a:masterClrMapping/>
+  </p:clrMapOvr>
   <mc:AlternateContent xmlns:mc="http://schemas.openxmlformats.org/markup-compatibility/2006">
     <mc:Choice xmlns:p159="http://schemas.microsoft.com/office/powerpoint/2015/09/main" Requires="p159">
       <p:transition xmlns:p14="http://schemas.microsoft.com/office/powerpoint/2010/main" spd="slow" p14:dur="2000">
@@ -4530,6 +5366,888 @@
       </p:grpSpPr>
       <p:sp>
         <p:nvSpPr>
+          <p:cNvPr id="2" name="Title 1">
+            <a:extLst>
+              <a:ext uri="{FF2B5EF4-FFF2-40B4-BE49-F238E27FC236}">
+                <a16:creationId xmlns:a16="http://schemas.microsoft.com/office/drawing/2014/main" id="{A7BFAAAC-9A10-4A40-8E31-3D1F54F32A4D}"/>
+              </a:ext>
+            </a:extLst>
+          </p:cNvPr>
+          <p:cNvSpPr>
+            <a:spLocks noGrp="1"/>
+          </p:cNvSpPr>
+          <p:nvPr>
+            <p:ph type="ctrTitle"/>
+          </p:nvPr>
+        </p:nvSpPr>
+        <p:spPr/>
+        <p:txBody>
+          <a:bodyPr/>
+          <a:lstStyle/>
+          <a:p>
+            <a:endParaRPr lang="ar-EG"/>
+          </a:p>
+        </p:txBody>
+      </p:sp>
+      <p:sp>
+        <p:nvSpPr>
+          <p:cNvPr id="3" name="Subtitle 2">
+            <a:extLst>
+              <a:ext uri="{FF2B5EF4-FFF2-40B4-BE49-F238E27FC236}">
+                <a16:creationId xmlns:a16="http://schemas.microsoft.com/office/drawing/2014/main" id="{1DC1CBA2-0B89-45F1-85C0-8A97DE004240}"/>
+              </a:ext>
+            </a:extLst>
+          </p:cNvPr>
+          <p:cNvSpPr>
+            <a:spLocks noGrp="1"/>
+          </p:cNvSpPr>
+          <p:nvPr>
+            <p:ph type="subTitle" idx="1"/>
+          </p:nvPr>
+        </p:nvSpPr>
+        <p:spPr/>
+        <p:txBody>
+          <a:bodyPr/>
+          <a:lstStyle/>
+          <a:p>
+            <a:endParaRPr lang="ar-EG"/>
+          </a:p>
+        </p:txBody>
+      </p:sp>
+      <p:sp>
+        <p:nvSpPr>
+          <p:cNvPr id="4" name="Rectangle 3">
+            <a:extLst>
+              <a:ext uri="{FF2B5EF4-FFF2-40B4-BE49-F238E27FC236}">
+                <a16:creationId xmlns:a16="http://schemas.microsoft.com/office/drawing/2014/main" id="{4526EF6D-5DBE-4C45-907A-7EB22298B078}"/>
+              </a:ext>
+            </a:extLst>
+          </p:cNvPr>
+          <p:cNvSpPr/>
+          <p:nvPr/>
+        </p:nvSpPr>
+        <p:spPr>
+          <a:xfrm>
+            <a:off x="0" y="0"/>
+            <a:ext cx="12191999" cy="6857999"/>
+          </a:xfrm>
+          <a:prstGeom prst="rect">
+            <a:avLst/>
+          </a:prstGeom>
+          <a:blipFill dpi="0" rotWithShape="1">
+            <a:blip r:embed="rId2">
+              <a:alphaModFix amt="45000"/>
+            </a:blip>
+            <a:srcRect/>
+            <a:stretch>
+              <a:fillRect/>
+            </a:stretch>
+          </a:blipFill>
+        </p:spPr>
+        <p:style>
+          <a:lnRef idx="2">
+            <a:schemeClr val="accent1">
+              <a:shade val="50000"/>
+            </a:schemeClr>
+          </a:lnRef>
+          <a:fillRef idx="1">
+            <a:schemeClr val="accent1"/>
+          </a:fillRef>
+          <a:effectRef idx="0">
+            <a:schemeClr val="accent1"/>
+          </a:effectRef>
+          <a:fontRef idx="minor">
+            <a:schemeClr val="lt1"/>
+          </a:fontRef>
+        </p:style>
+        <p:txBody>
+          <a:bodyPr rtlCol="1" anchor="ctr"/>
+          <a:lstStyle/>
+          <a:p>
+            <a:pPr algn="ctr"/>
+            <a:endParaRPr lang="ar-EG" dirty="0"/>
+          </a:p>
+        </p:txBody>
+      </p:sp>
+      <p:sp>
+        <p:nvSpPr>
+          <p:cNvPr id="6" name="TextBox 5">
+            <a:extLst>
+              <a:ext uri="{FF2B5EF4-FFF2-40B4-BE49-F238E27FC236}">
+                <a16:creationId xmlns:a16="http://schemas.microsoft.com/office/drawing/2014/main" id="{4C7E906A-F771-4032-A37F-492C75ED5C7C}"/>
+              </a:ext>
+            </a:extLst>
+          </p:cNvPr>
+          <p:cNvSpPr txBox="1"/>
+          <p:nvPr/>
+        </p:nvSpPr>
+        <p:spPr>
+          <a:xfrm>
+            <a:off x="1806816" y="2242674"/>
+            <a:ext cx="5707736" cy="3908762"/>
+          </a:xfrm>
+          <a:prstGeom prst="rect">
+            <a:avLst/>
+          </a:prstGeom>
+          <a:noFill/>
+        </p:spPr>
+        <p:txBody>
+          <a:bodyPr wrap="square" rtlCol="1">
+            <a:spAutoFit/>
+          </a:bodyPr>
+          <a:lstStyle/>
+          <a:p>
+            <a:r>
+              <a:rPr lang="en-US" sz="3200" dirty="0"/>
+              <a:t> Project Overview</a:t>
+            </a:r>
+          </a:p>
+          <a:p>
+            <a:endParaRPr lang="en-US" sz="6000" dirty="0"/>
+          </a:p>
+          <a:p>
+            <a:r>
+              <a:rPr lang="en-US" sz="3200" dirty="0"/>
+              <a:t> 01-Objective</a:t>
+            </a:r>
+            <a:endParaRPr lang="en-US" sz="6000" dirty="0"/>
+          </a:p>
+          <a:p>
+            <a:r>
+              <a:rPr lang="en-US" sz="3200" dirty="0"/>
+              <a:t> 02-Key Features</a:t>
+            </a:r>
+            <a:endParaRPr lang="en-US" sz="6000" dirty="0"/>
+          </a:p>
+          <a:p>
+            <a:r>
+              <a:rPr lang="en-US" sz="3200" dirty="0"/>
+              <a:t> 03-Technology Stack</a:t>
+            </a:r>
+          </a:p>
+          <a:p>
+            <a:endParaRPr lang="ar-EG" sz="6000" dirty="0"/>
+          </a:p>
+        </p:txBody>
+      </p:sp>
+      <p:pic>
+        <p:nvPicPr>
+          <p:cNvPr id="7" name="Picture 6">
+            <a:extLst>
+              <a:ext uri="{FF2B5EF4-FFF2-40B4-BE49-F238E27FC236}">
+                <a16:creationId xmlns:a16="http://schemas.microsoft.com/office/drawing/2014/main" id="{7E38D881-4F7C-4200-BB88-33A9E75AF1F1}"/>
+              </a:ext>
+            </a:extLst>
+          </p:cNvPr>
+          <p:cNvPicPr>
+            <a:picLocks noChangeAspect="1"/>
+          </p:cNvPicPr>
+          <p:nvPr/>
+        </p:nvPicPr>
+        <p:blipFill>
+          <a:blip r:embed="rId3"/>
+          <a:stretch>
+            <a:fillRect/>
+          </a:stretch>
+        </p:blipFill>
+        <p:spPr>
+          <a:xfrm>
+            <a:off x="8086538" y="757623"/>
+            <a:ext cx="3545050" cy="7080622"/>
+          </a:xfrm>
+          <a:prstGeom prst="roundRect">
+            <a:avLst>
+              <a:gd name="adj" fmla="val 8594"/>
+            </a:avLst>
+          </a:prstGeom>
+          <a:solidFill>
+            <a:srgbClr val="FFFFFF">
+              <a:shade val="85000"/>
+            </a:srgbClr>
+          </a:solidFill>
+          <a:ln>
+            <a:noFill/>
+          </a:ln>
+          <a:effectLst>
+            <a:reflection blurRad="12700" stA="38000" endPos="28000" dist="5000" dir="5400000" sy="-100000" algn="bl" rotWithShape="0"/>
+          </a:effectLst>
+        </p:spPr>
+      </p:pic>
+      <p:pic>
+        <p:nvPicPr>
+          <p:cNvPr id="1026" name="Picture 2" descr="Iphone X PNG Vector Images with Transparent background - TransparentPNG">
+            <a:extLst>
+              <a:ext uri="{FF2B5EF4-FFF2-40B4-BE49-F238E27FC236}">
+                <a16:creationId xmlns:a16="http://schemas.microsoft.com/office/drawing/2014/main" id="{E702CEBC-4BCB-4C5E-AFC3-713CEC1C72EE}"/>
+              </a:ext>
+            </a:extLst>
+          </p:cNvPr>
+          <p:cNvPicPr>
+            <a:picLocks noChangeAspect="1" noChangeArrowheads="1"/>
+          </p:cNvPicPr>
+          <p:nvPr/>
+        </p:nvPicPr>
+        <p:blipFill>
+          <a:blip r:embed="rId4">
+            <a:extLst>
+              <a:ext uri="{28A0092B-C50C-407E-A947-70E740481C1C}">
+                <a14:useLocalDpi xmlns:a14="http://schemas.microsoft.com/office/drawing/2010/main" val="0"/>
+              </a:ext>
+            </a:extLst>
+          </a:blip>
+          <a:srcRect/>
+          <a:stretch>
+            <a:fillRect/>
+          </a:stretch>
+        </p:blipFill>
+        <p:spPr bwMode="auto">
+          <a:xfrm>
+            <a:off x="7173573" y="435271"/>
+            <a:ext cx="5499547" cy="8383219"/>
+          </a:xfrm>
+          <a:prstGeom prst="rect">
+            <a:avLst/>
+          </a:prstGeom>
+          <a:noFill/>
+          <a:extLst>
+            <a:ext uri="{909E8E84-426E-40DD-AFC4-6F175D3DCCD1}">
+              <a14:hiddenFill xmlns:a14="http://schemas.microsoft.com/office/drawing/2010/main">
+                <a:solidFill>
+                  <a:srgbClr val="FFFFFF"/>
+                </a:solidFill>
+              </a14:hiddenFill>
+            </a:ext>
+          </a:extLst>
+        </p:spPr>
+      </p:pic>
+    </p:spTree>
+    <p:extLst>
+      <p:ext uri="{BB962C8B-B14F-4D97-AF65-F5344CB8AC3E}">
+        <p14:creationId xmlns:p14="http://schemas.microsoft.com/office/powerpoint/2010/main" val="375256168"/>
+      </p:ext>
+    </p:extLst>
+  </p:cSld>
+  <p:clrMapOvr>
+    <a:masterClrMapping/>
+  </p:clrMapOvr>
+</p:sld>
+</file>
+
+<file path=ppt/slides/slide5.xml><?xml version="1.0" encoding="utf-8"?>
+<p:sld xmlns:a="http://schemas.openxmlformats.org/drawingml/2006/main" xmlns:r="http://schemas.openxmlformats.org/officeDocument/2006/relationships" xmlns:p="http://schemas.openxmlformats.org/presentationml/2006/main">
+  <p:cSld>
+    <p:spTree>
+      <p:nvGrpSpPr>
+        <p:cNvPr id="1" name=""/>
+        <p:cNvGrpSpPr/>
+        <p:nvPr/>
+      </p:nvGrpSpPr>
+      <p:grpSpPr>
+        <a:xfrm>
+          <a:off x="0" y="0"/>
+          <a:ext cx="0" cy="0"/>
+          <a:chOff x="0" y="0"/>
+          <a:chExt cx="0" cy="0"/>
+        </a:xfrm>
+      </p:grpSpPr>
+      <p:sp>
+        <p:nvSpPr>
+          <p:cNvPr id="2" name="Title 1">
+            <a:extLst>
+              <a:ext uri="{FF2B5EF4-FFF2-40B4-BE49-F238E27FC236}">
+                <a16:creationId xmlns:a16="http://schemas.microsoft.com/office/drawing/2014/main" id="{A7BFAAAC-9A10-4A40-8E31-3D1F54F32A4D}"/>
+              </a:ext>
+            </a:extLst>
+          </p:cNvPr>
+          <p:cNvSpPr>
+            <a:spLocks noGrp="1"/>
+          </p:cNvSpPr>
+          <p:nvPr>
+            <p:ph type="ctrTitle"/>
+          </p:nvPr>
+        </p:nvSpPr>
+        <p:spPr/>
+        <p:txBody>
+          <a:bodyPr/>
+          <a:lstStyle/>
+          <a:p>
+            <a:endParaRPr lang="ar-EG"/>
+          </a:p>
+        </p:txBody>
+      </p:sp>
+      <p:sp>
+        <p:nvSpPr>
+          <p:cNvPr id="3" name="Subtitle 2">
+            <a:extLst>
+              <a:ext uri="{FF2B5EF4-FFF2-40B4-BE49-F238E27FC236}">
+                <a16:creationId xmlns:a16="http://schemas.microsoft.com/office/drawing/2014/main" id="{1DC1CBA2-0B89-45F1-85C0-8A97DE004240}"/>
+              </a:ext>
+            </a:extLst>
+          </p:cNvPr>
+          <p:cNvSpPr>
+            <a:spLocks noGrp="1"/>
+          </p:cNvSpPr>
+          <p:nvPr>
+            <p:ph type="subTitle" idx="1"/>
+          </p:nvPr>
+        </p:nvSpPr>
+        <p:spPr/>
+        <p:txBody>
+          <a:bodyPr/>
+          <a:lstStyle/>
+          <a:p>
+            <a:endParaRPr lang="ar-EG"/>
+          </a:p>
+        </p:txBody>
+      </p:sp>
+      <p:sp>
+        <p:nvSpPr>
+          <p:cNvPr id="4" name="Rectangle 3">
+            <a:extLst>
+              <a:ext uri="{FF2B5EF4-FFF2-40B4-BE49-F238E27FC236}">
+                <a16:creationId xmlns:a16="http://schemas.microsoft.com/office/drawing/2014/main" id="{4526EF6D-5DBE-4C45-907A-7EB22298B078}"/>
+              </a:ext>
+            </a:extLst>
+          </p:cNvPr>
+          <p:cNvSpPr/>
+          <p:nvPr/>
+        </p:nvSpPr>
+        <p:spPr>
+          <a:xfrm>
+            <a:off x="0" y="0"/>
+            <a:ext cx="12191999" cy="6857999"/>
+          </a:xfrm>
+          <a:prstGeom prst="rect">
+            <a:avLst/>
+          </a:prstGeom>
+          <a:blipFill dpi="0" rotWithShape="1">
+            <a:blip r:embed="rId2">
+              <a:alphaModFix amt="45000"/>
+            </a:blip>
+            <a:srcRect/>
+            <a:stretch>
+              <a:fillRect/>
+            </a:stretch>
+          </a:blipFill>
+        </p:spPr>
+        <p:style>
+          <a:lnRef idx="2">
+            <a:schemeClr val="accent1">
+              <a:shade val="50000"/>
+            </a:schemeClr>
+          </a:lnRef>
+          <a:fillRef idx="1">
+            <a:schemeClr val="accent1"/>
+          </a:fillRef>
+          <a:effectRef idx="0">
+            <a:schemeClr val="accent1"/>
+          </a:effectRef>
+          <a:fontRef idx="minor">
+            <a:schemeClr val="lt1"/>
+          </a:fontRef>
+        </p:style>
+        <p:txBody>
+          <a:bodyPr rtlCol="1" anchor="ctr"/>
+          <a:lstStyle/>
+          <a:p>
+            <a:pPr algn="ctr"/>
+            <a:endParaRPr lang="ar-EG" dirty="0"/>
+          </a:p>
+        </p:txBody>
+      </p:sp>
+      <p:sp>
+        <p:nvSpPr>
+          <p:cNvPr id="6" name="TextBox 5">
+            <a:extLst>
+              <a:ext uri="{FF2B5EF4-FFF2-40B4-BE49-F238E27FC236}">
+                <a16:creationId xmlns:a16="http://schemas.microsoft.com/office/drawing/2014/main" id="{4C7E906A-F771-4032-A37F-492C75ED5C7C}"/>
+              </a:ext>
+            </a:extLst>
+          </p:cNvPr>
+          <p:cNvSpPr txBox="1"/>
+          <p:nvPr/>
+        </p:nvSpPr>
+        <p:spPr>
+          <a:xfrm>
+            <a:off x="1806816" y="2242674"/>
+            <a:ext cx="5707736" cy="5447645"/>
+          </a:xfrm>
+          <a:prstGeom prst="rect">
+            <a:avLst/>
+          </a:prstGeom>
+          <a:noFill/>
+        </p:spPr>
+        <p:txBody>
+          <a:bodyPr wrap="square" rtlCol="1">
+            <a:spAutoFit/>
+          </a:bodyPr>
+          <a:lstStyle/>
+          <a:p>
+            <a:r>
+              <a:rPr lang="en-US" sz="3200" dirty="0"/>
+              <a:t>Agenda:</a:t>
+            </a:r>
+          </a:p>
+          <a:p>
+            <a:endParaRPr lang="en-US" sz="6000" dirty="0"/>
+          </a:p>
+          <a:p>
+            <a:r>
+              <a:rPr lang="en-US" sz="3200" dirty="0"/>
+              <a:t>2- System Architecture</a:t>
+            </a:r>
+          </a:p>
+          <a:p>
+            <a:r>
+              <a:rPr lang="en-US" sz="3200" dirty="0"/>
+              <a:t>3- </a:t>
+            </a:r>
+            <a:r>
+              <a:rPr lang="en-US" sz="3200" dirty="0" err="1"/>
+              <a:t>Yocto</a:t>
+            </a:r>
+            <a:endParaRPr lang="en-US" sz="3200" dirty="0"/>
+          </a:p>
+          <a:p>
+            <a:r>
+              <a:rPr lang="en-US" sz="3200" dirty="0"/>
+              <a:t>4- IR Sensor</a:t>
+            </a:r>
+          </a:p>
+          <a:p>
+            <a:r>
+              <a:rPr lang="en-US" sz="3200" dirty="0"/>
+              <a:t>6- Demo</a:t>
+            </a:r>
+          </a:p>
+          <a:p>
+            <a:endParaRPr lang="en-US" sz="3200" dirty="0"/>
+          </a:p>
+          <a:p>
+            <a:endParaRPr lang="en-US" sz="3200" dirty="0"/>
+          </a:p>
+          <a:p>
+            <a:endParaRPr lang="ar-EG" sz="6000" dirty="0"/>
+          </a:p>
+        </p:txBody>
+      </p:sp>
+      <p:pic>
+        <p:nvPicPr>
+          <p:cNvPr id="7" name="Picture 6">
+            <a:extLst>
+              <a:ext uri="{FF2B5EF4-FFF2-40B4-BE49-F238E27FC236}">
+                <a16:creationId xmlns:a16="http://schemas.microsoft.com/office/drawing/2014/main" id="{7E38D881-4F7C-4200-BB88-33A9E75AF1F1}"/>
+              </a:ext>
+            </a:extLst>
+          </p:cNvPr>
+          <p:cNvPicPr>
+            <a:picLocks noChangeAspect="1"/>
+          </p:cNvPicPr>
+          <p:nvPr/>
+        </p:nvPicPr>
+        <p:blipFill>
+          <a:blip r:embed="rId3"/>
+          <a:stretch>
+            <a:fillRect/>
+          </a:stretch>
+        </p:blipFill>
+        <p:spPr>
+          <a:xfrm>
+            <a:off x="8086538" y="757623"/>
+            <a:ext cx="3545050" cy="7080622"/>
+          </a:xfrm>
+          <a:prstGeom prst="roundRect">
+            <a:avLst>
+              <a:gd name="adj" fmla="val 8594"/>
+            </a:avLst>
+          </a:prstGeom>
+          <a:solidFill>
+            <a:srgbClr val="FFFFFF">
+              <a:shade val="85000"/>
+            </a:srgbClr>
+          </a:solidFill>
+          <a:ln>
+            <a:noFill/>
+          </a:ln>
+          <a:effectLst>
+            <a:reflection blurRad="12700" stA="38000" endPos="28000" dist="5000" dir="5400000" sy="-100000" algn="bl" rotWithShape="0"/>
+          </a:effectLst>
+        </p:spPr>
+      </p:pic>
+      <p:pic>
+        <p:nvPicPr>
+          <p:cNvPr id="1026" name="Picture 2" descr="Iphone X PNG Vector Images with Transparent background - TransparentPNG">
+            <a:extLst>
+              <a:ext uri="{FF2B5EF4-FFF2-40B4-BE49-F238E27FC236}">
+                <a16:creationId xmlns:a16="http://schemas.microsoft.com/office/drawing/2014/main" id="{E702CEBC-4BCB-4C5E-AFC3-713CEC1C72EE}"/>
+              </a:ext>
+            </a:extLst>
+          </p:cNvPr>
+          <p:cNvPicPr>
+            <a:picLocks noChangeAspect="1" noChangeArrowheads="1"/>
+          </p:cNvPicPr>
+          <p:nvPr/>
+        </p:nvPicPr>
+        <p:blipFill>
+          <a:blip r:embed="rId4">
+            <a:extLst>
+              <a:ext uri="{28A0092B-C50C-407E-A947-70E740481C1C}">
+                <a14:useLocalDpi xmlns:a14="http://schemas.microsoft.com/office/drawing/2010/main" val="0"/>
+              </a:ext>
+            </a:extLst>
+          </a:blip>
+          <a:srcRect/>
+          <a:stretch>
+            <a:fillRect/>
+          </a:stretch>
+        </p:blipFill>
+        <p:spPr bwMode="auto">
+          <a:xfrm>
+            <a:off x="7173573" y="435271"/>
+            <a:ext cx="5499547" cy="8383219"/>
+          </a:xfrm>
+          <a:prstGeom prst="rect">
+            <a:avLst/>
+          </a:prstGeom>
+          <a:noFill/>
+          <a:extLst>
+            <a:ext uri="{909E8E84-426E-40DD-AFC4-6F175D3DCCD1}">
+              <a14:hiddenFill xmlns:a14="http://schemas.microsoft.com/office/drawing/2010/main">
+                <a:solidFill>
+                  <a:srgbClr val="FFFFFF"/>
+                </a:solidFill>
+              </a14:hiddenFill>
+            </a:ext>
+          </a:extLst>
+        </p:spPr>
+      </p:pic>
+    </p:spTree>
+    <p:extLst>
+      <p:ext uri="{BB962C8B-B14F-4D97-AF65-F5344CB8AC3E}">
+        <p14:creationId xmlns:p14="http://schemas.microsoft.com/office/powerpoint/2010/main" val="1723091683"/>
+      </p:ext>
+    </p:extLst>
+  </p:cSld>
+  <p:clrMapOvr>
+    <a:masterClrMapping/>
+  </p:clrMapOvr>
+</p:sld>
+</file>
+
+<file path=ppt/slides/slide6.xml><?xml version="1.0" encoding="utf-8"?>
+<p:sld xmlns:a="http://schemas.openxmlformats.org/drawingml/2006/main" xmlns:r="http://schemas.openxmlformats.org/officeDocument/2006/relationships" xmlns:p="http://schemas.openxmlformats.org/presentationml/2006/main">
+  <p:cSld>
+    <p:spTree>
+      <p:nvGrpSpPr>
+        <p:cNvPr id="1" name=""/>
+        <p:cNvGrpSpPr/>
+        <p:nvPr/>
+      </p:nvGrpSpPr>
+      <p:grpSpPr>
+        <a:xfrm>
+          <a:off x="0" y="0"/>
+          <a:ext cx="0" cy="0"/>
+          <a:chOff x="0" y="0"/>
+          <a:chExt cx="0" cy="0"/>
+        </a:xfrm>
+      </p:grpSpPr>
+      <p:pic>
+        <p:nvPicPr>
+          <p:cNvPr id="4" name="Picture 3">
+            <a:extLst>
+              <a:ext uri="{FF2B5EF4-FFF2-40B4-BE49-F238E27FC236}">
+                <a16:creationId xmlns:a16="http://schemas.microsoft.com/office/drawing/2014/main" id="{FF8E541D-668A-4610-963D-10BC4A32C2A5}"/>
+              </a:ext>
+            </a:extLst>
+          </p:cNvPr>
+          <p:cNvPicPr>
+            <a:picLocks noChangeAspect="1"/>
+          </p:cNvPicPr>
+          <p:nvPr/>
+        </p:nvPicPr>
+        <p:blipFill>
+          <a:blip r:embed="rId2">
+            <a:extLst>
+              <a:ext uri="{28A0092B-C50C-407E-A947-70E740481C1C}">
+                <a14:useLocalDpi xmlns:a14="http://schemas.microsoft.com/office/drawing/2010/main" val="0"/>
+              </a:ext>
+            </a:extLst>
+          </a:blip>
+          <a:stretch>
+            <a:fillRect/>
+          </a:stretch>
+        </p:blipFill>
+        <p:spPr>
+          <a:xfrm>
+            <a:off x="1228725" y="228600"/>
+            <a:ext cx="9734550" cy="6400800"/>
+          </a:xfrm>
+          <a:prstGeom prst="rect">
+            <a:avLst/>
+          </a:prstGeom>
+        </p:spPr>
+      </p:pic>
+    </p:spTree>
+    <p:extLst>
+      <p:ext uri="{BB962C8B-B14F-4D97-AF65-F5344CB8AC3E}">
+        <p14:creationId xmlns:p14="http://schemas.microsoft.com/office/powerpoint/2010/main" val="2219567030"/>
+      </p:ext>
+    </p:extLst>
+  </p:cSld>
+  <p:clrMapOvr>
+    <a:masterClrMapping/>
+  </p:clrMapOvr>
+</p:sld>
+</file>
+
+<file path=ppt/slides/slide7.xml><?xml version="1.0" encoding="utf-8"?>
+<p:sld xmlns:a="http://schemas.openxmlformats.org/drawingml/2006/main" xmlns:r="http://schemas.openxmlformats.org/officeDocument/2006/relationships" xmlns:p="http://schemas.openxmlformats.org/presentationml/2006/main" show="0">
+  <p:cSld>
+    <p:spTree>
+      <p:nvGrpSpPr>
+        <p:cNvPr id="1" name=""/>
+        <p:cNvGrpSpPr/>
+        <p:nvPr/>
+      </p:nvGrpSpPr>
+      <p:grpSpPr>
+        <a:xfrm>
+          <a:off x="0" y="0"/>
+          <a:ext cx="0" cy="0"/>
+          <a:chOff x="0" y="0"/>
+          <a:chExt cx="0" cy="0"/>
+        </a:xfrm>
+      </p:grpSpPr>
+      <p:sp>
+        <p:nvSpPr>
+          <p:cNvPr id="2" name="Rectangle 1">
+            <a:extLst>
+              <a:ext uri="{FF2B5EF4-FFF2-40B4-BE49-F238E27FC236}">
+                <a16:creationId xmlns:a16="http://schemas.microsoft.com/office/drawing/2014/main" id="{9A3B4C56-A16C-47E0-985D-A46F5AA7389D}"/>
+              </a:ext>
+            </a:extLst>
+          </p:cNvPr>
+          <p:cNvSpPr/>
+          <p:nvPr/>
+        </p:nvSpPr>
+        <p:spPr>
+          <a:xfrm flipH="1">
+            <a:off x="6096000" y="0"/>
+            <a:ext cx="6096000" cy="6858000"/>
+          </a:xfrm>
+          <a:prstGeom prst="rect">
+            <a:avLst/>
+          </a:prstGeom>
+          <a:solidFill>
+            <a:srgbClr val="421D5D"/>
+          </a:solidFill>
+        </p:spPr>
+        <p:style>
+          <a:lnRef idx="2">
+            <a:schemeClr val="accent1">
+              <a:shade val="50000"/>
+            </a:schemeClr>
+          </a:lnRef>
+          <a:fillRef idx="1">
+            <a:schemeClr val="accent1"/>
+          </a:fillRef>
+          <a:effectRef idx="0">
+            <a:schemeClr val="accent1"/>
+          </a:effectRef>
+          <a:fontRef idx="minor">
+            <a:schemeClr val="lt1"/>
+          </a:fontRef>
+        </p:style>
+        <p:txBody>
+          <a:bodyPr rtlCol="1" anchor="ctr"/>
+          <a:lstStyle/>
+          <a:p>
+            <a:pPr algn="ctr"/>
+            <a:endParaRPr lang="ar-EG"/>
+          </a:p>
+        </p:txBody>
+      </p:sp>
+      <p:sp>
+        <p:nvSpPr>
+          <p:cNvPr id="3" name="Rectangle: Rounded Corners 2">
+            <a:extLst>
+              <a:ext uri="{FF2B5EF4-FFF2-40B4-BE49-F238E27FC236}">
+                <a16:creationId xmlns:a16="http://schemas.microsoft.com/office/drawing/2014/main" id="{FDC5310F-B71C-46A0-9E8C-61293D7559C4}"/>
+              </a:ext>
+            </a:extLst>
+          </p:cNvPr>
+          <p:cNvSpPr/>
+          <p:nvPr/>
+        </p:nvSpPr>
+        <p:spPr>
+          <a:xfrm>
+            <a:off x="7231117" y="876300"/>
+            <a:ext cx="3825765" cy="5105400"/>
+          </a:xfrm>
+          <a:prstGeom prst="roundRect">
+            <a:avLst>
+              <a:gd name="adj" fmla="val 10257"/>
+            </a:avLst>
+          </a:prstGeom>
+          <a:blipFill dpi="0" rotWithShape="1">
+            <a:blip r:embed="rId2">
+              <a:extLst>
+                <a:ext uri="{837473B0-CC2E-450A-ABE3-18F120FF3D39}">
+                  <a1611:picAttrSrcUrl xmlns:a1611="http://schemas.microsoft.com/office/drawing/2016/11/main" r:id="rId3"/>
+                </a:ext>
+              </a:extLst>
+            </a:blip>
+            <a:srcRect/>
+            <a:stretch>
+              <a:fillRect/>
+            </a:stretch>
+          </a:blipFill>
+          <a:effectLst>
+            <a:glow rad="127000">
+              <a:schemeClr val="accent1"/>
+            </a:glow>
+            <a:reflection blurRad="76200" stA="45000" endPos="65000" dist="50800" dir="5400000" sy="-100000" algn="bl" rotWithShape="0"/>
+          </a:effectLst>
+        </p:spPr>
+        <p:style>
+          <a:lnRef idx="2">
+            <a:schemeClr val="accent1">
+              <a:shade val="50000"/>
+            </a:schemeClr>
+          </a:lnRef>
+          <a:fillRef idx="1">
+            <a:schemeClr val="accent1"/>
+          </a:fillRef>
+          <a:effectRef idx="0">
+            <a:schemeClr val="accent1"/>
+          </a:effectRef>
+          <a:fontRef idx="minor">
+            <a:schemeClr val="lt1"/>
+          </a:fontRef>
+        </p:style>
+        <p:txBody>
+          <a:bodyPr rtlCol="1" anchor="ctr"/>
+          <a:lstStyle/>
+          <a:p>
+            <a:pPr algn="ctr"/>
+            <a:endParaRPr lang="ar-EG"/>
+          </a:p>
+        </p:txBody>
+      </p:sp>
+      <p:sp>
+        <p:nvSpPr>
+          <p:cNvPr id="5" name="TextBox 4">
+            <a:extLst>
+              <a:ext uri="{FF2B5EF4-FFF2-40B4-BE49-F238E27FC236}">
+                <a16:creationId xmlns:a16="http://schemas.microsoft.com/office/drawing/2014/main" id="{92D6F531-FFFC-4775-8747-2A6C1975445D}"/>
+              </a:ext>
+            </a:extLst>
+          </p:cNvPr>
+          <p:cNvSpPr txBox="1"/>
+          <p:nvPr/>
+        </p:nvSpPr>
+        <p:spPr>
+          <a:xfrm>
+            <a:off x="777764" y="1081584"/>
+            <a:ext cx="5318236" cy="4093428"/>
+          </a:xfrm>
+          <a:prstGeom prst="rect">
+            <a:avLst/>
+          </a:prstGeom>
+          <a:noFill/>
+        </p:spPr>
+        <p:txBody>
+          <a:bodyPr wrap="square" rtlCol="1">
+            <a:spAutoFit/>
+          </a:bodyPr>
+          <a:lstStyle/>
+          <a:p>
+            <a:r>
+              <a:rPr lang="en-US" sz="4400" dirty="0"/>
+              <a:t>Agenda:</a:t>
+            </a:r>
+          </a:p>
+          <a:p>
+            <a:r>
+              <a:rPr lang="en-US" sz="3600" dirty="0"/>
+              <a:t>01-Project Overview</a:t>
+            </a:r>
+          </a:p>
+          <a:p>
+            <a:r>
+              <a:rPr lang="en-US" sz="3600" dirty="0"/>
+              <a:t>02-System Architecture</a:t>
+            </a:r>
+          </a:p>
+          <a:p>
+            <a:r>
+              <a:rPr lang="en-US" sz="3600" dirty="0"/>
+              <a:t>03-Yocto</a:t>
+            </a:r>
+          </a:p>
+          <a:p>
+            <a:r>
+              <a:rPr lang="en-US" sz="3600" dirty="0"/>
+              <a:t>04-IR Sensor</a:t>
+            </a:r>
+          </a:p>
+          <a:p>
+            <a:r>
+              <a:rPr lang="en-US" sz="3600" dirty="0"/>
+              <a:t>05-Gui</a:t>
+            </a:r>
+          </a:p>
+          <a:p>
+            <a:r>
+              <a:rPr lang="en-US" sz="3600" dirty="0"/>
+              <a:t>06-Demo</a:t>
+            </a:r>
+          </a:p>
+        </p:txBody>
+      </p:sp>
+    </p:spTree>
+    <p:extLst>
+      <p:ext uri="{BB962C8B-B14F-4D97-AF65-F5344CB8AC3E}">
+        <p14:creationId xmlns:p14="http://schemas.microsoft.com/office/powerpoint/2010/main" val="3797270812"/>
+      </p:ext>
+    </p:extLst>
+  </p:cSld>
+  <p:clrMapOvr>
+    <a:masterClrMapping/>
+  </p:clrMapOvr>
+  <mc:AlternateContent xmlns:mc="http://schemas.openxmlformats.org/markup-compatibility/2006">
+    <mc:Choice xmlns:p159="http://schemas.microsoft.com/office/powerpoint/2015/09/main" Requires="p159">
+      <p:transition xmlns:p14="http://schemas.microsoft.com/office/powerpoint/2010/main" spd="slow" p14:dur="2000">
+        <p159:morph option="byObject"/>
+      </p:transition>
+    </mc:Choice>
+    <mc:Fallback>
+      <p:transition spd="slow">
+        <p:fade/>
+      </p:transition>
+    </mc:Fallback>
+  </mc:AlternateContent>
+</p:sld>
+</file>
+
+<file path=ppt/slides/slide8.xml><?xml version="1.0" encoding="utf-8"?>
+<p:sld xmlns:a="http://schemas.openxmlformats.org/drawingml/2006/main" xmlns:r="http://schemas.openxmlformats.org/officeDocument/2006/relationships" xmlns:p="http://schemas.openxmlformats.org/presentationml/2006/main">
+  <p:cSld>
+    <p:spTree>
+      <p:nvGrpSpPr>
+        <p:cNvPr id="1" name=""/>
+        <p:cNvGrpSpPr/>
+        <p:nvPr/>
+      </p:nvGrpSpPr>
+      <p:grpSpPr>
+        <a:xfrm>
+          <a:off x="0" y="0"/>
+          <a:ext cx="0" cy="0"/>
+          <a:chOff x="0" y="0"/>
+          <a:chExt cx="0" cy="0"/>
+        </a:xfrm>
+      </p:grpSpPr>
+      <p:sp>
+        <p:nvSpPr>
           <p:cNvPr id="2" name="Rectangle 1">
             <a:extLst>
               <a:ext uri="{FF2B5EF4-FFF2-40B4-BE49-F238E27FC236}">
@@ -4659,7 +6377,7 @@
         <p:spPr>
           <a:xfrm>
             <a:off x="6558455" y="378371"/>
-            <a:ext cx="5318236" cy="4739759"/>
+            <a:ext cx="5318236" cy="6217087"/>
           </a:xfrm>
           <a:prstGeom prst="rect">
             <a:avLst/>
@@ -4679,6 +6397,47 @@
             <a:endParaRPr lang="en-US" sz="4400" dirty="0"/>
           </a:p>
           <a:p>
+            <a:r>
+              <a:rPr lang="en-US" sz="4400" dirty="0"/>
+              <a:t>01-Project Overview</a:t>
+            </a:r>
+          </a:p>
+          <a:p>
+            <a:r>
+              <a:rPr lang="en-US" sz="4400" dirty="0"/>
+              <a:t>02-System </a:t>
+            </a:r>
+            <a:r>
+              <a:rPr lang="en-US" sz="4400" dirty="0" err="1"/>
+              <a:t>Archticture</a:t>
+            </a:r>
+            <a:endParaRPr lang="en-US" sz="4400" dirty="0"/>
+          </a:p>
+          <a:p>
+            <a:r>
+              <a:rPr lang="en-US" sz="4400" dirty="0"/>
+              <a:t>03-Yocto</a:t>
+            </a:r>
+          </a:p>
+          <a:p>
+            <a:r>
+              <a:rPr lang="en-US" sz="4400" dirty="0"/>
+              <a:t>04-IR Sensor</a:t>
+            </a:r>
+          </a:p>
+          <a:p>
+            <a:r>
+              <a:rPr lang="en-US" sz="4400" dirty="0"/>
+              <a:t>05-Gui</a:t>
+            </a:r>
+          </a:p>
+          <a:p>
+            <a:r>
+              <a:rPr lang="en-US" sz="4400" dirty="0"/>
+              <a:t>06-Demo</a:t>
+            </a:r>
+          </a:p>
+          <a:p>
             <a:endParaRPr lang="en-US" dirty="0"/>
           </a:p>
           <a:p>
@@ -4692,65 +6451,26 @@
           </a:p>
           <a:p>
             <a:endParaRPr lang="en-US" dirty="0"/>
-          </a:p>
-          <a:p>
-            <a:r>
-              <a:rPr lang="en-US" sz="2400" dirty="0"/>
-              <a:t>1- </a:t>
-            </a:r>
-            <a:r>
-              <a:rPr lang="en-US" sz="2400" dirty="0" err="1"/>
-              <a:t>hcjsdksd</a:t>
-            </a:r>
-            <a:endParaRPr lang="en-US" sz="2400" dirty="0"/>
-          </a:p>
-          <a:p>
-            <a:endParaRPr lang="en-US" sz="2400" dirty="0"/>
-          </a:p>
-          <a:p>
-            <a:r>
-              <a:rPr lang="en-US" sz="2400" dirty="0"/>
-              <a:t>2-fffggrgfg</a:t>
-            </a:r>
-          </a:p>
-          <a:p>
-            <a:endParaRPr lang="en-US" sz="2400" dirty="0"/>
-          </a:p>
-          <a:p>
-            <a:r>
-              <a:rPr lang="en-US" sz="2400" dirty="0"/>
-              <a:t>3-ggdgdfgdg</a:t>
-            </a:r>
-          </a:p>
-          <a:p>
-            <a:endParaRPr lang="en-US" sz="2400" dirty="0"/>
-          </a:p>
-          <a:p>
-            <a:r>
-              <a:rPr lang="en-US" sz="2400" dirty="0"/>
-              <a:t>4-dgghdfgdfg</a:t>
-            </a:r>
-            <a:endParaRPr lang="ar-EG" sz="2400" dirty="0"/>
           </a:p>
         </p:txBody>
       </p:sp>
     </p:spTree>
     <p:extLst>
       <p:ext uri="{BB962C8B-B14F-4D97-AF65-F5344CB8AC3E}">
-        <p14:creationId xmlns:p14="http://schemas.microsoft.com/office/powerpoint/2010/main" val="2444678567"/>
+        <p14:creationId xmlns:p14="http://schemas.microsoft.com/office/powerpoint/2010/main" val="2397542945"/>
       </p:ext>
     </p:extLst>
   </p:cSld>
   <p:clrMapOvr>
     <a:masterClrMapping/>
   </p:clrMapOvr>
-  <mc:AlternateContent xmlns:mc="http://schemas.openxmlformats.org/markup-compatibility/2006">
-    <mc:Choice xmlns:p159="http://schemas.microsoft.com/office/powerpoint/2015/09/main" Requires="p159">
+  <mc:AlternateContent xmlns:mc="http://schemas.openxmlformats.org/markup-compatibility/2006" xmlns:p159="http://schemas.microsoft.com/office/powerpoint/2015/09/main">
+    <mc:Choice Requires="p159">
       <p:transition xmlns:p14="http://schemas.microsoft.com/office/powerpoint/2010/main" spd="slow" p14:dur="2000">
         <p159:morph option="byObject"/>
       </p:transition>
     </mc:Choice>
-    <mc:Fallback>
+    <mc:Fallback xmlns="">
       <p:transition spd="slow">
         <p:fade/>
       </p:transition>
@@ -4759,7 +6479,7 @@
 </p:sld>
 </file>
 
-<file path=ppt/slides/slide5.xml><?xml version="1.0" encoding="utf-8"?>
+<file path=ppt/slides/slide9.xml><?xml version="1.0" encoding="utf-8"?>
 <p:sld xmlns:a="http://schemas.openxmlformats.org/drawingml/2006/main" xmlns:r="http://schemas.openxmlformats.org/officeDocument/2006/relationships" xmlns:p="http://schemas.openxmlformats.org/presentationml/2006/main">
   <p:cSld>
     <p:spTree>
@@ -4848,13 +6568,7 @@
             </a:avLst>
           </a:prstGeom>
           <a:blipFill dpi="0" rotWithShape="1">
-            <a:blip r:embed="rId2">
-              <a:extLst>
-                <a:ext uri="{837473B0-CC2E-450A-ABE3-18F120FF3D39}">
-                  <a1611:picAttrSrcUrl xmlns:a1611="http://schemas.microsoft.com/office/drawing/2016/11/main" r:id="rId3"/>
-                </a:ext>
-              </a:extLst>
-            </a:blip>
+            <a:blip r:embed="rId2"/>
             <a:srcRect/>
             <a:stretch>
               <a:fillRect/>
@@ -4907,7 +6621,7 @@
         <p:spPr>
           <a:xfrm>
             <a:off x="536026" y="792217"/>
-            <a:ext cx="5318236" cy="4739759"/>
+            <a:ext cx="5318236" cy="3262432"/>
           </a:xfrm>
           <a:prstGeom prst="rect">
             <a:avLst/>
@@ -4921,560 +6635,40 @@
           <a:lstStyle/>
           <a:p>
             <a:r>
-              <a:rPr lang="en-US" sz="4400" dirty="0" err="1"/>
-              <a:t>Yocto</a:t>
-            </a:r>
-            <a:endParaRPr lang="en-US" sz="4400" dirty="0"/>
-          </a:p>
-          <a:p>
+              <a:rPr lang="en-US" sz="4400" dirty="0"/>
+              <a:t>IR</a:t>
+            </a:r>
             <a:endParaRPr lang="en-US" dirty="0"/>
           </a:p>
           <a:p>
             <a:endParaRPr lang="en-US" dirty="0"/>
           </a:p>
           <a:p>
-            <a:endParaRPr lang="en-US" dirty="0"/>
-          </a:p>
-          <a:p>
-            <a:endParaRPr lang="en-US" dirty="0"/>
-          </a:p>
-          <a:p>
-            <a:endParaRPr lang="en-US" dirty="0"/>
-          </a:p>
-          <a:p>
             <a:r>
               <a:rPr lang="en-US" sz="2400" dirty="0"/>
-              <a:t>1- </a:t>
-            </a:r>
-            <a:r>
-              <a:rPr lang="en-US" sz="2400" dirty="0" err="1"/>
-              <a:t>hcjsdksd</a:t>
-            </a:r>
+              <a:t>1- IR Sensor Methodology</a:t>
+            </a:r>
+          </a:p>
+          <a:p>
             <a:endParaRPr lang="en-US" sz="2400" dirty="0"/>
           </a:p>
           <a:p>
+            <a:r>
+              <a:rPr lang="en-US" sz="2400" dirty="0"/>
+              <a:t>2-Lircd.conf file</a:t>
+            </a:r>
+          </a:p>
+          <a:p>
             <a:endParaRPr lang="en-US" sz="2400" dirty="0"/>
           </a:p>
           <a:p>
             <a:r>
               <a:rPr lang="en-US" sz="2400" dirty="0"/>
-              <a:t>2-fffggrgfg</a:t>
+              <a:t>3-Challenges </a:t>
             </a:r>
           </a:p>
           <a:p>
             <a:endParaRPr lang="en-US" sz="2400" dirty="0"/>
-          </a:p>
-          <a:p>
-            <a:r>
-              <a:rPr lang="en-US" sz="2400" dirty="0"/>
-              <a:t>3-ggdgdfgdg</a:t>
-            </a:r>
-          </a:p>
-          <a:p>
-            <a:endParaRPr lang="en-US" sz="2400" dirty="0"/>
-          </a:p>
-          <a:p>
-            <a:r>
-              <a:rPr lang="en-US" sz="2400" dirty="0"/>
-              <a:t>4-dgghdfgdfg</a:t>
-            </a:r>
-            <a:endParaRPr lang="ar-EG" sz="2400" dirty="0"/>
-          </a:p>
-        </p:txBody>
-      </p:sp>
-    </p:spTree>
-    <p:extLst>
-      <p:ext uri="{BB962C8B-B14F-4D97-AF65-F5344CB8AC3E}">
-        <p14:creationId xmlns:p14="http://schemas.microsoft.com/office/powerpoint/2010/main" val="3797270812"/>
-      </p:ext>
-    </p:extLst>
-  </p:cSld>
-  <p:clrMapOvr>
-    <a:masterClrMapping/>
-  </p:clrMapOvr>
-  <mc:AlternateContent xmlns:mc="http://schemas.openxmlformats.org/markup-compatibility/2006">
-    <mc:Choice xmlns:p159="http://schemas.microsoft.com/office/powerpoint/2015/09/main" Requires="p159">
-      <p:transition xmlns:p14="http://schemas.microsoft.com/office/powerpoint/2010/main" spd="slow" p14:dur="2000">
-        <p159:morph option="byObject"/>
-      </p:transition>
-    </mc:Choice>
-    <mc:Fallback>
-      <p:transition spd="slow">
-        <p:fade/>
-      </p:transition>
-    </mc:Fallback>
-  </mc:AlternateContent>
-</p:sld>
-</file>
-
-<file path=ppt/slides/slide6.xml><?xml version="1.0" encoding="utf-8"?>
-<p:sld xmlns:a="http://schemas.openxmlformats.org/drawingml/2006/main" xmlns:r="http://schemas.openxmlformats.org/officeDocument/2006/relationships" xmlns:p="http://schemas.openxmlformats.org/presentationml/2006/main">
-  <p:cSld>
-    <p:spTree>
-      <p:nvGrpSpPr>
-        <p:cNvPr id="1" name=""/>
-        <p:cNvGrpSpPr/>
-        <p:nvPr/>
-      </p:nvGrpSpPr>
-      <p:grpSpPr>
-        <a:xfrm>
-          <a:off x="0" y="0"/>
-          <a:ext cx="0" cy="0"/>
-          <a:chOff x="0" y="0"/>
-          <a:chExt cx="0" cy="0"/>
-        </a:xfrm>
-      </p:grpSpPr>
-      <p:sp>
-        <p:nvSpPr>
-          <p:cNvPr id="2" name="Rectangle 1">
-            <a:extLst>
-              <a:ext uri="{FF2B5EF4-FFF2-40B4-BE49-F238E27FC236}">
-                <a16:creationId xmlns:a16="http://schemas.microsoft.com/office/drawing/2014/main" id="{9A3B4C56-A16C-47E0-985D-A46F5AA7389D}"/>
-              </a:ext>
-            </a:extLst>
-          </p:cNvPr>
-          <p:cNvSpPr/>
-          <p:nvPr/>
-        </p:nvSpPr>
-        <p:spPr>
-          <a:xfrm>
-            <a:off x="6096000" y="0"/>
-            <a:ext cx="6096000" cy="6858000"/>
-          </a:xfrm>
-          <a:prstGeom prst="rect">
-            <a:avLst/>
-          </a:prstGeom>
-          <a:solidFill>
-            <a:srgbClr val="421D5D"/>
-          </a:solidFill>
-        </p:spPr>
-        <p:style>
-          <a:lnRef idx="2">
-            <a:schemeClr val="accent1">
-              <a:shade val="50000"/>
-            </a:schemeClr>
-          </a:lnRef>
-          <a:fillRef idx="1">
-            <a:schemeClr val="accent1"/>
-          </a:fillRef>
-          <a:effectRef idx="0">
-            <a:schemeClr val="accent1"/>
-          </a:effectRef>
-          <a:fontRef idx="minor">
-            <a:schemeClr val="lt1"/>
-          </a:fontRef>
-        </p:style>
-        <p:txBody>
-          <a:bodyPr rtlCol="1" anchor="ctr"/>
-          <a:lstStyle/>
-          <a:p>
-            <a:pPr algn="ctr"/>
-            <a:endParaRPr lang="ar-EG"/>
-          </a:p>
-        </p:txBody>
-      </p:sp>
-      <p:sp>
-        <p:nvSpPr>
-          <p:cNvPr id="3" name="Rectangle: Rounded Corners 2">
-            <a:extLst>
-              <a:ext uri="{FF2B5EF4-FFF2-40B4-BE49-F238E27FC236}">
-                <a16:creationId xmlns:a16="http://schemas.microsoft.com/office/drawing/2014/main" id="{FDC5310F-B71C-46A0-9E8C-61293D7559C4}"/>
-              </a:ext>
-            </a:extLst>
-          </p:cNvPr>
-          <p:cNvSpPr/>
-          <p:nvPr/>
-        </p:nvSpPr>
-        <p:spPr>
-          <a:xfrm>
-            <a:off x="1145626" y="1032641"/>
-            <a:ext cx="3825765" cy="5105400"/>
-          </a:xfrm>
-          <a:prstGeom prst="roundRect">
-            <a:avLst>
-              <a:gd name="adj" fmla="val 10257"/>
-            </a:avLst>
-          </a:prstGeom>
-          <a:blipFill dpi="0" rotWithShape="1">
-            <a:blip r:embed="rId2">
-              <a:extLst>
-                <a:ext uri="{837473B0-CC2E-450A-ABE3-18F120FF3D39}">
-                  <a1611:picAttrSrcUrl xmlns:a1611="http://schemas.microsoft.com/office/drawing/2016/11/main" r:id="rId3"/>
-                </a:ext>
-              </a:extLst>
-            </a:blip>
-            <a:srcRect/>
-            <a:stretch>
-              <a:fillRect/>
-            </a:stretch>
-          </a:blipFill>
-          <a:effectLst>
-            <a:glow rad="127000">
-              <a:schemeClr val="accent1"/>
-            </a:glow>
-            <a:reflection blurRad="76200" stA="45000" endPos="65000" dist="50800" dir="5400000" sy="-100000" algn="bl" rotWithShape="0"/>
-          </a:effectLst>
-        </p:spPr>
-        <p:style>
-          <a:lnRef idx="2">
-            <a:schemeClr val="accent1">
-              <a:shade val="50000"/>
-            </a:schemeClr>
-          </a:lnRef>
-          <a:fillRef idx="1">
-            <a:schemeClr val="accent1"/>
-          </a:fillRef>
-          <a:effectRef idx="0">
-            <a:schemeClr val="accent1"/>
-          </a:effectRef>
-          <a:fontRef idx="minor">
-            <a:schemeClr val="lt1"/>
-          </a:fontRef>
-        </p:style>
-        <p:txBody>
-          <a:bodyPr rtlCol="1" anchor="ctr"/>
-          <a:lstStyle/>
-          <a:p>
-            <a:pPr algn="ctr"/>
-            <a:endParaRPr lang="ar-EG"/>
-          </a:p>
-        </p:txBody>
-      </p:sp>
-      <p:sp>
-        <p:nvSpPr>
-          <p:cNvPr id="4" name="TextBox 3">
-            <a:extLst>
-              <a:ext uri="{FF2B5EF4-FFF2-40B4-BE49-F238E27FC236}">
-                <a16:creationId xmlns:a16="http://schemas.microsoft.com/office/drawing/2014/main" id="{AA8DFC32-E073-49D3-9E54-0AC7FA76A496}"/>
-              </a:ext>
-            </a:extLst>
-          </p:cNvPr>
-          <p:cNvSpPr txBox="1"/>
-          <p:nvPr/>
-        </p:nvSpPr>
-        <p:spPr>
-          <a:xfrm>
-            <a:off x="6558455" y="378371"/>
-            <a:ext cx="5318236" cy="4739759"/>
-          </a:xfrm>
-          <a:prstGeom prst="rect">
-            <a:avLst/>
-          </a:prstGeom>
-          <a:noFill/>
-        </p:spPr>
-        <p:txBody>
-          <a:bodyPr wrap="square" rtlCol="1">
-            <a:spAutoFit/>
-          </a:bodyPr>
-          <a:lstStyle/>
-          <a:p>
-            <a:r>
-              <a:rPr lang="en-US" sz="4400"/>
-              <a:t>Java</a:t>
-            </a:r>
-            <a:endParaRPr lang="en-US" sz="4400" dirty="0"/>
-          </a:p>
-          <a:p>
-            <a:endParaRPr lang="en-US" dirty="0"/>
-          </a:p>
-          <a:p>
-            <a:endParaRPr lang="en-US" dirty="0"/>
-          </a:p>
-          <a:p>
-            <a:endParaRPr lang="en-US" dirty="0"/>
-          </a:p>
-          <a:p>
-            <a:endParaRPr lang="en-US" dirty="0"/>
-          </a:p>
-          <a:p>
-            <a:endParaRPr lang="en-US" dirty="0"/>
-          </a:p>
-          <a:p>
-            <a:r>
-              <a:rPr lang="en-US" sz="2400" dirty="0"/>
-              <a:t>1- </a:t>
-            </a:r>
-            <a:r>
-              <a:rPr lang="en-US" sz="2400" dirty="0" err="1"/>
-              <a:t>hcjsdksd</a:t>
-            </a:r>
-            <a:endParaRPr lang="en-US" sz="2400" dirty="0"/>
-          </a:p>
-          <a:p>
-            <a:endParaRPr lang="en-US" sz="2400" dirty="0"/>
-          </a:p>
-          <a:p>
-            <a:r>
-              <a:rPr lang="en-US" sz="2400" dirty="0"/>
-              <a:t>2-fffggrgfg</a:t>
-            </a:r>
-          </a:p>
-          <a:p>
-            <a:endParaRPr lang="en-US" sz="2400" dirty="0"/>
-          </a:p>
-          <a:p>
-            <a:r>
-              <a:rPr lang="en-US" sz="2400" dirty="0"/>
-              <a:t>3-ggdgdfgdg</a:t>
-            </a:r>
-          </a:p>
-          <a:p>
-            <a:endParaRPr lang="en-US" sz="2400" dirty="0"/>
-          </a:p>
-          <a:p>
-            <a:r>
-              <a:rPr lang="en-US" sz="2400" dirty="0"/>
-              <a:t>4-dgghdfgdfg</a:t>
-            </a:r>
-            <a:endParaRPr lang="ar-EG" sz="2400" dirty="0"/>
-          </a:p>
-        </p:txBody>
-      </p:sp>
-    </p:spTree>
-    <p:extLst>
-      <p:ext uri="{BB962C8B-B14F-4D97-AF65-F5344CB8AC3E}">
-        <p14:creationId xmlns:p14="http://schemas.microsoft.com/office/powerpoint/2010/main" val="2397542945"/>
-      </p:ext>
-    </p:extLst>
-  </p:cSld>
-  <p:clrMapOvr>
-    <a:masterClrMapping/>
-  </p:clrMapOvr>
-  <mc:AlternateContent xmlns:mc="http://schemas.openxmlformats.org/markup-compatibility/2006">
-    <mc:Choice xmlns:p159="http://schemas.microsoft.com/office/powerpoint/2015/09/main" Requires="p159">
-      <p:transition xmlns:p14="http://schemas.microsoft.com/office/powerpoint/2010/main" spd="slow" p14:dur="2000">
-        <p159:morph option="byObject"/>
-      </p:transition>
-    </mc:Choice>
-    <mc:Fallback>
-      <p:transition spd="slow">
-        <p:fade/>
-      </p:transition>
-    </mc:Fallback>
-  </mc:AlternateContent>
-</p:sld>
-</file>
-
-<file path=ppt/slides/slide7.xml><?xml version="1.0" encoding="utf-8"?>
-<p:sld xmlns:a="http://schemas.openxmlformats.org/drawingml/2006/main" xmlns:r="http://schemas.openxmlformats.org/officeDocument/2006/relationships" xmlns:p="http://schemas.openxmlformats.org/presentationml/2006/main">
-  <p:cSld>
-    <p:spTree>
-      <p:nvGrpSpPr>
-        <p:cNvPr id="1" name=""/>
-        <p:cNvGrpSpPr/>
-        <p:nvPr/>
-      </p:nvGrpSpPr>
-      <p:grpSpPr>
-        <a:xfrm>
-          <a:off x="0" y="0"/>
-          <a:ext cx="0" cy="0"/>
-          <a:chOff x="0" y="0"/>
-          <a:chExt cx="0" cy="0"/>
-        </a:xfrm>
-      </p:grpSpPr>
-      <p:sp>
-        <p:nvSpPr>
-          <p:cNvPr id="2" name="Rectangle 1">
-            <a:extLst>
-              <a:ext uri="{FF2B5EF4-FFF2-40B4-BE49-F238E27FC236}">
-                <a16:creationId xmlns:a16="http://schemas.microsoft.com/office/drawing/2014/main" id="{9A3B4C56-A16C-47E0-985D-A46F5AA7389D}"/>
-              </a:ext>
-            </a:extLst>
-          </p:cNvPr>
-          <p:cNvSpPr/>
-          <p:nvPr/>
-        </p:nvSpPr>
-        <p:spPr>
-          <a:xfrm flipH="1">
-            <a:off x="6096000" y="0"/>
-            <a:ext cx="6096000" cy="6858000"/>
-          </a:xfrm>
-          <a:prstGeom prst="rect">
-            <a:avLst/>
-          </a:prstGeom>
-          <a:solidFill>
-            <a:srgbClr val="421D5D"/>
-          </a:solidFill>
-        </p:spPr>
-        <p:style>
-          <a:lnRef idx="2">
-            <a:schemeClr val="accent1">
-              <a:shade val="50000"/>
-            </a:schemeClr>
-          </a:lnRef>
-          <a:fillRef idx="1">
-            <a:schemeClr val="accent1"/>
-          </a:fillRef>
-          <a:effectRef idx="0">
-            <a:schemeClr val="accent1"/>
-          </a:effectRef>
-          <a:fontRef idx="minor">
-            <a:schemeClr val="lt1"/>
-          </a:fontRef>
-        </p:style>
-        <p:txBody>
-          <a:bodyPr rtlCol="1" anchor="ctr"/>
-          <a:lstStyle/>
-          <a:p>
-            <a:pPr algn="ctr"/>
-            <a:endParaRPr lang="ar-EG"/>
-          </a:p>
-        </p:txBody>
-      </p:sp>
-      <p:sp>
-        <p:nvSpPr>
-          <p:cNvPr id="3" name="Rectangle: Rounded Corners 2">
-            <a:extLst>
-              <a:ext uri="{FF2B5EF4-FFF2-40B4-BE49-F238E27FC236}">
-                <a16:creationId xmlns:a16="http://schemas.microsoft.com/office/drawing/2014/main" id="{FDC5310F-B71C-46A0-9E8C-61293D7559C4}"/>
-              </a:ext>
-            </a:extLst>
-          </p:cNvPr>
-          <p:cNvSpPr/>
-          <p:nvPr/>
-        </p:nvSpPr>
-        <p:spPr>
-          <a:xfrm>
-            <a:off x="7231117" y="876300"/>
-            <a:ext cx="3825765" cy="5105400"/>
-          </a:xfrm>
-          <a:prstGeom prst="roundRect">
-            <a:avLst>
-              <a:gd name="adj" fmla="val 10257"/>
-            </a:avLst>
-          </a:prstGeom>
-          <a:blipFill dpi="0" rotWithShape="1">
-            <a:blip r:embed="rId2">
-              <a:extLst>
-                <a:ext uri="{837473B0-CC2E-450A-ABE3-18F120FF3D39}">
-                  <a1611:picAttrSrcUrl xmlns:a1611="http://schemas.microsoft.com/office/drawing/2016/11/main" r:id="rId3"/>
-                </a:ext>
-              </a:extLst>
-            </a:blip>
-            <a:srcRect/>
-            <a:stretch>
-              <a:fillRect/>
-            </a:stretch>
-          </a:blipFill>
-          <a:effectLst>
-            <a:glow rad="127000">
-              <a:schemeClr val="accent1"/>
-            </a:glow>
-            <a:reflection blurRad="76200" stA="45000" endPos="65000" dist="50800" dir="5400000" sy="-100000" algn="bl" rotWithShape="0"/>
-          </a:effectLst>
-        </p:spPr>
-        <p:style>
-          <a:lnRef idx="2">
-            <a:schemeClr val="accent1">
-              <a:shade val="50000"/>
-            </a:schemeClr>
-          </a:lnRef>
-          <a:fillRef idx="1">
-            <a:schemeClr val="accent1"/>
-          </a:fillRef>
-          <a:effectRef idx="0">
-            <a:schemeClr val="accent1"/>
-          </a:effectRef>
-          <a:fontRef idx="minor">
-            <a:schemeClr val="lt1"/>
-          </a:fontRef>
-        </p:style>
-        <p:txBody>
-          <a:bodyPr rtlCol="1" anchor="ctr"/>
-          <a:lstStyle/>
-          <a:p>
-            <a:pPr algn="ctr"/>
-            <a:endParaRPr lang="ar-EG"/>
-          </a:p>
-        </p:txBody>
-      </p:sp>
-      <p:sp>
-        <p:nvSpPr>
-          <p:cNvPr id="5" name="TextBox 4">
-            <a:extLst>
-              <a:ext uri="{FF2B5EF4-FFF2-40B4-BE49-F238E27FC236}">
-                <a16:creationId xmlns:a16="http://schemas.microsoft.com/office/drawing/2014/main" id="{92D6F531-FFFC-4775-8747-2A6C1975445D}"/>
-              </a:ext>
-            </a:extLst>
-          </p:cNvPr>
-          <p:cNvSpPr txBox="1"/>
-          <p:nvPr/>
-        </p:nvSpPr>
-        <p:spPr>
-          <a:xfrm>
-            <a:off x="536026" y="792217"/>
-            <a:ext cx="5318236" cy="4739759"/>
-          </a:xfrm>
-          <a:prstGeom prst="rect">
-            <a:avLst/>
-          </a:prstGeom>
-          <a:noFill/>
-        </p:spPr>
-        <p:txBody>
-          <a:bodyPr wrap="square" rtlCol="1">
-            <a:spAutoFit/>
-          </a:bodyPr>
-          <a:lstStyle/>
-          <a:p>
-            <a:r>
-              <a:rPr lang="en-US" sz="4400" dirty="0" err="1"/>
-              <a:t>Yocto</a:t>
-            </a:r>
-            <a:endParaRPr lang="en-US" sz="4400" dirty="0"/>
-          </a:p>
-          <a:p>
-            <a:endParaRPr lang="en-US" dirty="0"/>
-          </a:p>
-          <a:p>
-            <a:endParaRPr lang="en-US" dirty="0"/>
-          </a:p>
-          <a:p>
-            <a:endParaRPr lang="en-US" dirty="0"/>
-          </a:p>
-          <a:p>
-            <a:endParaRPr lang="en-US" dirty="0"/>
-          </a:p>
-          <a:p>
-            <a:endParaRPr lang="en-US" dirty="0"/>
-          </a:p>
-          <a:p>
-            <a:r>
-              <a:rPr lang="en-US" sz="2400" dirty="0"/>
-              <a:t>1- </a:t>
-            </a:r>
-            <a:r>
-              <a:rPr lang="en-US" sz="2400" dirty="0" err="1"/>
-              <a:t>hcjsdksd</a:t>
-            </a:r>
-            <a:endParaRPr lang="en-US" sz="2400" dirty="0"/>
-          </a:p>
-          <a:p>
-            <a:endParaRPr lang="en-US" sz="2400" dirty="0"/>
-          </a:p>
-          <a:p>
-            <a:r>
-              <a:rPr lang="en-US" sz="2400" dirty="0"/>
-              <a:t>2-fffggrgfg</a:t>
-            </a:r>
-          </a:p>
-          <a:p>
-            <a:endParaRPr lang="en-US" sz="2400" dirty="0"/>
-          </a:p>
-          <a:p>
-            <a:r>
-              <a:rPr lang="en-US" sz="2400" dirty="0"/>
-              <a:t>3-ggdgdfgdg</a:t>
-            </a:r>
-          </a:p>
-          <a:p>
-            <a:endParaRPr lang="en-US" sz="2400" dirty="0"/>
-          </a:p>
-          <a:p>
-            <a:r>
-              <a:rPr lang="en-US" sz="2400" dirty="0"/>
-              <a:t>4-dgghdfgdfg</a:t>
-            </a:r>
-            <a:endParaRPr lang="ar-EG" sz="2400" dirty="0"/>
           </a:p>
         </p:txBody>
       </p:sp>
@@ -5488,509 +6682,13 @@
   <p:clrMapOvr>
     <a:masterClrMapping/>
   </p:clrMapOvr>
-  <mc:AlternateContent xmlns:mc="http://schemas.openxmlformats.org/markup-compatibility/2006">
-    <mc:Choice xmlns:p159="http://schemas.microsoft.com/office/powerpoint/2015/09/main" Requires="p159">
+  <mc:AlternateContent xmlns:mc="http://schemas.openxmlformats.org/markup-compatibility/2006" xmlns:p159="http://schemas.microsoft.com/office/powerpoint/2015/09/main">
+    <mc:Choice Requires="p159">
       <p:transition xmlns:p14="http://schemas.microsoft.com/office/powerpoint/2010/main" spd="slow" p14:dur="2000">
         <p159:morph option="byObject"/>
       </p:transition>
     </mc:Choice>
-    <mc:Fallback>
-      <p:transition spd="slow">
-        <p:fade/>
-      </p:transition>
-    </mc:Fallback>
-  </mc:AlternateContent>
-</p:sld>
-</file>
-
-<file path=ppt/slides/slide8.xml><?xml version="1.0" encoding="utf-8"?>
-<p:sld xmlns:a="http://schemas.openxmlformats.org/drawingml/2006/main" xmlns:r="http://schemas.openxmlformats.org/officeDocument/2006/relationships" xmlns:p="http://schemas.openxmlformats.org/presentationml/2006/main">
-  <p:cSld>
-    <p:spTree>
-      <p:nvGrpSpPr>
-        <p:cNvPr id="1" name=""/>
-        <p:cNvGrpSpPr/>
-        <p:nvPr/>
-      </p:nvGrpSpPr>
-      <p:grpSpPr>
-        <a:xfrm>
-          <a:off x="0" y="0"/>
-          <a:ext cx="0" cy="0"/>
-          <a:chOff x="0" y="0"/>
-          <a:chExt cx="0" cy="0"/>
-        </a:xfrm>
-      </p:grpSpPr>
-      <p:sp>
-        <p:nvSpPr>
-          <p:cNvPr id="2" name="Rectangle 1">
-            <a:extLst>
-              <a:ext uri="{FF2B5EF4-FFF2-40B4-BE49-F238E27FC236}">
-                <a16:creationId xmlns:a16="http://schemas.microsoft.com/office/drawing/2014/main" id="{9A3B4C56-A16C-47E0-985D-A46F5AA7389D}"/>
-              </a:ext>
-            </a:extLst>
-          </p:cNvPr>
-          <p:cNvSpPr/>
-          <p:nvPr/>
-        </p:nvSpPr>
-        <p:spPr>
-          <a:xfrm>
-            <a:off x="6096000" y="0"/>
-            <a:ext cx="6096000" cy="6858000"/>
-          </a:xfrm>
-          <a:prstGeom prst="rect">
-            <a:avLst/>
-          </a:prstGeom>
-          <a:solidFill>
-            <a:srgbClr val="421D5D"/>
-          </a:solidFill>
-        </p:spPr>
-        <p:style>
-          <a:lnRef idx="2">
-            <a:schemeClr val="accent1">
-              <a:shade val="50000"/>
-            </a:schemeClr>
-          </a:lnRef>
-          <a:fillRef idx="1">
-            <a:schemeClr val="accent1"/>
-          </a:fillRef>
-          <a:effectRef idx="0">
-            <a:schemeClr val="accent1"/>
-          </a:effectRef>
-          <a:fontRef idx="minor">
-            <a:schemeClr val="lt1"/>
-          </a:fontRef>
-        </p:style>
-        <p:txBody>
-          <a:bodyPr rtlCol="1" anchor="ctr"/>
-          <a:lstStyle/>
-          <a:p>
-            <a:pPr algn="ctr"/>
-            <a:endParaRPr lang="ar-EG"/>
-          </a:p>
-        </p:txBody>
-      </p:sp>
-      <p:sp>
-        <p:nvSpPr>
-          <p:cNvPr id="3" name="Rectangle: Rounded Corners 2">
-            <a:extLst>
-              <a:ext uri="{FF2B5EF4-FFF2-40B4-BE49-F238E27FC236}">
-                <a16:creationId xmlns:a16="http://schemas.microsoft.com/office/drawing/2014/main" id="{FDC5310F-B71C-46A0-9E8C-61293D7559C4}"/>
-              </a:ext>
-            </a:extLst>
-          </p:cNvPr>
-          <p:cNvSpPr/>
-          <p:nvPr/>
-        </p:nvSpPr>
-        <p:spPr>
-          <a:xfrm>
-            <a:off x="1145626" y="1032641"/>
-            <a:ext cx="3825765" cy="5105400"/>
-          </a:xfrm>
-          <a:prstGeom prst="roundRect">
-            <a:avLst>
-              <a:gd name="adj" fmla="val 10257"/>
-            </a:avLst>
-          </a:prstGeom>
-          <a:blipFill dpi="0" rotWithShape="1">
-            <a:blip r:embed="rId2">
-              <a:extLst>
-                <a:ext uri="{837473B0-CC2E-450A-ABE3-18F120FF3D39}">
-                  <a1611:picAttrSrcUrl xmlns:a1611="http://schemas.microsoft.com/office/drawing/2016/11/main" r:id="rId3"/>
-                </a:ext>
-              </a:extLst>
-            </a:blip>
-            <a:srcRect/>
-            <a:stretch>
-              <a:fillRect/>
-            </a:stretch>
-          </a:blipFill>
-          <a:effectLst>
-            <a:glow rad="127000">
-              <a:schemeClr val="accent1"/>
-            </a:glow>
-            <a:reflection blurRad="76200" stA="45000" endPos="65000" dist="50800" dir="5400000" sy="-100000" algn="bl" rotWithShape="0"/>
-          </a:effectLst>
-        </p:spPr>
-        <p:style>
-          <a:lnRef idx="2">
-            <a:schemeClr val="accent1">
-              <a:shade val="50000"/>
-            </a:schemeClr>
-          </a:lnRef>
-          <a:fillRef idx="1">
-            <a:schemeClr val="accent1"/>
-          </a:fillRef>
-          <a:effectRef idx="0">
-            <a:schemeClr val="accent1"/>
-          </a:effectRef>
-          <a:fontRef idx="minor">
-            <a:schemeClr val="lt1"/>
-          </a:fontRef>
-        </p:style>
-        <p:txBody>
-          <a:bodyPr rtlCol="1" anchor="ctr"/>
-          <a:lstStyle/>
-          <a:p>
-            <a:pPr algn="ctr"/>
-            <a:endParaRPr lang="ar-EG"/>
-          </a:p>
-        </p:txBody>
-      </p:sp>
-      <p:sp>
-        <p:nvSpPr>
-          <p:cNvPr id="4" name="TextBox 3">
-            <a:extLst>
-              <a:ext uri="{FF2B5EF4-FFF2-40B4-BE49-F238E27FC236}">
-                <a16:creationId xmlns:a16="http://schemas.microsoft.com/office/drawing/2014/main" id="{AA8DFC32-E073-49D3-9E54-0AC7FA76A496}"/>
-              </a:ext>
-            </a:extLst>
-          </p:cNvPr>
-          <p:cNvSpPr txBox="1"/>
-          <p:nvPr/>
-        </p:nvSpPr>
-        <p:spPr>
-          <a:xfrm>
-            <a:off x="6558455" y="378371"/>
-            <a:ext cx="5318236" cy="4739759"/>
-          </a:xfrm>
-          <a:prstGeom prst="rect">
-            <a:avLst/>
-          </a:prstGeom>
-          <a:noFill/>
-        </p:spPr>
-        <p:txBody>
-          <a:bodyPr wrap="square" rtlCol="1">
-            <a:spAutoFit/>
-          </a:bodyPr>
-          <a:lstStyle/>
-          <a:p>
-            <a:r>
-              <a:rPr lang="en-US" sz="4400"/>
-              <a:t>Java</a:t>
-            </a:r>
-            <a:endParaRPr lang="en-US" sz="4400" dirty="0"/>
-          </a:p>
-          <a:p>
-            <a:endParaRPr lang="en-US" dirty="0"/>
-          </a:p>
-          <a:p>
-            <a:endParaRPr lang="en-US" dirty="0"/>
-          </a:p>
-          <a:p>
-            <a:endParaRPr lang="en-US" dirty="0"/>
-          </a:p>
-          <a:p>
-            <a:endParaRPr lang="en-US" dirty="0"/>
-          </a:p>
-          <a:p>
-            <a:endParaRPr lang="en-US" dirty="0"/>
-          </a:p>
-          <a:p>
-            <a:r>
-              <a:rPr lang="en-US" sz="2400" dirty="0"/>
-              <a:t>1- </a:t>
-            </a:r>
-            <a:r>
-              <a:rPr lang="en-US" sz="2400" dirty="0" err="1"/>
-              <a:t>hcjsdksd</a:t>
-            </a:r>
-            <a:endParaRPr lang="en-US" sz="2400" dirty="0"/>
-          </a:p>
-          <a:p>
-            <a:endParaRPr lang="en-US" sz="2400" dirty="0"/>
-          </a:p>
-          <a:p>
-            <a:r>
-              <a:rPr lang="en-US" sz="2400" dirty="0"/>
-              <a:t>2-fffggrgfg</a:t>
-            </a:r>
-          </a:p>
-          <a:p>
-            <a:endParaRPr lang="en-US" sz="2400" dirty="0"/>
-          </a:p>
-          <a:p>
-            <a:r>
-              <a:rPr lang="en-US" sz="2400" dirty="0"/>
-              <a:t>3-ggdgdfgdg</a:t>
-            </a:r>
-          </a:p>
-          <a:p>
-            <a:endParaRPr lang="en-US" sz="2400" dirty="0"/>
-          </a:p>
-          <a:p>
-            <a:r>
-              <a:rPr lang="en-US" sz="2400" dirty="0"/>
-              <a:t>4-dgghdfgdfg</a:t>
-            </a:r>
-            <a:endParaRPr lang="ar-EG" sz="2400" dirty="0"/>
-          </a:p>
-        </p:txBody>
-      </p:sp>
-    </p:spTree>
-    <p:extLst>
-      <p:ext uri="{BB962C8B-B14F-4D97-AF65-F5344CB8AC3E}">
-        <p14:creationId xmlns:p14="http://schemas.microsoft.com/office/powerpoint/2010/main" val="665360660"/>
-      </p:ext>
-    </p:extLst>
-  </p:cSld>
-  <p:clrMapOvr>
-    <a:masterClrMapping/>
-  </p:clrMapOvr>
-  <mc:AlternateContent xmlns:mc="http://schemas.openxmlformats.org/markup-compatibility/2006">
-    <mc:Choice xmlns:p159="http://schemas.microsoft.com/office/powerpoint/2015/09/main" Requires="p159">
-      <p:transition xmlns:p14="http://schemas.microsoft.com/office/powerpoint/2010/main" spd="slow" p14:dur="2000">
-        <p159:morph option="byObject"/>
-      </p:transition>
-    </mc:Choice>
-    <mc:Fallback>
-      <p:transition spd="slow">
-        <p:fade/>
-      </p:transition>
-    </mc:Fallback>
-  </mc:AlternateContent>
-</p:sld>
-</file>
-
-<file path=ppt/slides/slide9.xml><?xml version="1.0" encoding="utf-8"?>
-<p:sld xmlns:a="http://schemas.openxmlformats.org/drawingml/2006/main" xmlns:r="http://schemas.openxmlformats.org/officeDocument/2006/relationships" xmlns:p="http://schemas.openxmlformats.org/presentationml/2006/main">
-  <p:cSld>
-    <p:spTree>
-      <p:nvGrpSpPr>
-        <p:cNvPr id="1" name=""/>
-        <p:cNvGrpSpPr/>
-        <p:nvPr/>
-      </p:nvGrpSpPr>
-      <p:grpSpPr>
-        <a:xfrm>
-          <a:off x="0" y="0"/>
-          <a:ext cx="0" cy="0"/>
-          <a:chOff x="0" y="0"/>
-          <a:chExt cx="0" cy="0"/>
-        </a:xfrm>
-      </p:grpSpPr>
-      <p:sp>
-        <p:nvSpPr>
-          <p:cNvPr id="2" name="Rectangle 1">
-            <a:extLst>
-              <a:ext uri="{FF2B5EF4-FFF2-40B4-BE49-F238E27FC236}">
-                <a16:creationId xmlns:a16="http://schemas.microsoft.com/office/drawing/2014/main" id="{9A3B4C56-A16C-47E0-985D-A46F5AA7389D}"/>
-              </a:ext>
-            </a:extLst>
-          </p:cNvPr>
-          <p:cNvSpPr/>
-          <p:nvPr/>
-        </p:nvSpPr>
-        <p:spPr>
-          <a:xfrm flipH="1">
-            <a:off x="6096000" y="0"/>
-            <a:ext cx="6096000" cy="6858000"/>
-          </a:xfrm>
-          <a:prstGeom prst="rect">
-            <a:avLst/>
-          </a:prstGeom>
-          <a:solidFill>
-            <a:srgbClr val="421D5D"/>
-          </a:solidFill>
-        </p:spPr>
-        <p:style>
-          <a:lnRef idx="2">
-            <a:schemeClr val="accent1">
-              <a:shade val="50000"/>
-            </a:schemeClr>
-          </a:lnRef>
-          <a:fillRef idx="1">
-            <a:schemeClr val="accent1"/>
-          </a:fillRef>
-          <a:effectRef idx="0">
-            <a:schemeClr val="accent1"/>
-          </a:effectRef>
-          <a:fontRef idx="minor">
-            <a:schemeClr val="lt1"/>
-          </a:fontRef>
-        </p:style>
-        <p:txBody>
-          <a:bodyPr rtlCol="1" anchor="ctr"/>
-          <a:lstStyle/>
-          <a:p>
-            <a:pPr algn="ctr"/>
-            <a:endParaRPr lang="ar-EG"/>
-          </a:p>
-        </p:txBody>
-      </p:sp>
-      <p:sp>
-        <p:nvSpPr>
-          <p:cNvPr id="3" name="Rectangle: Rounded Corners 2">
-            <a:extLst>
-              <a:ext uri="{FF2B5EF4-FFF2-40B4-BE49-F238E27FC236}">
-                <a16:creationId xmlns:a16="http://schemas.microsoft.com/office/drawing/2014/main" id="{FDC5310F-B71C-46A0-9E8C-61293D7559C4}"/>
-              </a:ext>
-            </a:extLst>
-          </p:cNvPr>
-          <p:cNvSpPr/>
-          <p:nvPr/>
-        </p:nvSpPr>
-        <p:spPr>
-          <a:xfrm>
-            <a:off x="7231117" y="876300"/>
-            <a:ext cx="3825765" cy="5105400"/>
-          </a:xfrm>
-          <a:prstGeom prst="roundRect">
-            <a:avLst>
-              <a:gd name="adj" fmla="val 10257"/>
-            </a:avLst>
-          </a:prstGeom>
-          <a:blipFill dpi="0" rotWithShape="1">
-            <a:blip r:embed="rId2">
-              <a:extLst>
-                <a:ext uri="{837473B0-CC2E-450A-ABE3-18F120FF3D39}">
-                  <a1611:picAttrSrcUrl xmlns:a1611="http://schemas.microsoft.com/office/drawing/2016/11/main" r:id="rId3"/>
-                </a:ext>
-              </a:extLst>
-            </a:blip>
-            <a:srcRect/>
-            <a:stretch>
-              <a:fillRect/>
-            </a:stretch>
-          </a:blipFill>
-          <a:effectLst>
-            <a:glow rad="127000">
-              <a:schemeClr val="accent1"/>
-            </a:glow>
-            <a:reflection blurRad="76200" stA="45000" endPos="65000" dist="50800" dir="5400000" sy="-100000" algn="bl" rotWithShape="0"/>
-          </a:effectLst>
-        </p:spPr>
-        <p:style>
-          <a:lnRef idx="2">
-            <a:schemeClr val="accent1">
-              <a:shade val="50000"/>
-            </a:schemeClr>
-          </a:lnRef>
-          <a:fillRef idx="1">
-            <a:schemeClr val="accent1"/>
-          </a:fillRef>
-          <a:effectRef idx="0">
-            <a:schemeClr val="accent1"/>
-          </a:effectRef>
-          <a:fontRef idx="minor">
-            <a:schemeClr val="lt1"/>
-          </a:fontRef>
-        </p:style>
-        <p:txBody>
-          <a:bodyPr rtlCol="1" anchor="ctr"/>
-          <a:lstStyle/>
-          <a:p>
-            <a:pPr algn="ctr"/>
-            <a:endParaRPr lang="ar-EG"/>
-          </a:p>
-        </p:txBody>
-      </p:sp>
-      <p:sp>
-        <p:nvSpPr>
-          <p:cNvPr id="5" name="TextBox 4">
-            <a:extLst>
-              <a:ext uri="{FF2B5EF4-FFF2-40B4-BE49-F238E27FC236}">
-                <a16:creationId xmlns:a16="http://schemas.microsoft.com/office/drawing/2014/main" id="{92D6F531-FFFC-4775-8747-2A6C1975445D}"/>
-              </a:ext>
-            </a:extLst>
-          </p:cNvPr>
-          <p:cNvSpPr txBox="1"/>
-          <p:nvPr/>
-        </p:nvSpPr>
-        <p:spPr>
-          <a:xfrm>
-            <a:off x="536026" y="792217"/>
-            <a:ext cx="5318236" cy="4739759"/>
-          </a:xfrm>
-          <a:prstGeom prst="rect">
-            <a:avLst/>
-          </a:prstGeom>
-          <a:noFill/>
-        </p:spPr>
-        <p:txBody>
-          <a:bodyPr wrap="square" rtlCol="1">
-            <a:spAutoFit/>
-          </a:bodyPr>
-          <a:lstStyle/>
-          <a:p>
-            <a:r>
-              <a:rPr lang="en-US" sz="4400" dirty="0" err="1"/>
-              <a:t>Yocto</a:t>
-            </a:r>
-            <a:endParaRPr lang="en-US" sz="4400" dirty="0"/>
-          </a:p>
-          <a:p>
-            <a:endParaRPr lang="en-US" dirty="0"/>
-          </a:p>
-          <a:p>
-            <a:endParaRPr lang="en-US" dirty="0"/>
-          </a:p>
-          <a:p>
-            <a:endParaRPr lang="en-US" dirty="0"/>
-          </a:p>
-          <a:p>
-            <a:endParaRPr lang="en-US" dirty="0"/>
-          </a:p>
-          <a:p>
-            <a:endParaRPr lang="en-US" dirty="0"/>
-          </a:p>
-          <a:p>
-            <a:r>
-              <a:rPr lang="en-US" sz="2400" dirty="0"/>
-              <a:t>1- </a:t>
-            </a:r>
-            <a:r>
-              <a:rPr lang="en-US" sz="2400" dirty="0" err="1"/>
-              <a:t>hcjsdksd</a:t>
-            </a:r>
-            <a:endParaRPr lang="en-US" sz="2400" dirty="0"/>
-          </a:p>
-          <a:p>
-            <a:endParaRPr lang="en-US" sz="2400" dirty="0"/>
-          </a:p>
-          <a:p>
-            <a:r>
-              <a:rPr lang="en-US" sz="2400" dirty="0"/>
-              <a:t>2-fffggrgfg</a:t>
-            </a:r>
-          </a:p>
-          <a:p>
-            <a:endParaRPr lang="en-US" sz="2400" dirty="0"/>
-          </a:p>
-          <a:p>
-            <a:r>
-              <a:rPr lang="en-US" sz="2400" dirty="0"/>
-              <a:t>3-ggdgdfgdg</a:t>
-            </a:r>
-          </a:p>
-          <a:p>
-            <a:endParaRPr lang="en-US" sz="2400" dirty="0"/>
-          </a:p>
-          <a:p>
-            <a:r>
-              <a:rPr lang="en-US" sz="2400" dirty="0"/>
-              <a:t>4-dgghdfgdfg</a:t>
-            </a:r>
-            <a:endParaRPr lang="ar-EG" sz="2400" dirty="0"/>
-          </a:p>
-        </p:txBody>
-      </p:sp>
-    </p:spTree>
-    <p:extLst>
-      <p:ext uri="{BB962C8B-B14F-4D97-AF65-F5344CB8AC3E}">
-        <p14:creationId xmlns:p14="http://schemas.microsoft.com/office/powerpoint/2010/main" val="689047279"/>
-      </p:ext>
-    </p:extLst>
-  </p:cSld>
-  <p:clrMapOvr>
-    <a:masterClrMapping/>
-  </p:clrMapOvr>
-  <mc:AlternateContent xmlns:mc="http://schemas.openxmlformats.org/markup-compatibility/2006">
-    <mc:Choice xmlns:p159="http://schemas.microsoft.com/office/powerpoint/2015/09/main" Requires="p159">
-      <p:transition xmlns:p14="http://schemas.microsoft.com/office/powerpoint/2010/main" spd="slow" p14:dur="2000">
-        <p159:morph option="byObject"/>
-      </p:transition>
-    </mc:Choice>
-    <mc:Fallback>
+    <mc:Fallback xmlns="">
       <p:transition spd="slow">
         <p:fade/>
       </p:transition>

--- a/project.pptx
+++ b/project.pptx
@@ -5,21 +5,23 @@
     <p:sldMasterId id="2147483648" r:id="rId1"/>
   </p:sldMasterIdLst>
   <p:notesMasterIdLst>
-    <p:notesMasterId r:id="rId14"/>
+    <p:notesMasterId r:id="rId16"/>
   </p:notesMasterIdLst>
   <p:sldIdLst>
     <p:sldId id="264" r:id="rId2"/>
     <p:sldId id="260" r:id="rId3"/>
     <p:sldId id="272" r:id="rId4"/>
-    <p:sldId id="273" r:id="rId5"/>
-    <p:sldId id="277" r:id="rId6"/>
+    <p:sldId id="277" r:id="rId5"/>
+    <p:sldId id="273" r:id="rId6"/>
     <p:sldId id="275" r:id="rId7"/>
-    <p:sldId id="267" r:id="rId8"/>
-    <p:sldId id="268" r:id="rId9"/>
+    <p:sldId id="268" r:id="rId8"/>
+    <p:sldId id="278" r:id="rId9"/>
     <p:sldId id="269" r:id="rId10"/>
-    <p:sldId id="276" r:id="rId11"/>
-    <p:sldId id="266" r:id="rId12"/>
+    <p:sldId id="266" r:id="rId11"/>
+    <p:sldId id="279" r:id="rId12"/>
     <p:sldId id="270" r:id="rId13"/>
+    <p:sldId id="267" r:id="rId14"/>
+    <p:sldId id="276" r:id="rId15"/>
   </p:sldIdLst>
   <p:sldSz cx="12192000" cy="6858000"/>
   <p:notesSz cx="6858000" cy="9144000"/>
@@ -3969,6 +3971,653 @@
 </file>
 
 <file path=ppt/slides/slide10.xml><?xml version="1.0" encoding="utf-8"?>
+<p:sld xmlns:a="http://schemas.openxmlformats.org/drawingml/2006/main" xmlns:r="http://schemas.openxmlformats.org/officeDocument/2006/relationships" xmlns:p="http://schemas.openxmlformats.org/presentationml/2006/main">
+  <p:cSld>
+    <p:spTree>
+      <p:nvGrpSpPr>
+        <p:cNvPr id="1" name=""/>
+        <p:cNvGrpSpPr/>
+        <p:nvPr/>
+      </p:nvGrpSpPr>
+      <p:grpSpPr>
+        <a:xfrm>
+          <a:off x="0" y="0"/>
+          <a:ext cx="0" cy="0"/>
+          <a:chOff x="0" y="0"/>
+          <a:chExt cx="0" cy="0"/>
+        </a:xfrm>
+      </p:grpSpPr>
+      <p:sp>
+        <p:nvSpPr>
+          <p:cNvPr id="2" name="Rectangle 1">
+            <a:extLst>
+              <a:ext uri="{FF2B5EF4-FFF2-40B4-BE49-F238E27FC236}">
+                <a16:creationId xmlns:a16="http://schemas.microsoft.com/office/drawing/2014/main" id="{9A3B4C56-A16C-47E0-985D-A46F5AA7389D}"/>
+              </a:ext>
+            </a:extLst>
+          </p:cNvPr>
+          <p:cNvSpPr/>
+          <p:nvPr/>
+        </p:nvSpPr>
+        <p:spPr>
+          <a:xfrm>
+            <a:off x="6096000" y="0"/>
+            <a:ext cx="6096000" cy="6858000"/>
+          </a:xfrm>
+          <a:prstGeom prst="rect">
+            <a:avLst/>
+          </a:prstGeom>
+          <a:solidFill>
+            <a:srgbClr val="421D5D"/>
+          </a:solidFill>
+        </p:spPr>
+        <p:style>
+          <a:lnRef idx="2">
+            <a:schemeClr val="accent1">
+              <a:shade val="50000"/>
+            </a:schemeClr>
+          </a:lnRef>
+          <a:fillRef idx="1">
+            <a:schemeClr val="accent1"/>
+          </a:fillRef>
+          <a:effectRef idx="0">
+            <a:schemeClr val="accent1"/>
+          </a:effectRef>
+          <a:fontRef idx="minor">
+            <a:schemeClr val="lt1"/>
+          </a:fontRef>
+        </p:style>
+        <p:txBody>
+          <a:bodyPr rtlCol="1" anchor="ctr"/>
+          <a:lstStyle/>
+          <a:p>
+            <a:pPr algn="ctr"/>
+            <a:endParaRPr lang="ar-EG"/>
+          </a:p>
+        </p:txBody>
+      </p:sp>
+      <p:sp>
+        <p:nvSpPr>
+          <p:cNvPr id="3" name="Rectangle: Rounded Corners 2">
+            <a:extLst>
+              <a:ext uri="{FF2B5EF4-FFF2-40B4-BE49-F238E27FC236}">
+                <a16:creationId xmlns:a16="http://schemas.microsoft.com/office/drawing/2014/main" id="{FDC5310F-B71C-46A0-9E8C-61293D7559C4}"/>
+              </a:ext>
+            </a:extLst>
+          </p:cNvPr>
+          <p:cNvSpPr/>
+          <p:nvPr/>
+        </p:nvSpPr>
+        <p:spPr>
+          <a:xfrm>
+            <a:off x="1145626" y="1032641"/>
+            <a:ext cx="3825765" cy="5105400"/>
+          </a:xfrm>
+          <a:prstGeom prst="roundRect">
+            <a:avLst>
+              <a:gd name="adj" fmla="val 10257"/>
+            </a:avLst>
+          </a:prstGeom>
+          <a:blipFill dpi="0" rotWithShape="1">
+            <a:blip r:embed="rId2">
+              <a:extLst>
+                <a:ext uri="{837473B0-CC2E-450A-ABE3-18F120FF3D39}">
+                  <a1611:picAttrSrcUrl xmlns:a1611="http://schemas.microsoft.com/office/drawing/2016/11/main" r:id="rId3"/>
+                </a:ext>
+              </a:extLst>
+            </a:blip>
+            <a:srcRect/>
+            <a:stretch>
+              <a:fillRect/>
+            </a:stretch>
+          </a:blipFill>
+          <a:effectLst>
+            <a:glow rad="127000">
+              <a:schemeClr val="accent1"/>
+            </a:glow>
+            <a:reflection blurRad="76200" stA="45000" endPos="65000" dist="50800" dir="5400000" sy="-100000" algn="bl" rotWithShape="0"/>
+          </a:effectLst>
+        </p:spPr>
+        <p:style>
+          <a:lnRef idx="2">
+            <a:schemeClr val="accent1">
+              <a:shade val="50000"/>
+            </a:schemeClr>
+          </a:lnRef>
+          <a:fillRef idx="1">
+            <a:schemeClr val="accent1"/>
+          </a:fillRef>
+          <a:effectRef idx="0">
+            <a:schemeClr val="accent1"/>
+          </a:effectRef>
+          <a:fontRef idx="minor">
+            <a:schemeClr val="lt1"/>
+          </a:fontRef>
+        </p:style>
+        <p:txBody>
+          <a:bodyPr rtlCol="1" anchor="ctr"/>
+          <a:lstStyle/>
+          <a:p>
+            <a:pPr algn="ctr"/>
+            <a:endParaRPr lang="ar-EG"/>
+          </a:p>
+        </p:txBody>
+      </p:sp>
+      <p:sp>
+        <p:nvSpPr>
+          <p:cNvPr id="4" name="TextBox 3">
+            <a:extLst>
+              <a:ext uri="{FF2B5EF4-FFF2-40B4-BE49-F238E27FC236}">
+                <a16:creationId xmlns:a16="http://schemas.microsoft.com/office/drawing/2014/main" id="{AA8DFC32-E073-49D3-9E54-0AC7FA76A496}"/>
+              </a:ext>
+            </a:extLst>
+          </p:cNvPr>
+          <p:cNvSpPr txBox="1"/>
+          <p:nvPr/>
+        </p:nvSpPr>
+        <p:spPr>
+          <a:xfrm>
+            <a:off x="6620719" y="645165"/>
+            <a:ext cx="6257369" cy="11510843"/>
+          </a:xfrm>
+          <a:prstGeom prst="rect">
+            <a:avLst/>
+          </a:prstGeom>
+          <a:noFill/>
+        </p:spPr>
+        <p:txBody>
+          <a:bodyPr wrap="square" rtlCol="1">
+            <a:spAutoFit/>
+          </a:bodyPr>
+          <a:lstStyle/>
+          <a:p>
+            <a:r>
+              <a:rPr lang="en-US" sz="4400" dirty="0">
+                <a:solidFill>
+                  <a:schemeClr val="bg1"/>
+                </a:solidFill>
+              </a:rPr>
+              <a:t>Demo</a:t>
+            </a:r>
+            <a:r>
+              <a:rPr lang="en-US" sz="4400" dirty="0"/>
+              <a:t> </a:t>
+            </a:r>
+          </a:p>
+          <a:p>
+            <a:endParaRPr lang="en-US" sz="4400" dirty="0"/>
+          </a:p>
+          <a:p>
+            <a:endParaRPr lang="en-US" sz="4400" dirty="0"/>
+          </a:p>
+          <a:p>
+            <a:endParaRPr lang="en-US" sz="4400" dirty="0"/>
+          </a:p>
+          <a:p>
+            <a:endParaRPr lang="en-US" sz="4400" dirty="0"/>
+          </a:p>
+          <a:p>
+            <a:endParaRPr lang="en-US" sz="4400" dirty="0"/>
+          </a:p>
+          <a:p>
+            <a:endParaRPr lang="en-US" sz="4400" dirty="0"/>
+          </a:p>
+          <a:p>
+            <a:endParaRPr lang="en-US" sz="4400" dirty="0"/>
+          </a:p>
+          <a:p>
+            <a:endParaRPr lang="en-US" sz="4400" dirty="0"/>
+          </a:p>
+          <a:p>
+            <a:endParaRPr lang="en-US" sz="4400" dirty="0"/>
+          </a:p>
+          <a:p>
+            <a:endParaRPr lang="en-US" sz="4400" dirty="0"/>
+          </a:p>
+          <a:p>
+            <a:endParaRPr lang="en-US" dirty="0"/>
+          </a:p>
+          <a:p>
+            <a:endParaRPr lang="en-US" dirty="0"/>
+          </a:p>
+          <a:p>
+            <a:endParaRPr lang="en-US" dirty="0"/>
+          </a:p>
+          <a:p>
+            <a:endParaRPr lang="en-US" dirty="0"/>
+          </a:p>
+          <a:p>
+            <a:endParaRPr lang="en-US" dirty="0"/>
+          </a:p>
+          <a:p>
+            <a:r>
+              <a:rPr lang="en-US" sz="2400" dirty="0"/>
+              <a:t>1- </a:t>
+            </a:r>
+            <a:r>
+              <a:rPr lang="en-US" sz="2400" dirty="0" err="1"/>
+              <a:t>hcjsdksd</a:t>
+            </a:r>
+            <a:endParaRPr lang="en-US" sz="2400" dirty="0"/>
+          </a:p>
+          <a:p>
+            <a:endParaRPr lang="en-US" sz="2400" dirty="0"/>
+          </a:p>
+          <a:p>
+            <a:r>
+              <a:rPr lang="en-US" sz="2400" dirty="0"/>
+              <a:t>2-fffggrgfg</a:t>
+            </a:r>
+          </a:p>
+          <a:p>
+            <a:endParaRPr lang="en-US" sz="2400" dirty="0"/>
+          </a:p>
+          <a:p>
+            <a:r>
+              <a:rPr lang="en-US" sz="2400" dirty="0"/>
+              <a:t>3-ggdgdfgdg</a:t>
+            </a:r>
+          </a:p>
+          <a:p>
+            <a:endParaRPr lang="en-US" sz="2400" dirty="0"/>
+          </a:p>
+          <a:p>
+            <a:r>
+              <a:rPr lang="en-US" sz="2400" dirty="0"/>
+              <a:t>4-dgghdfgdfg</a:t>
+            </a:r>
+            <a:endParaRPr lang="ar-EG" sz="2400" dirty="0"/>
+          </a:p>
+        </p:txBody>
+      </p:sp>
+      <p:sp>
+        <p:nvSpPr>
+          <p:cNvPr id="5" name="Rectangle: Rounded Corners 4">
+            <a:extLst>
+              <a:ext uri="{FF2B5EF4-FFF2-40B4-BE49-F238E27FC236}">
+                <a16:creationId xmlns:a16="http://schemas.microsoft.com/office/drawing/2014/main" id="{AE7C4821-CD8B-4253-86F0-8199CE856403}"/>
+              </a:ext>
+            </a:extLst>
+          </p:cNvPr>
+          <p:cNvSpPr/>
+          <p:nvPr/>
+        </p:nvSpPr>
+        <p:spPr>
+          <a:xfrm>
+            <a:off x="520861" y="891251"/>
+            <a:ext cx="4716748" cy="5246790"/>
+          </a:xfrm>
+          <a:prstGeom prst="roundRect">
+            <a:avLst>
+              <a:gd name="adj" fmla="val 10257"/>
+            </a:avLst>
+          </a:prstGeom>
+          <a:blipFill dpi="0" rotWithShape="1">
+            <a:blip r:embed="rId4"/>
+            <a:srcRect/>
+            <a:stretch>
+              <a:fillRect/>
+            </a:stretch>
+          </a:blipFill>
+          <a:effectLst>
+            <a:glow rad="127000">
+              <a:schemeClr val="accent1"/>
+            </a:glow>
+            <a:reflection blurRad="76200" stA="45000" endPos="65000" dist="50800" dir="5400000" sy="-100000" algn="bl" rotWithShape="0"/>
+          </a:effectLst>
+        </p:spPr>
+        <p:style>
+          <a:lnRef idx="2">
+            <a:schemeClr val="accent1">
+              <a:shade val="50000"/>
+            </a:schemeClr>
+          </a:lnRef>
+          <a:fillRef idx="1">
+            <a:schemeClr val="accent1"/>
+          </a:fillRef>
+          <a:effectRef idx="0">
+            <a:schemeClr val="accent1"/>
+          </a:effectRef>
+          <a:fontRef idx="minor">
+            <a:schemeClr val="lt1"/>
+          </a:fontRef>
+        </p:style>
+        <p:txBody>
+          <a:bodyPr rtlCol="1" anchor="ctr"/>
+          <a:lstStyle/>
+          <a:p>
+            <a:pPr algn="ctr"/>
+            <a:endParaRPr lang="ar-EG"/>
+          </a:p>
+        </p:txBody>
+      </p:sp>
+    </p:spTree>
+    <p:extLst>
+      <p:ext uri="{BB962C8B-B14F-4D97-AF65-F5344CB8AC3E}">
+        <p14:creationId xmlns:p14="http://schemas.microsoft.com/office/powerpoint/2010/main" val="2444678567"/>
+      </p:ext>
+    </p:extLst>
+  </p:cSld>
+  <p:clrMapOvr>
+    <a:masterClrMapping/>
+  </p:clrMapOvr>
+  <mc:AlternateContent xmlns:mc="http://schemas.openxmlformats.org/markup-compatibility/2006">
+    <mc:Choice xmlns:p159="http://schemas.microsoft.com/office/powerpoint/2015/09/main" Requires="p159">
+      <p:transition xmlns:p14="http://schemas.microsoft.com/office/powerpoint/2010/main" spd="slow" p14:dur="2000">
+        <p159:morph option="byObject"/>
+      </p:transition>
+    </mc:Choice>
+    <mc:Fallback>
+      <p:transition spd="slow">
+        <p:fade/>
+      </p:transition>
+    </mc:Fallback>
+  </mc:AlternateContent>
+</p:sld>
+</file>
+
+<file path=ppt/slides/slide11.xml><?xml version="1.0" encoding="utf-8"?>
+<p:sld xmlns:a="http://schemas.openxmlformats.org/drawingml/2006/main" xmlns:r="http://schemas.openxmlformats.org/officeDocument/2006/relationships" xmlns:p="http://schemas.openxmlformats.org/presentationml/2006/main">
+  <p:cSld>
+    <p:bg>
+      <p:bgPr>
+        <a:blipFill>
+          <a:blip r:embed="rId2"/>
+          <a:stretch>
+            <a:fillRect/>
+          </a:stretch>
+        </a:blipFill>
+        <a:effectLst/>
+      </p:bgPr>
+    </p:bg>
+    <p:spTree>
+      <p:nvGrpSpPr>
+        <p:cNvPr id="1" name=""/>
+        <p:cNvGrpSpPr/>
+        <p:nvPr/>
+      </p:nvGrpSpPr>
+      <p:grpSpPr>
+        <a:xfrm>
+          <a:off x="0" y="0"/>
+          <a:ext cx="0" cy="0"/>
+          <a:chOff x="0" y="0"/>
+          <a:chExt cx="0" cy="0"/>
+        </a:xfrm>
+      </p:grpSpPr>
+    </p:spTree>
+    <p:extLst>
+      <p:ext uri="{BB962C8B-B14F-4D97-AF65-F5344CB8AC3E}">
+        <p14:creationId xmlns:p14="http://schemas.microsoft.com/office/powerpoint/2010/main" val="2189458060"/>
+      </p:ext>
+    </p:extLst>
+  </p:cSld>
+  <p:clrMapOvr>
+    <a:masterClrMapping/>
+  </p:clrMapOvr>
+  <mc:AlternateContent xmlns:mc="http://schemas.openxmlformats.org/markup-compatibility/2006">
+    <mc:Choice xmlns:p159="http://schemas.microsoft.com/office/powerpoint/2015/09/main" Requires="p159">
+      <p:transition xmlns:p14="http://schemas.microsoft.com/office/powerpoint/2010/main" spd="slow" p14:dur="2000">
+        <p159:morph option="byObject"/>
+      </p:transition>
+    </mc:Choice>
+    <mc:Fallback>
+      <p:transition spd="slow">
+        <p:fade/>
+      </p:transition>
+    </mc:Fallback>
+  </mc:AlternateContent>
+</p:sld>
+</file>
+
+<file path=ppt/slides/slide12.xml><?xml version="1.0" encoding="utf-8"?>
+<p:sld xmlns:a="http://schemas.openxmlformats.org/drawingml/2006/main" xmlns:r="http://schemas.openxmlformats.org/officeDocument/2006/relationships" xmlns:p="http://schemas.openxmlformats.org/presentationml/2006/main" show="0">
+  <p:cSld>
+    <p:spTree>
+      <p:nvGrpSpPr>
+        <p:cNvPr id="1" name=""/>
+        <p:cNvGrpSpPr/>
+        <p:nvPr/>
+      </p:nvGrpSpPr>
+      <p:grpSpPr>
+        <a:xfrm>
+          <a:off x="0" y="0"/>
+          <a:ext cx="0" cy="0"/>
+          <a:chOff x="0" y="0"/>
+          <a:chExt cx="0" cy="0"/>
+        </a:xfrm>
+      </p:grpSpPr>
+      <p:sp>
+        <p:nvSpPr>
+          <p:cNvPr id="2" name="Rectangle 1">
+            <a:extLst>
+              <a:ext uri="{FF2B5EF4-FFF2-40B4-BE49-F238E27FC236}">
+                <a16:creationId xmlns:a16="http://schemas.microsoft.com/office/drawing/2014/main" id="{9A3B4C56-A16C-47E0-985D-A46F5AA7389D}"/>
+              </a:ext>
+            </a:extLst>
+          </p:cNvPr>
+          <p:cNvSpPr/>
+          <p:nvPr/>
+        </p:nvSpPr>
+        <p:spPr>
+          <a:xfrm>
+            <a:off x="6096000" y="0"/>
+            <a:ext cx="6096000" cy="6858000"/>
+          </a:xfrm>
+          <a:prstGeom prst="rect">
+            <a:avLst/>
+          </a:prstGeom>
+          <a:solidFill>
+            <a:srgbClr val="421D5D"/>
+          </a:solidFill>
+        </p:spPr>
+        <p:style>
+          <a:lnRef idx="2">
+            <a:schemeClr val="accent1">
+              <a:shade val="50000"/>
+            </a:schemeClr>
+          </a:lnRef>
+          <a:fillRef idx="1">
+            <a:schemeClr val="accent1"/>
+          </a:fillRef>
+          <a:effectRef idx="0">
+            <a:schemeClr val="accent1"/>
+          </a:effectRef>
+          <a:fontRef idx="minor">
+            <a:schemeClr val="lt1"/>
+          </a:fontRef>
+        </p:style>
+        <p:txBody>
+          <a:bodyPr rtlCol="1" anchor="ctr"/>
+          <a:lstStyle/>
+          <a:p>
+            <a:pPr algn="ctr"/>
+            <a:endParaRPr lang="ar-EG"/>
+          </a:p>
+        </p:txBody>
+      </p:sp>
+      <p:sp>
+        <p:nvSpPr>
+          <p:cNvPr id="3" name="Rectangle: Rounded Corners 2">
+            <a:extLst>
+              <a:ext uri="{FF2B5EF4-FFF2-40B4-BE49-F238E27FC236}">
+                <a16:creationId xmlns:a16="http://schemas.microsoft.com/office/drawing/2014/main" id="{FDC5310F-B71C-46A0-9E8C-61293D7559C4}"/>
+              </a:ext>
+            </a:extLst>
+          </p:cNvPr>
+          <p:cNvSpPr/>
+          <p:nvPr/>
+        </p:nvSpPr>
+        <p:spPr>
+          <a:xfrm>
+            <a:off x="1145626" y="1032641"/>
+            <a:ext cx="3825765" cy="5105400"/>
+          </a:xfrm>
+          <a:prstGeom prst="roundRect">
+            <a:avLst>
+              <a:gd name="adj" fmla="val 10257"/>
+            </a:avLst>
+          </a:prstGeom>
+          <a:blipFill dpi="0" rotWithShape="1">
+            <a:blip r:embed="rId2">
+              <a:extLst>
+                <a:ext uri="{837473B0-CC2E-450A-ABE3-18F120FF3D39}">
+                  <a1611:picAttrSrcUrl xmlns:a1611="http://schemas.microsoft.com/office/drawing/2016/11/main" r:id="rId3"/>
+                </a:ext>
+              </a:extLst>
+            </a:blip>
+            <a:srcRect/>
+            <a:stretch>
+              <a:fillRect/>
+            </a:stretch>
+          </a:blipFill>
+          <a:effectLst>
+            <a:glow rad="127000">
+              <a:schemeClr val="accent1"/>
+            </a:glow>
+            <a:reflection blurRad="76200" stA="45000" endPos="65000" dist="50800" dir="5400000" sy="-100000" algn="bl" rotWithShape="0"/>
+          </a:effectLst>
+        </p:spPr>
+        <p:style>
+          <a:lnRef idx="2">
+            <a:schemeClr val="accent1">
+              <a:shade val="50000"/>
+            </a:schemeClr>
+          </a:lnRef>
+          <a:fillRef idx="1">
+            <a:schemeClr val="accent1"/>
+          </a:fillRef>
+          <a:effectRef idx="0">
+            <a:schemeClr val="accent1"/>
+          </a:effectRef>
+          <a:fontRef idx="minor">
+            <a:schemeClr val="lt1"/>
+          </a:fontRef>
+        </p:style>
+        <p:txBody>
+          <a:bodyPr rtlCol="1" anchor="ctr"/>
+          <a:lstStyle/>
+          <a:p>
+            <a:pPr algn="ctr"/>
+            <a:endParaRPr lang="ar-EG"/>
+          </a:p>
+        </p:txBody>
+      </p:sp>
+      <p:sp>
+        <p:nvSpPr>
+          <p:cNvPr id="4" name="TextBox 3">
+            <a:extLst>
+              <a:ext uri="{FF2B5EF4-FFF2-40B4-BE49-F238E27FC236}">
+                <a16:creationId xmlns:a16="http://schemas.microsoft.com/office/drawing/2014/main" id="{AA8DFC32-E073-49D3-9E54-0AC7FA76A496}"/>
+              </a:ext>
+            </a:extLst>
+          </p:cNvPr>
+          <p:cNvSpPr txBox="1"/>
+          <p:nvPr/>
+        </p:nvSpPr>
+        <p:spPr>
+          <a:xfrm>
+            <a:off x="6558455" y="378371"/>
+            <a:ext cx="5318236" cy="4739759"/>
+          </a:xfrm>
+          <a:prstGeom prst="rect">
+            <a:avLst/>
+          </a:prstGeom>
+          <a:noFill/>
+        </p:spPr>
+        <p:txBody>
+          <a:bodyPr wrap="square" rtlCol="1">
+            <a:spAutoFit/>
+          </a:bodyPr>
+          <a:lstStyle/>
+          <a:p>
+            <a:r>
+              <a:rPr lang="en-US" sz="4400"/>
+              <a:t>Java</a:t>
+            </a:r>
+            <a:endParaRPr lang="en-US" sz="4400" dirty="0"/>
+          </a:p>
+          <a:p>
+            <a:endParaRPr lang="en-US" dirty="0"/>
+          </a:p>
+          <a:p>
+            <a:endParaRPr lang="en-US" dirty="0"/>
+          </a:p>
+          <a:p>
+            <a:endParaRPr lang="en-US" dirty="0"/>
+          </a:p>
+          <a:p>
+            <a:endParaRPr lang="en-US" dirty="0"/>
+          </a:p>
+          <a:p>
+            <a:endParaRPr lang="en-US" dirty="0"/>
+          </a:p>
+          <a:p>
+            <a:r>
+              <a:rPr lang="en-US" sz="2400" dirty="0"/>
+              <a:t>1- </a:t>
+            </a:r>
+            <a:r>
+              <a:rPr lang="en-US" sz="2400" dirty="0" err="1"/>
+              <a:t>hcjsdksd</a:t>
+            </a:r>
+            <a:endParaRPr lang="en-US" sz="2400" dirty="0"/>
+          </a:p>
+          <a:p>
+            <a:endParaRPr lang="en-US" sz="2400" dirty="0"/>
+          </a:p>
+          <a:p>
+            <a:r>
+              <a:rPr lang="en-US" sz="2400" dirty="0"/>
+              <a:t>2-fffggrgfg</a:t>
+            </a:r>
+          </a:p>
+          <a:p>
+            <a:endParaRPr lang="en-US" sz="2400" dirty="0"/>
+          </a:p>
+          <a:p>
+            <a:r>
+              <a:rPr lang="en-US" sz="2400" dirty="0"/>
+              <a:t>3-ggdgdfgdg</a:t>
+            </a:r>
+          </a:p>
+          <a:p>
+            <a:endParaRPr lang="en-US" sz="2400" dirty="0"/>
+          </a:p>
+          <a:p>
+            <a:r>
+              <a:rPr lang="en-US" sz="2400" dirty="0"/>
+              <a:t>4-dgghdfgdfg</a:t>
+            </a:r>
+            <a:endParaRPr lang="ar-EG" sz="2400" dirty="0"/>
+          </a:p>
+        </p:txBody>
+      </p:sp>
+    </p:spTree>
+    <p:extLst>
+      <p:ext uri="{BB962C8B-B14F-4D97-AF65-F5344CB8AC3E}">
+        <p14:creationId xmlns:p14="http://schemas.microsoft.com/office/powerpoint/2010/main" val="665360660"/>
+      </p:ext>
+    </p:extLst>
+  </p:cSld>
+  <p:clrMapOvr>
+    <a:masterClrMapping/>
+  </p:clrMapOvr>
+  <mc:AlternateContent xmlns:mc="http://schemas.openxmlformats.org/markup-compatibility/2006">
+    <mc:Choice xmlns:p159="http://schemas.microsoft.com/office/powerpoint/2015/09/main" Requires="p159">
+      <p:transition xmlns:p14="http://schemas.microsoft.com/office/powerpoint/2010/main" spd="slow" p14:dur="2000">
+        <p159:morph option="byObject"/>
+      </p:transition>
+    </mc:Choice>
+    <mc:Fallback>
+      <p:transition spd="slow">
+        <p:fade/>
+      </p:transition>
+    </mc:Fallback>
+  </mc:AlternateContent>
+</p:sld>
+</file>
+
+<file path=ppt/slides/slide13.xml><?xml version="1.0" encoding="utf-8"?>
 <p:sld xmlns:a="http://schemas.openxmlformats.org/drawingml/2006/main" xmlns:r="http://schemas.openxmlformats.org/officeDocument/2006/relationships" xmlns:p="http://schemas.openxmlformats.org/presentationml/2006/main" show="0">
   <p:cSld>
     <p:spTree>
@@ -4175,7 +4824,7 @@
     </p:spTree>
     <p:extLst>
       <p:ext uri="{BB962C8B-B14F-4D97-AF65-F5344CB8AC3E}">
-        <p14:creationId xmlns:p14="http://schemas.microsoft.com/office/powerpoint/2010/main" val="2808555932"/>
+        <p14:creationId xmlns:p14="http://schemas.microsoft.com/office/powerpoint/2010/main" val="3797270812"/>
       </p:ext>
     </p:extLst>
   </p:cSld>
@@ -4197,8 +4846,8 @@
 </p:sld>
 </file>
 
-<file path=ppt/slides/slide11.xml><?xml version="1.0" encoding="utf-8"?>
-<p:sld xmlns:a="http://schemas.openxmlformats.org/drawingml/2006/main" xmlns:r="http://schemas.openxmlformats.org/officeDocument/2006/relationships" xmlns:p="http://schemas.openxmlformats.org/presentationml/2006/main">
+<file path=ppt/slides/slide14.xml><?xml version="1.0" encoding="utf-8"?>
+<p:sld xmlns:a="http://schemas.openxmlformats.org/drawingml/2006/main" xmlns:r="http://schemas.openxmlformats.org/officeDocument/2006/relationships" xmlns:p="http://schemas.openxmlformats.org/presentationml/2006/main" show="0">
   <p:cSld>
     <p:spTree>
       <p:nvGrpSpPr>
@@ -4227,7 +4876,7 @@
           <p:nvPr/>
         </p:nvSpPr>
         <p:spPr>
-          <a:xfrm>
+          <a:xfrm flipH="1">
             <a:off x="6096000" y="0"/>
             <a:ext cx="6096000" cy="6858000"/>
           </a:xfrm>
@@ -4277,7 +4926,7 @@
         </p:nvSpPr>
         <p:spPr>
           <a:xfrm>
-            <a:off x="1145626" y="1032641"/>
+            <a:off x="7231117" y="876300"/>
             <a:ext cx="3825765" cy="5105400"/>
           </a:xfrm>
           <a:prstGeom prst="roundRect">
@@ -4332,10 +4981,10 @@
       </p:sp>
       <p:sp>
         <p:nvSpPr>
-          <p:cNvPr id="4" name="TextBox 3">
-            <a:extLst>
-              <a:ext uri="{FF2B5EF4-FFF2-40B4-BE49-F238E27FC236}">
-                <a16:creationId xmlns:a16="http://schemas.microsoft.com/office/drawing/2014/main" id="{AA8DFC32-E073-49D3-9E54-0AC7FA76A496}"/>
+          <p:cNvPr id="5" name="TextBox 4">
+            <a:extLst>
+              <a:ext uri="{FF2B5EF4-FFF2-40B4-BE49-F238E27FC236}">
+                <a16:creationId xmlns:a16="http://schemas.microsoft.com/office/drawing/2014/main" id="{92D6F531-FFFC-4775-8747-2A6C1975445D}"/>
               </a:ext>
             </a:extLst>
           </p:cNvPr>
@@ -4344,8 +4993,8 @@
         </p:nvSpPr>
         <p:spPr>
           <a:xfrm>
-            <a:off x="6620719" y="645165"/>
-            <a:ext cx="6257369" cy="12187952"/>
+            <a:off x="777764" y="1081584"/>
+            <a:ext cx="5318236" cy="4093428"/>
           </a:xfrm>
           <a:prstGeom prst="rect">
             <a:avLst/>
@@ -4360,426 +5009,51 @@
           <a:p>
             <a:r>
               <a:rPr lang="en-US" sz="4400" dirty="0"/>
-              <a:t>Demo </a:t>
-            </a:r>
-          </a:p>
-          <a:p>
-            <a:endParaRPr lang="en-US" sz="4400" dirty="0"/>
-          </a:p>
-          <a:p>
-            <a:r>
-              <a:rPr lang="en-US" sz="4400" dirty="0"/>
-              <a:t>01-Objective</a:t>
-            </a:r>
-          </a:p>
-          <a:p>
-            <a:endParaRPr lang="en-US" sz="4400" dirty="0"/>
-          </a:p>
-          <a:p>
-            <a:endParaRPr lang="en-US" sz="4400" dirty="0"/>
-          </a:p>
-          <a:p>
-            <a:r>
-              <a:rPr lang="en-US" sz="4400" dirty="0"/>
-              <a:t>02-Key Features</a:t>
-            </a:r>
-          </a:p>
-          <a:p>
-            <a:endParaRPr lang="en-US" sz="4400" dirty="0"/>
-          </a:p>
-          <a:p>
-            <a:r>
-              <a:rPr lang="en-US" sz="4400" dirty="0"/>
-              <a:t>03-Technology Stack</a:t>
-            </a:r>
-          </a:p>
-          <a:p>
-            <a:endParaRPr lang="en-US" sz="4400" dirty="0"/>
-          </a:p>
-          <a:p>
-            <a:endParaRPr lang="en-US" sz="4400" dirty="0"/>
-          </a:p>
-          <a:p>
-            <a:endParaRPr lang="en-US" sz="4400" dirty="0"/>
-          </a:p>
-          <a:p>
-            <a:endParaRPr lang="en-US" sz="4400" dirty="0"/>
-          </a:p>
-          <a:p>
-            <a:endParaRPr lang="en-US" dirty="0"/>
-          </a:p>
-          <a:p>
-            <a:endParaRPr lang="en-US" dirty="0"/>
-          </a:p>
-          <a:p>
-            <a:endParaRPr lang="en-US" dirty="0"/>
-          </a:p>
-          <a:p>
-            <a:endParaRPr lang="en-US" dirty="0"/>
-          </a:p>
-          <a:p>
-            <a:endParaRPr lang="en-US" dirty="0"/>
-          </a:p>
-          <a:p>
-            <a:r>
-              <a:rPr lang="en-US" sz="2400" dirty="0"/>
-              <a:t>1- </a:t>
-            </a:r>
-            <a:r>
-              <a:rPr lang="en-US" sz="2400" dirty="0" err="1"/>
-              <a:t>hcjsdksd</a:t>
-            </a:r>
-            <a:endParaRPr lang="en-US" sz="2400" dirty="0"/>
-          </a:p>
-          <a:p>
-            <a:endParaRPr lang="en-US" sz="2400" dirty="0"/>
-          </a:p>
-          <a:p>
-            <a:r>
-              <a:rPr lang="en-US" sz="2400" dirty="0"/>
-              <a:t>2-fffggrgfg</a:t>
-            </a:r>
-          </a:p>
-          <a:p>
-            <a:endParaRPr lang="en-US" sz="2400" dirty="0"/>
-          </a:p>
-          <a:p>
-            <a:r>
-              <a:rPr lang="en-US" sz="2400" dirty="0"/>
-              <a:t>3-ggdgdfgdg</a:t>
-            </a:r>
-          </a:p>
-          <a:p>
-            <a:endParaRPr lang="en-US" sz="2400" dirty="0"/>
-          </a:p>
-          <a:p>
-            <a:r>
-              <a:rPr lang="en-US" sz="2400" dirty="0"/>
-              <a:t>4-dgghdfgdfg</a:t>
-            </a:r>
-            <a:endParaRPr lang="ar-EG" sz="2400" dirty="0"/>
-          </a:p>
-        </p:txBody>
-      </p:sp>
-      <p:sp>
-        <p:nvSpPr>
-          <p:cNvPr id="5" name="Rectangle: Rounded Corners 4">
-            <a:extLst>
-              <a:ext uri="{FF2B5EF4-FFF2-40B4-BE49-F238E27FC236}">
-                <a16:creationId xmlns:a16="http://schemas.microsoft.com/office/drawing/2014/main" id="{AE7C4821-CD8B-4253-86F0-8199CE856403}"/>
-              </a:ext>
-            </a:extLst>
-          </p:cNvPr>
-          <p:cNvSpPr/>
-          <p:nvPr/>
-        </p:nvSpPr>
-        <p:spPr>
-          <a:xfrm>
-            <a:off x="1145626" y="1032641"/>
-            <a:ext cx="3825765" cy="5105400"/>
-          </a:xfrm>
-          <a:prstGeom prst="roundRect">
-            <a:avLst>
-              <a:gd name="adj" fmla="val 10257"/>
-            </a:avLst>
-          </a:prstGeom>
-          <a:blipFill dpi="0" rotWithShape="1">
-            <a:blip r:embed="rId4">
-              <a:extLst>
-                <a:ext uri="{837473B0-CC2E-450A-ABE3-18F120FF3D39}">
-                  <a1611:picAttrSrcUrl xmlns:a1611="http://schemas.microsoft.com/office/drawing/2016/11/main" r:id="rId5"/>
-                </a:ext>
-              </a:extLst>
-            </a:blip>
-            <a:srcRect/>
-            <a:stretch>
-              <a:fillRect/>
-            </a:stretch>
-          </a:blipFill>
-          <a:effectLst>
-            <a:glow rad="127000">
-              <a:schemeClr val="accent1"/>
-            </a:glow>
-            <a:reflection blurRad="76200" stA="45000" endPos="65000" dist="50800" dir="5400000" sy="-100000" algn="bl" rotWithShape="0"/>
-          </a:effectLst>
-        </p:spPr>
-        <p:style>
-          <a:lnRef idx="2">
-            <a:schemeClr val="accent1">
-              <a:shade val="50000"/>
-            </a:schemeClr>
-          </a:lnRef>
-          <a:fillRef idx="1">
-            <a:schemeClr val="accent1"/>
-          </a:fillRef>
-          <a:effectRef idx="0">
-            <a:schemeClr val="accent1"/>
-          </a:effectRef>
-          <a:fontRef idx="minor">
-            <a:schemeClr val="lt1"/>
-          </a:fontRef>
-        </p:style>
-        <p:txBody>
-          <a:bodyPr rtlCol="1" anchor="ctr"/>
-          <a:lstStyle/>
-          <a:p>
-            <a:pPr algn="ctr"/>
-            <a:endParaRPr lang="ar-EG"/>
+              <a:t>Agenda:</a:t>
+            </a:r>
+          </a:p>
+          <a:p>
+            <a:r>
+              <a:rPr lang="en-US" sz="3600" dirty="0"/>
+              <a:t>01-Project Overview</a:t>
+            </a:r>
+          </a:p>
+          <a:p>
+            <a:r>
+              <a:rPr lang="en-US" sz="3600" dirty="0"/>
+              <a:t>02-System Architecture</a:t>
+            </a:r>
+          </a:p>
+          <a:p>
+            <a:r>
+              <a:rPr lang="en-US" sz="3600" dirty="0"/>
+              <a:t>03-Yocto</a:t>
+            </a:r>
+          </a:p>
+          <a:p>
+            <a:r>
+              <a:rPr lang="en-US" sz="3600" dirty="0"/>
+              <a:t>04-IR Sensor</a:t>
+            </a:r>
+          </a:p>
+          <a:p>
+            <a:r>
+              <a:rPr lang="en-US" sz="3600" dirty="0"/>
+              <a:t>05-Gui</a:t>
+            </a:r>
+          </a:p>
+          <a:p>
+            <a:r>
+              <a:rPr lang="en-US" sz="3600" dirty="0"/>
+              <a:t>06-Demo</a:t>
+            </a:r>
           </a:p>
         </p:txBody>
       </p:sp>
     </p:spTree>
     <p:extLst>
       <p:ext uri="{BB962C8B-B14F-4D97-AF65-F5344CB8AC3E}">
-        <p14:creationId xmlns:p14="http://schemas.microsoft.com/office/powerpoint/2010/main" val="2444678567"/>
-      </p:ext>
-    </p:extLst>
-  </p:cSld>
-  <p:clrMapOvr>
-    <a:masterClrMapping/>
-  </p:clrMapOvr>
-  <mc:AlternateContent xmlns:mc="http://schemas.openxmlformats.org/markup-compatibility/2006" xmlns:p159="http://schemas.microsoft.com/office/powerpoint/2015/09/main">
-    <mc:Choice Requires="p159">
-      <p:transition xmlns:p14="http://schemas.microsoft.com/office/powerpoint/2010/main" spd="slow" p14:dur="2000">
-        <p159:morph option="byObject"/>
-      </p:transition>
-    </mc:Choice>
-    <mc:Fallback xmlns="">
-      <p:transition spd="slow">
-        <p:fade/>
-      </p:transition>
-    </mc:Fallback>
-  </mc:AlternateContent>
-</p:sld>
-</file>
-
-<file path=ppt/slides/slide12.xml><?xml version="1.0" encoding="utf-8"?>
-<p:sld xmlns:a="http://schemas.openxmlformats.org/drawingml/2006/main" xmlns:r="http://schemas.openxmlformats.org/officeDocument/2006/relationships" xmlns:p="http://schemas.openxmlformats.org/presentationml/2006/main" show="0">
-  <p:cSld>
-    <p:spTree>
-      <p:nvGrpSpPr>
-        <p:cNvPr id="1" name=""/>
-        <p:cNvGrpSpPr/>
-        <p:nvPr/>
-      </p:nvGrpSpPr>
-      <p:grpSpPr>
-        <a:xfrm>
-          <a:off x="0" y="0"/>
-          <a:ext cx="0" cy="0"/>
-          <a:chOff x="0" y="0"/>
-          <a:chExt cx="0" cy="0"/>
-        </a:xfrm>
-      </p:grpSpPr>
-      <p:sp>
-        <p:nvSpPr>
-          <p:cNvPr id="2" name="Rectangle 1">
-            <a:extLst>
-              <a:ext uri="{FF2B5EF4-FFF2-40B4-BE49-F238E27FC236}">
-                <a16:creationId xmlns:a16="http://schemas.microsoft.com/office/drawing/2014/main" id="{9A3B4C56-A16C-47E0-985D-A46F5AA7389D}"/>
-              </a:ext>
-            </a:extLst>
-          </p:cNvPr>
-          <p:cNvSpPr/>
-          <p:nvPr/>
-        </p:nvSpPr>
-        <p:spPr>
-          <a:xfrm>
-            <a:off x="6096000" y="0"/>
-            <a:ext cx="6096000" cy="6858000"/>
-          </a:xfrm>
-          <a:prstGeom prst="rect">
-            <a:avLst/>
-          </a:prstGeom>
-          <a:solidFill>
-            <a:srgbClr val="421D5D"/>
-          </a:solidFill>
-        </p:spPr>
-        <p:style>
-          <a:lnRef idx="2">
-            <a:schemeClr val="accent1">
-              <a:shade val="50000"/>
-            </a:schemeClr>
-          </a:lnRef>
-          <a:fillRef idx="1">
-            <a:schemeClr val="accent1"/>
-          </a:fillRef>
-          <a:effectRef idx="0">
-            <a:schemeClr val="accent1"/>
-          </a:effectRef>
-          <a:fontRef idx="minor">
-            <a:schemeClr val="lt1"/>
-          </a:fontRef>
-        </p:style>
-        <p:txBody>
-          <a:bodyPr rtlCol="1" anchor="ctr"/>
-          <a:lstStyle/>
-          <a:p>
-            <a:pPr algn="ctr"/>
-            <a:endParaRPr lang="ar-EG"/>
-          </a:p>
-        </p:txBody>
-      </p:sp>
-      <p:sp>
-        <p:nvSpPr>
-          <p:cNvPr id="3" name="Rectangle: Rounded Corners 2">
-            <a:extLst>
-              <a:ext uri="{FF2B5EF4-FFF2-40B4-BE49-F238E27FC236}">
-                <a16:creationId xmlns:a16="http://schemas.microsoft.com/office/drawing/2014/main" id="{FDC5310F-B71C-46A0-9E8C-61293D7559C4}"/>
-              </a:ext>
-            </a:extLst>
-          </p:cNvPr>
-          <p:cNvSpPr/>
-          <p:nvPr/>
-        </p:nvSpPr>
-        <p:spPr>
-          <a:xfrm>
-            <a:off x="1145626" y="1032641"/>
-            <a:ext cx="3825765" cy="5105400"/>
-          </a:xfrm>
-          <a:prstGeom prst="roundRect">
-            <a:avLst>
-              <a:gd name="adj" fmla="val 10257"/>
-            </a:avLst>
-          </a:prstGeom>
-          <a:blipFill dpi="0" rotWithShape="1">
-            <a:blip r:embed="rId2">
-              <a:extLst>
-                <a:ext uri="{837473B0-CC2E-450A-ABE3-18F120FF3D39}">
-                  <a1611:picAttrSrcUrl xmlns:a1611="http://schemas.microsoft.com/office/drawing/2016/11/main" r:id="rId3"/>
-                </a:ext>
-              </a:extLst>
-            </a:blip>
-            <a:srcRect/>
-            <a:stretch>
-              <a:fillRect/>
-            </a:stretch>
-          </a:blipFill>
-          <a:effectLst>
-            <a:glow rad="127000">
-              <a:schemeClr val="accent1"/>
-            </a:glow>
-            <a:reflection blurRad="76200" stA="45000" endPos="65000" dist="50800" dir="5400000" sy="-100000" algn="bl" rotWithShape="0"/>
-          </a:effectLst>
-        </p:spPr>
-        <p:style>
-          <a:lnRef idx="2">
-            <a:schemeClr val="accent1">
-              <a:shade val="50000"/>
-            </a:schemeClr>
-          </a:lnRef>
-          <a:fillRef idx="1">
-            <a:schemeClr val="accent1"/>
-          </a:fillRef>
-          <a:effectRef idx="0">
-            <a:schemeClr val="accent1"/>
-          </a:effectRef>
-          <a:fontRef idx="minor">
-            <a:schemeClr val="lt1"/>
-          </a:fontRef>
-        </p:style>
-        <p:txBody>
-          <a:bodyPr rtlCol="1" anchor="ctr"/>
-          <a:lstStyle/>
-          <a:p>
-            <a:pPr algn="ctr"/>
-            <a:endParaRPr lang="ar-EG"/>
-          </a:p>
-        </p:txBody>
-      </p:sp>
-      <p:sp>
-        <p:nvSpPr>
-          <p:cNvPr id="4" name="TextBox 3">
-            <a:extLst>
-              <a:ext uri="{FF2B5EF4-FFF2-40B4-BE49-F238E27FC236}">
-                <a16:creationId xmlns:a16="http://schemas.microsoft.com/office/drawing/2014/main" id="{AA8DFC32-E073-49D3-9E54-0AC7FA76A496}"/>
-              </a:ext>
-            </a:extLst>
-          </p:cNvPr>
-          <p:cNvSpPr txBox="1"/>
-          <p:nvPr/>
-        </p:nvSpPr>
-        <p:spPr>
-          <a:xfrm>
-            <a:off x="6558455" y="378371"/>
-            <a:ext cx="5318236" cy="4739759"/>
-          </a:xfrm>
-          <a:prstGeom prst="rect">
-            <a:avLst/>
-          </a:prstGeom>
-          <a:noFill/>
-        </p:spPr>
-        <p:txBody>
-          <a:bodyPr wrap="square" rtlCol="1">
-            <a:spAutoFit/>
-          </a:bodyPr>
-          <a:lstStyle/>
-          <a:p>
-            <a:r>
-              <a:rPr lang="en-US" sz="4400"/>
-              <a:t>Java</a:t>
-            </a:r>
-            <a:endParaRPr lang="en-US" sz="4400" dirty="0"/>
-          </a:p>
-          <a:p>
-            <a:endParaRPr lang="en-US" dirty="0"/>
-          </a:p>
-          <a:p>
-            <a:endParaRPr lang="en-US" dirty="0"/>
-          </a:p>
-          <a:p>
-            <a:endParaRPr lang="en-US" dirty="0"/>
-          </a:p>
-          <a:p>
-            <a:endParaRPr lang="en-US" dirty="0"/>
-          </a:p>
-          <a:p>
-            <a:endParaRPr lang="en-US" dirty="0"/>
-          </a:p>
-          <a:p>
-            <a:r>
-              <a:rPr lang="en-US" sz="2400" dirty="0"/>
-              <a:t>1- </a:t>
-            </a:r>
-            <a:r>
-              <a:rPr lang="en-US" sz="2400" dirty="0" err="1"/>
-              <a:t>hcjsdksd</a:t>
-            </a:r>
-            <a:endParaRPr lang="en-US" sz="2400" dirty="0"/>
-          </a:p>
-          <a:p>
-            <a:endParaRPr lang="en-US" sz="2400" dirty="0"/>
-          </a:p>
-          <a:p>
-            <a:r>
-              <a:rPr lang="en-US" sz="2400" dirty="0"/>
-              <a:t>2-fffggrgfg</a:t>
-            </a:r>
-          </a:p>
-          <a:p>
-            <a:endParaRPr lang="en-US" sz="2400" dirty="0"/>
-          </a:p>
-          <a:p>
-            <a:r>
-              <a:rPr lang="en-US" sz="2400" dirty="0"/>
-              <a:t>3-ggdgdfgdg</a:t>
-            </a:r>
-          </a:p>
-          <a:p>
-            <a:endParaRPr lang="en-US" sz="2400" dirty="0"/>
-          </a:p>
-          <a:p>
-            <a:r>
-              <a:rPr lang="en-US" sz="2400" dirty="0"/>
-              <a:t>4-dgghdfgdfg</a:t>
-            </a:r>
-            <a:endParaRPr lang="ar-EG" sz="2400" dirty="0"/>
-          </a:p>
-        </p:txBody>
-      </p:sp>
-    </p:spTree>
-    <p:extLst>
-      <p:ext uri="{BB962C8B-B14F-4D97-AF65-F5344CB8AC3E}">
-        <p14:creationId xmlns:p14="http://schemas.microsoft.com/office/powerpoint/2010/main" val="665360660"/>
+        <p14:creationId xmlns:p14="http://schemas.microsoft.com/office/powerpoint/2010/main" val="2808555932"/>
       </p:ext>
     </p:extLst>
   </p:cSld>
@@ -5484,6 +5758,313 @@
         <p:spPr>
           <a:xfrm>
             <a:off x="1806816" y="2242674"/>
+            <a:ext cx="5707736" cy="5878532"/>
+          </a:xfrm>
+          <a:prstGeom prst="rect">
+            <a:avLst/>
+          </a:prstGeom>
+          <a:noFill/>
+        </p:spPr>
+        <p:txBody>
+          <a:bodyPr wrap="square" rtlCol="1">
+            <a:spAutoFit/>
+          </a:bodyPr>
+          <a:lstStyle/>
+          <a:p>
+            <a:r>
+              <a:rPr lang="en-US" sz="3200" dirty="0"/>
+              <a:t>Agenda:</a:t>
+            </a:r>
+          </a:p>
+          <a:p>
+            <a:endParaRPr lang="en-US" sz="6000" dirty="0"/>
+          </a:p>
+          <a:p>
+            <a:r>
+              <a:rPr lang="en-US" sz="3200" dirty="0"/>
+              <a:t>1- Overview</a:t>
+            </a:r>
+          </a:p>
+          <a:p>
+            <a:r>
+              <a:rPr lang="en-US" sz="3200" dirty="0"/>
+              <a:t>2- System Architecture</a:t>
+            </a:r>
+          </a:p>
+          <a:p>
+            <a:r>
+              <a:rPr lang="en-US" sz="3200" dirty="0"/>
+              <a:t>3- </a:t>
+            </a:r>
+            <a:r>
+              <a:rPr lang="en-US" sz="3200" dirty="0" err="1"/>
+              <a:t>Yocto</a:t>
+            </a:r>
+            <a:endParaRPr lang="en-US" sz="3200" dirty="0"/>
+          </a:p>
+          <a:p>
+            <a:r>
+              <a:rPr lang="en-US" sz="3200" dirty="0"/>
+              <a:t>4- IR Sensor</a:t>
+            </a:r>
+          </a:p>
+          <a:p>
+            <a:r>
+              <a:rPr lang="en-US" sz="3200" dirty="0"/>
+              <a:t>5- Demo</a:t>
+            </a:r>
+          </a:p>
+          <a:p>
+            <a:endParaRPr lang="en-US" sz="3200" dirty="0"/>
+          </a:p>
+          <a:p>
+            <a:endParaRPr lang="en-US" sz="3200" dirty="0"/>
+          </a:p>
+          <a:p>
+            <a:endParaRPr lang="ar-EG" sz="6000" dirty="0"/>
+          </a:p>
+        </p:txBody>
+      </p:sp>
+      <p:pic>
+        <p:nvPicPr>
+          <p:cNvPr id="7" name="Picture 6">
+            <a:extLst>
+              <a:ext uri="{FF2B5EF4-FFF2-40B4-BE49-F238E27FC236}">
+                <a16:creationId xmlns:a16="http://schemas.microsoft.com/office/drawing/2014/main" id="{7E38D881-4F7C-4200-BB88-33A9E75AF1F1}"/>
+              </a:ext>
+            </a:extLst>
+          </p:cNvPr>
+          <p:cNvPicPr>
+            <a:picLocks noChangeAspect="1"/>
+          </p:cNvPicPr>
+          <p:nvPr/>
+        </p:nvPicPr>
+        <p:blipFill>
+          <a:blip r:embed="rId3"/>
+          <a:stretch>
+            <a:fillRect/>
+          </a:stretch>
+        </p:blipFill>
+        <p:spPr>
+          <a:xfrm>
+            <a:off x="8086538" y="757623"/>
+            <a:ext cx="3545050" cy="7080622"/>
+          </a:xfrm>
+          <a:prstGeom prst="roundRect">
+            <a:avLst>
+              <a:gd name="adj" fmla="val 8594"/>
+            </a:avLst>
+          </a:prstGeom>
+          <a:solidFill>
+            <a:srgbClr val="FFFFFF">
+              <a:shade val="85000"/>
+            </a:srgbClr>
+          </a:solidFill>
+          <a:ln>
+            <a:noFill/>
+          </a:ln>
+          <a:effectLst>
+            <a:reflection blurRad="12700" stA="38000" endPos="28000" dist="5000" dir="5400000" sy="-100000" algn="bl" rotWithShape="0"/>
+          </a:effectLst>
+        </p:spPr>
+      </p:pic>
+      <p:pic>
+        <p:nvPicPr>
+          <p:cNvPr id="1026" name="Picture 2" descr="Iphone X PNG Vector Images with Transparent background - TransparentPNG">
+            <a:extLst>
+              <a:ext uri="{FF2B5EF4-FFF2-40B4-BE49-F238E27FC236}">
+                <a16:creationId xmlns:a16="http://schemas.microsoft.com/office/drawing/2014/main" id="{E702CEBC-4BCB-4C5E-AFC3-713CEC1C72EE}"/>
+              </a:ext>
+            </a:extLst>
+          </p:cNvPr>
+          <p:cNvPicPr>
+            <a:picLocks noChangeAspect="1" noChangeArrowheads="1"/>
+          </p:cNvPicPr>
+          <p:nvPr/>
+        </p:nvPicPr>
+        <p:blipFill>
+          <a:blip r:embed="rId4">
+            <a:extLst>
+              <a:ext uri="{28A0092B-C50C-407E-A947-70E740481C1C}">
+                <a14:useLocalDpi xmlns:a14="http://schemas.microsoft.com/office/drawing/2010/main" val="0"/>
+              </a:ext>
+            </a:extLst>
+          </a:blip>
+          <a:srcRect/>
+          <a:stretch>
+            <a:fillRect/>
+          </a:stretch>
+        </p:blipFill>
+        <p:spPr bwMode="auto">
+          <a:xfrm>
+            <a:off x="7173573" y="435271"/>
+            <a:ext cx="5499547" cy="8383219"/>
+          </a:xfrm>
+          <a:prstGeom prst="rect">
+            <a:avLst/>
+          </a:prstGeom>
+          <a:noFill/>
+          <a:extLst>
+            <a:ext uri="{909E8E84-426E-40DD-AFC4-6F175D3DCCD1}">
+              <a14:hiddenFill xmlns:a14="http://schemas.microsoft.com/office/drawing/2010/main">
+                <a:solidFill>
+                  <a:srgbClr val="FFFFFF"/>
+                </a:solidFill>
+              </a14:hiddenFill>
+            </a:ext>
+          </a:extLst>
+        </p:spPr>
+      </p:pic>
+    </p:spTree>
+    <p:extLst>
+      <p:ext uri="{BB962C8B-B14F-4D97-AF65-F5344CB8AC3E}">
+        <p14:creationId xmlns:p14="http://schemas.microsoft.com/office/powerpoint/2010/main" val="1723091683"/>
+      </p:ext>
+    </p:extLst>
+  </p:cSld>
+  <p:clrMapOvr>
+    <a:masterClrMapping/>
+  </p:clrMapOvr>
+</p:sld>
+</file>
+
+<file path=ppt/slides/slide5.xml><?xml version="1.0" encoding="utf-8"?>
+<p:sld xmlns:a="http://schemas.openxmlformats.org/drawingml/2006/main" xmlns:r="http://schemas.openxmlformats.org/officeDocument/2006/relationships" xmlns:p="http://schemas.openxmlformats.org/presentationml/2006/main">
+  <p:cSld>
+    <p:spTree>
+      <p:nvGrpSpPr>
+        <p:cNvPr id="1" name=""/>
+        <p:cNvGrpSpPr/>
+        <p:nvPr/>
+      </p:nvGrpSpPr>
+      <p:grpSpPr>
+        <a:xfrm>
+          <a:off x="0" y="0"/>
+          <a:ext cx="0" cy="0"/>
+          <a:chOff x="0" y="0"/>
+          <a:chExt cx="0" cy="0"/>
+        </a:xfrm>
+      </p:grpSpPr>
+      <p:sp>
+        <p:nvSpPr>
+          <p:cNvPr id="2" name="Title 1">
+            <a:extLst>
+              <a:ext uri="{FF2B5EF4-FFF2-40B4-BE49-F238E27FC236}">
+                <a16:creationId xmlns:a16="http://schemas.microsoft.com/office/drawing/2014/main" id="{A7BFAAAC-9A10-4A40-8E31-3D1F54F32A4D}"/>
+              </a:ext>
+            </a:extLst>
+          </p:cNvPr>
+          <p:cNvSpPr>
+            <a:spLocks noGrp="1"/>
+          </p:cNvSpPr>
+          <p:nvPr>
+            <p:ph type="ctrTitle"/>
+          </p:nvPr>
+        </p:nvSpPr>
+        <p:spPr/>
+        <p:txBody>
+          <a:bodyPr/>
+          <a:lstStyle/>
+          <a:p>
+            <a:endParaRPr lang="ar-EG"/>
+          </a:p>
+        </p:txBody>
+      </p:sp>
+      <p:sp>
+        <p:nvSpPr>
+          <p:cNvPr id="3" name="Subtitle 2">
+            <a:extLst>
+              <a:ext uri="{FF2B5EF4-FFF2-40B4-BE49-F238E27FC236}">
+                <a16:creationId xmlns:a16="http://schemas.microsoft.com/office/drawing/2014/main" id="{1DC1CBA2-0B89-45F1-85C0-8A97DE004240}"/>
+              </a:ext>
+            </a:extLst>
+          </p:cNvPr>
+          <p:cNvSpPr>
+            <a:spLocks noGrp="1"/>
+          </p:cNvSpPr>
+          <p:nvPr>
+            <p:ph type="subTitle" idx="1"/>
+          </p:nvPr>
+        </p:nvSpPr>
+        <p:spPr/>
+        <p:txBody>
+          <a:bodyPr/>
+          <a:lstStyle/>
+          <a:p>
+            <a:endParaRPr lang="ar-EG"/>
+          </a:p>
+        </p:txBody>
+      </p:sp>
+      <p:sp>
+        <p:nvSpPr>
+          <p:cNvPr id="4" name="Rectangle 3">
+            <a:extLst>
+              <a:ext uri="{FF2B5EF4-FFF2-40B4-BE49-F238E27FC236}">
+                <a16:creationId xmlns:a16="http://schemas.microsoft.com/office/drawing/2014/main" id="{4526EF6D-5DBE-4C45-907A-7EB22298B078}"/>
+              </a:ext>
+            </a:extLst>
+          </p:cNvPr>
+          <p:cNvSpPr/>
+          <p:nvPr/>
+        </p:nvSpPr>
+        <p:spPr>
+          <a:xfrm>
+            <a:off x="0" y="0"/>
+            <a:ext cx="12191999" cy="6857999"/>
+          </a:xfrm>
+          <a:prstGeom prst="rect">
+            <a:avLst/>
+          </a:prstGeom>
+          <a:blipFill dpi="0" rotWithShape="1">
+            <a:blip r:embed="rId2">
+              <a:alphaModFix amt="45000"/>
+            </a:blip>
+            <a:srcRect/>
+            <a:stretch>
+              <a:fillRect/>
+            </a:stretch>
+          </a:blipFill>
+        </p:spPr>
+        <p:style>
+          <a:lnRef idx="2">
+            <a:schemeClr val="accent1">
+              <a:shade val="50000"/>
+            </a:schemeClr>
+          </a:lnRef>
+          <a:fillRef idx="1">
+            <a:schemeClr val="accent1"/>
+          </a:fillRef>
+          <a:effectRef idx="0">
+            <a:schemeClr val="accent1"/>
+          </a:effectRef>
+          <a:fontRef idx="minor">
+            <a:schemeClr val="lt1"/>
+          </a:fontRef>
+        </p:style>
+        <p:txBody>
+          <a:bodyPr rtlCol="1" anchor="ctr"/>
+          <a:lstStyle/>
+          <a:p>
+            <a:pPr algn="ctr"/>
+            <a:endParaRPr lang="ar-EG" dirty="0"/>
+          </a:p>
+        </p:txBody>
+      </p:sp>
+      <p:sp>
+        <p:nvSpPr>
+          <p:cNvPr id="6" name="TextBox 5">
+            <a:extLst>
+              <a:ext uri="{FF2B5EF4-FFF2-40B4-BE49-F238E27FC236}">
+                <a16:creationId xmlns:a16="http://schemas.microsoft.com/office/drawing/2014/main" id="{4C7E906A-F771-4032-A37F-492C75ED5C7C}"/>
+              </a:ext>
+            </a:extLst>
+          </p:cNvPr>
+          <p:cNvSpPr txBox="1"/>
+          <p:nvPr/>
+        </p:nvSpPr>
+        <p:spPr>
+          <a:xfrm>
+            <a:off x="1806816" y="2242674"/>
             <a:ext cx="5707736" cy="3908762"/>
           </a:xfrm>
           <a:prstGeom prst="rect">
@@ -5508,21 +6089,21 @@
           <a:p>
             <a:r>
               <a:rPr lang="en-US" sz="3200" dirty="0"/>
-              <a:t> 01-Objective</a:t>
+              <a:t> 1- Objective</a:t>
             </a:r>
             <a:endParaRPr lang="en-US" sz="6000" dirty="0"/>
           </a:p>
           <a:p>
             <a:r>
               <a:rPr lang="en-US" sz="3200" dirty="0"/>
-              <a:t> 02-Key Features</a:t>
+              <a:t> 2- Key Features</a:t>
             </a:r>
             <a:endParaRPr lang="en-US" sz="6000" dirty="0"/>
           </a:p>
           <a:p>
             <a:r>
               <a:rPr lang="en-US" sz="3200" dirty="0"/>
-              <a:t> 03-Technology Stack</a:t>
+              <a:t> 3- Technology Stack</a:t>
             </a:r>
           </a:p>
           <a:p>
@@ -5633,307 +6214,6 @@
 </p:sld>
 </file>
 
-<file path=ppt/slides/slide5.xml><?xml version="1.0" encoding="utf-8"?>
-<p:sld xmlns:a="http://schemas.openxmlformats.org/drawingml/2006/main" xmlns:r="http://schemas.openxmlformats.org/officeDocument/2006/relationships" xmlns:p="http://schemas.openxmlformats.org/presentationml/2006/main">
-  <p:cSld>
-    <p:spTree>
-      <p:nvGrpSpPr>
-        <p:cNvPr id="1" name=""/>
-        <p:cNvGrpSpPr/>
-        <p:nvPr/>
-      </p:nvGrpSpPr>
-      <p:grpSpPr>
-        <a:xfrm>
-          <a:off x="0" y="0"/>
-          <a:ext cx="0" cy="0"/>
-          <a:chOff x="0" y="0"/>
-          <a:chExt cx="0" cy="0"/>
-        </a:xfrm>
-      </p:grpSpPr>
-      <p:sp>
-        <p:nvSpPr>
-          <p:cNvPr id="2" name="Title 1">
-            <a:extLst>
-              <a:ext uri="{FF2B5EF4-FFF2-40B4-BE49-F238E27FC236}">
-                <a16:creationId xmlns:a16="http://schemas.microsoft.com/office/drawing/2014/main" id="{A7BFAAAC-9A10-4A40-8E31-3D1F54F32A4D}"/>
-              </a:ext>
-            </a:extLst>
-          </p:cNvPr>
-          <p:cNvSpPr>
-            <a:spLocks noGrp="1"/>
-          </p:cNvSpPr>
-          <p:nvPr>
-            <p:ph type="ctrTitle"/>
-          </p:nvPr>
-        </p:nvSpPr>
-        <p:spPr/>
-        <p:txBody>
-          <a:bodyPr/>
-          <a:lstStyle/>
-          <a:p>
-            <a:endParaRPr lang="ar-EG"/>
-          </a:p>
-        </p:txBody>
-      </p:sp>
-      <p:sp>
-        <p:nvSpPr>
-          <p:cNvPr id="3" name="Subtitle 2">
-            <a:extLst>
-              <a:ext uri="{FF2B5EF4-FFF2-40B4-BE49-F238E27FC236}">
-                <a16:creationId xmlns:a16="http://schemas.microsoft.com/office/drawing/2014/main" id="{1DC1CBA2-0B89-45F1-85C0-8A97DE004240}"/>
-              </a:ext>
-            </a:extLst>
-          </p:cNvPr>
-          <p:cNvSpPr>
-            <a:spLocks noGrp="1"/>
-          </p:cNvSpPr>
-          <p:nvPr>
-            <p:ph type="subTitle" idx="1"/>
-          </p:nvPr>
-        </p:nvSpPr>
-        <p:spPr/>
-        <p:txBody>
-          <a:bodyPr/>
-          <a:lstStyle/>
-          <a:p>
-            <a:endParaRPr lang="ar-EG"/>
-          </a:p>
-        </p:txBody>
-      </p:sp>
-      <p:sp>
-        <p:nvSpPr>
-          <p:cNvPr id="4" name="Rectangle 3">
-            <a:extLst>
-              <a:ext uri="{FF2B5EF4-FFF2-40B4-BE49-F238E27FC236}">
-                <a16:creationId xmlns:a16="http://schemas.microsoft.com/office/drawing/2014/main" id="{4526EF6D-5DBE-4C45-907A-7EB22298B078}"/>
-              </a:ext>
-            </a:extLst>
-          </p:cNvPr>
-          <p:cNvSpPr/>
-          <p:nvPr/>
-        </p:nvSpPr>
-        <p:spPr>
-          <a:xfrm>
-            <a:off x="0" y="0"/>
-            <a:ext cx="12191999" cy="6857999"/>
-          </a:xfrm>
-          <a:prstGeom prst="rect">
-            <a:avLst/>
-          </a:prstGeom>
-          <a:blipFill dpi="0" rotWithShape="1">
-            <a:blip r:embed="rId2">
-              <a:alphaModFix amt="45000"/>
-            </a:blip>
-            <a:srcRect/>
-            <a:stretch>
-              <a:fillRect/>
-            </a:stretch>
-          </a:blipFill>
-        </p:spPr>
-        <p:style>
-          <a:lnRef idx="2">
-            <a:schemeClr val="accent1">
-              <a:shade val="50000"/>
-            </a:schemeClr>
-          </a:lnRef>
-          <a:fillRef idx="1">
-            <a:schemeClr val="accent1"/>
-          </a:fillRef>
-          <a:effectRef idx="0">
-            <a:schemeClr val="accent1"/>
-          </a:effectRef>
-          <a:fontRef idx="minor">
-            <a:schemeClr val="lt1"/>
-          </a:fontRef>
-        </p:style>
-        <p:txBody>
-          <a:bodyPr rtlCol="1" anchor="ctr"/>
-          <a:lstStyle/>
-          <a:p>
-            <a:pPr algn="ctr"/>
-            <a:endParaRPr lang="ar-EG" dirty="0"/>
-          </a:p>
-        </p:txBody>
-      </p:sp>
-      <p:sp>
-        <p:nvSpPr>
-          <p:cNvPr id="6" name="TextBox 5">
-            <a:extLst>
-              <a:ext uri="{FF2B5EF4-FFF2-40B4-BE49-F238E27FC236}">
-                <a16:creationId xmlns:a16="http://schemas.microsoft.com/office/drawing/2014/main" id="{4C7E906A-F771-4032-A37F-492C75ED5C7C}"/>
-              </a:ext>
-            </a:extLst>
-          </p:cNvPr>
-          <p:cNvSpPr txBox="1"/>
-          <p:nvPr/>
-        </p:nvSpPr>
-        <p:spPr>
-          <a:xfrm>
-            <a:off x="1806816" y="2242674"/>
-            <a:ext cx="5707736" cy="5447645"/>
-          </a:xfrm>
-          <a:prstGeom prst="rect">
-            <a:avLst/>
-          </a:prstGeom>
-          <a:noFill/>
-        </p:spPr>
-        <p:txBody>
-          <a:bodyPr wrap="square" rtlCol="1">
-            <a:spAutoFit/>
-          </a:bodyPr>
-          <a:lstStyle/>
-          <a:p>
-            <a:r>
-              <a:rPr lang="en-US" sz="3200" dirty="0"/>
-              <a:t>Agenda:</a:t>
-            </a:r>
-          </a:p>
-          <a:p>
-            <a:endParaRPr lang="en-US" sz="6000" dirty="0"/>
-          </a:p>
-          <a:p>
-            <a:r>
-              <a:rPr lang="en-US" sz="3200" dirty="0"/>
-              <a:t>2- System Architecture</a:t>
-            </a:r>
-          </a:p>
-          <a:p>
-            <a:r>
-              <a:rPr lang="en-US" sz="3200" dirty="0"/>
-              <a:t>3- </a:t>
-            </a:r>
-            <a:r>
-              <a:rPr lang="en-US" sz="3200" dirty="0" err="1"/>
-              <a:t>Yocto</a:t>
-            </a:r>
-            <a:endParaRPr lang="en-US" sz="3200" dirty="0"/>
-          </a:p>
-          <a:p>
-            <a:r>
-              <a:rPr lang="en-US" sz="3200" dirty="0"/>
-              <a:t>4- IR Sensor</a:t>
-            </a:r>
-          </a:p>
-          <a:p>
-            <a:r>
-              <a:rPr lang="en-US" sz="3200" dirty="0"/>
-              <a:t>6- Demo</a:t>
-            </a:r>
-          </a:p>
-          <a:p>
-            <a:endParaRPr lang="en-US" sz="3200" dirty="0"/>
-          </a:p>
-          <a:p>
-            <a:endParaRPr lang="en-US" sz="3200" dirty="0"/>
-          </a:p>
-          <a:p>
-            <a:endParaRPr lang="ar-EG" sz="6000" dirty="0"/>
-          </a:p>
-        </p:txBody>
-      </p:sp>
-      <p:pic>
-        <p:nvPicPr>
-          <p:cNvPr id="7" name="Picture 6">
-            <a:extLst>
-              <a:ext uri="{FF2B5EF4-FFF2-40B4-BE49-F238E27FC236}">
-                <a16:creationId xmlns:a16="http://schemas.microsoft.com/office/drawing/2014/main" id="{7E38D881-4F7C-4200-BB88-33A9E75AF1F1}"/>
-              </a:ext>
-            </a:extLst>
-          </p:cNvPr>
-          <p:cNvPicPr>
-            <a:picLocks noChangeAspect="1"/>
-          </p:cNvPicPr>
-          <p:nvPr/>
-        </p:nvPicPr>
-        <p:blipFill>
-          <a:blip r:embed="rId3"/>
-          <a:stretch>
-            <a:fillRect/>
-          </a:stretch>
-        </p:blipFill>
-        <p:spPr>
-          <a:xfrm>
-            <a:off x="8086538" y="757623"/>
-            <a:ext cx="3545050" cy="7080622"/>
-          </a:xfrm>
-          <a:prstGeom prst="roundRect">
-            <a:avLst>
-              <a:gd name="adj" fmla="val 8594"/>
-            </a:avLst>
-          </a:prstGeom>
-          <a:solidFill>
-            <a:srgbClr val="FFFFFF">
-              <a:shade val="85000"/>
-            </a:srgbClr>
-          </a:solidFill>
-          <a:ln>
-            <a:noFill/>
-          </a:ln>
-          <a:effectLst>
-            <a:reflection blurRad="12700" stA="38000" endPos="28000" dist="5000" dir="5400000" sy="-100000" algn="bl" rotWithShape="0"/>
-          </a:effectLst>
-        </p:spPr>
-      </p:pic>
-      <p:pic>
-        <p:nvPicPr>
-          <p:cNvPr id="1026" name="Picture 2" descr="Iphone X PNG Vector Images with Transparent background - TransparentPNG">
-            <a:extLst>
-              <a:ext uri="{FF2B5EF4-FFF2-40B4-BE49-F238E27FC236}">
-                <a16:creationId xmlns:a16="http://schemas.microsoft.com/office/drawing/2014/main" id="{E702CEBC-4BCB-4C5E-AFC3-713CEC1C72EE}"/>
-              </a:ext>
-            </a:extLst>
-          </p:cNvPr>
-          <p:cNvPicPr>
-            <a:picLocks noChangeAspect="1" noChangeArrowheads="1"/>
-          </p:cNvPicPr>
-          <p:nvPr/>
-        </p:nvPicPr>
-        <p:blipFill>
-          <a:blip r:embed="rId4">
-            <a:extLst>
-              <a:ext uri="{28A0092B-C50C-407E-A947-70E740481C1C}">
-                <a14:useLocalDpi xmlns:a14="http://schemas.microsoft.com/office/drawing/2010/main" val="0"/>
-              </a:ext>
-            </a:extLst>
-          </a:blip>
-          <a:srcRect/>
-          <a:stretch>
-            <a:fillRect/>
-          </a:stretch>
-        </p:blipFill>
-        <p:spPr bwMode="auto">
-          <a:xfrm>
-            <a:off x="7173573" y="435271"/>
-            <a:ext cx="5499547" cy="8383219"/>
-          </a:xfrm>
-          <a:prstGeom prst="rect">
-            <a:avLst/>
-          </a:prstGeom>
-          <a:noFill/>
-          <a:extLst>
-            <a:ext uri="{909E8E84-426E-40DD-AFC4-6F175D3DCCD1}">
-              <a14:hiddenFill xmlns:a14="http://schemas.microsoft.com/office/drawing/2010/main">
-                <a:solidFill>
-                  <a:srgbClr val="FFFFFF"/>
-                </a:solidFill>
-              </a14:hiddenFill>
-            </a:ext>
-          </a:extLst>
-        </p:spPr>
-      </p:pic>
-    </p:spTree>
-    <p:extLst>
-      <p:ext uri="{BB962C8B-B14F-4D97-AF65-F5344CB8AC3E}">
-        <p14:creationId xmlns:p14="http://schemas.microsoft.com/office/powerpoint/2010/main" val="1723091683"/>
-      </p:ext>
-    </p:extLst>
-  </p:cSld>
-  <p:clrMapOvr>
-    <a:masterClrMapping/>
-  </p:clrMapOvr>
-</p:sld>
-</file>
-
 <file path=ppt/slides/slide6.xml><?xml version="1.0" encoding="utf-8"?>
 <p:sld xmlns:a="http://schemas.openxmlformats.org/drawingml/2006/main" xmlns:r="http://schemas.openxmlformats.org/officeDocument/2006/relationships" xmlns:p="http://schemas.openxmlformats.org/presentationml/2006/main">
   <p:cSld>
@@ -6001,7 +6281,7 @@
 </file>
 
 <file path=ppt/slides/slide7.xml><?xml version="1.0" encoding="utf-8"?>
-<p:sld xmlns:a="http://schemas.openxmlformats.org/drawingml/2006/main" xmlns:r="http://schemas.openxmlformats.org/officeDocument/2006/relationships" xmlns:p="http://schemas.openxmlformats.org/presentationml/2006/main" show="0">
+<p:sld xmlns:a="http://schemas.openxmlformats.org/drawingml/2006/main" xmlns:r="http://schemas.openxmlformats.org/officeDocument/2006/relationships" xmlns:p="http://schemas.openxmlformats.org/presentationml/2006/main">
   <p:cSld>
     <p:spTree>
       <p:nvGrpSpPr>
@@ -6030,7 +6310,7 @@
           <p:nvPr/>
         </p:nvSpPr>
         <p:spPr>
-          <a:xfrm flipH="1">
+          <a:xfrm>
             <a:off x="6096000" y="0"/>
             <a:ext cx="6096000" cy="6858000"/>
           </a:xfrm>
@@ -6080,7 +6360,7 @@
         </p:nvSpPr>
         <p:spPr>
           <a:xfrm>
-            <a:off x="7231117" y="876300"/>
+            <a:off x="1145626" y="1044216"/>
             <a:ext cx="3825765" cy="5105400"/>
           </a:xfrm>
           <a:prstGeom prst="roundRect">
@@ -6135,10 +6415,10 @@
       </p:sp>
       <p:sp>
         <p:nvSpPr>
-          <p:cNvPr id="5" name="TextBox 4">
-            <a:extLst>
-              <a:ext uri="{FF2B5EF4-FFF2-40B4-BE49-F238E27FC236}">
-                <a16:creationId xmlns:a16="http://schemas.microsoft.com/office/drawing/2014/main" id="{92D6F531-FFFC-4775-8747-2A6C1975445D}"/>
+          <p:cNvPr id="4" name="TextBox 3">
+            <a:extLst>
+              <a:ext uri="{FF2B5EF4-FFF2-40B4-BE49-F238E27FC236}">
+                <a16:creationId xmlns:a16="http://schemas.microsoft.com/office/drawing/2014/main" id="{AA8DFC32-E073-49D3-9E54-0AC7FA76A496}"/>
               </a:ext>
             </a:extLst>
           </p:cNvPr>
@@ -6147,8 +6427,8 @@
         </p:nvSpPr>
         <p:spPr>
           <a:xfrm>
-            <a:off x="777764" y="1081584"/>
-            <a:ext cx="5318236" cy="4093428"/>
+            <a:off x="6234364" y="254642"/>
+            <a:ext cx="6096000" cy="7109639"/>
           </a:xfrm>
           <a:prstGeom prst="rect">
             <a:avLst/>
@@ -6162,70 +6442,179 @@
           <a:lstStyle/>
           <a:p>
             <a:r>
-              <a:rPr lang="en-US" sz="4400" dirty="0"/>
-              <a:t>Agenda:</a:t>
-            </a:r>
-          </a:p>
-          <a:p>
-            <a:r>
-              <a:rPr lang="en-US" sz="3600" dirty="0"/>
-              <a:t>01-Project Overview</a:t>
-            </a:r>
-          </a:p>
-          <a:p>
-            <a:r>
-              <a:rPr lang="en-US" sz="3600" dirty="0"/>
-              <a:t>02-System Architecture</a:t>
-            </a:r>
-          </a:p>
-          <a:p>
-            <a:r>
-              <a:rPr lang="en-US" sz="3600" dirty="0"/>
-              <a:t>03-Yocto</a:t>
-            </a:r>
-          </a:p>
-          <a:p>
-            <a:r>
-              <a:rPr lang="en-US" sz="3600" dirty="0"/>
-              <a:t>04-IR Sensor</a:t>
-            </a:r>
-          </a:p>
-          <a:p>
-            <a:r>
-              <a:rPr lang="en-US" sz="3600" dirty="0"/>
-              <a:t>05-Gui</a:t>
-            </a:r>
-          </a:p>
-          <a:p>
-            <a:r>
-              <a:rPr lang="en-US" sz="3600" dirty="0"/>
-              <a:t>06-Demo</a:t>
-            </a:r>
+              <a:rPr lang="en-US" sz="3200" dirty="0" err="1">
+                <a:solidFill>
+                  <a:schemeClr val="bg1"/>
+                </a:solidFill>
+              </a:rPr>
+              <a:t>Yocto</a:t>
+            </a:r>
+            <a:endParaRPr lang="en-US" sz="3200" dirty="0">
+              <a:solidFill>
+                <a:schemeClr val="bg1"/>
+              </a:solidFill>
+            </a:endParaRPr>
+          </a:p>
+          <a:p>
+            <a:endParaRPr lang="en-US" sz="3200" dirty="0">
+              <a:solidFill>
+                <a:schemeClr val="bg1"/>
+              </a:solidFill>
+            </a:endParaRPr>
+          </a:p>
+          <a:p>
+            <a:r>
+              <a:rPr lang="en-US" sz="3200" dirty="0">
+                <a:solidFill>
+                  <a:schemeClr val="bg1"/>
+                </a:solidFill>
+              </a:rPr>
+              <a:t>Why </a:t>
+            </a:r>
+            <a:r>
+              <a:rPr lang="en-US" sz="3200" dirty="0" err="1">
+                <a:solidFill>
+                  <a:schemeClr val="bg1"/>
+                </a:solidFill>
+              </a:rPr>
+              <a:t>Yocto</a:t>
+            </a:r>
+            <a:r>
+              <a:rPr lang="en-US" sz="3200" dirty="0">
+                <a:solidFill>
+                  <a:schemeClr val="bg1"/>
+                </a:solidFill>
+              </a:rPr>
+              <a:t> ?</a:t>
+            </a:r>
+          </a:p>
+          <a:p>
+            <a:endParaRPr lang="en-US" sz="3200" dirty="0">
+              <a:solidFill>
+                <a:schemeClr val="bg1"/>
+              </a:solidFill>
+            </a:endParaRPr>
+          </a:p>
+          <a:p>
+            <a:pPr marL="457200" indent="-457200">
+              <a:buFontTx/>
+              <a:buChar char="-"/>
+            </a:pPr>
+            <a:r>
+              <a:rPr lang="en-US" sz="3200" dirty="0">
+                <a:solidFill>
+                  <a:schemeClr val="bg1"/>
+                </a:solidFill>
+              </a:rPr>
+              <a:t>Customizable Embedded Linux</a:t>
+            </a:r>
+          </a:p>
+          <a:p>
+            <a:endParaRPr lang="en-US" sz="3200" dirty="0">
+              <a:solidFill>
+                <a:schemeClr val="bg1"/>
+              </a:solidFill>
+            </a:endParaRPr>
+          </a:p>
+          <a:p>
+            <a:pPr marL="457200" indent="-457200">
+              <a:buFontTx/>
+              <a:buChar char="-"/>
+            </a:pPr>
+            <a:r>
+              <a:rPr lang="en-US" sz="3200" dirty="0">
+                <a:solidFill>
+                  <a:schemeClr val="bg1"/>
+                </a:solidFill>
+              </a:rPr>
+              <a:t>Cross-Compilation Support</a:t>
+            </a:r>
+          </a:p>
+          <a:p>
+            <a:endParaRPr lang="en-US" sz="3200" dirty="0">
+              <a:solidFill>
+                <a:schemeClr val="bg1"/>
+              </a:solidFill>
+            </a:endParaRPr>
+          </a:p>
+          <a:p>
+            <a:pPr marL="457200" indent="-457200">
+              <a:buFontTx/>
+              <a:buChar char="-"/>
+            </a:pPr>
+            <a:r>
+              <a:rPr lang="en-US" sz="3200" dirty="0">
+                <a:solidFill>
+                  <a:schemeClr val="bg1"/>
+                </a:solidFill>
+              </a:rPr>
+              <a:t>Package Management</a:t>
+            </a:r>
+          </a:p>
+          <a:p>
+            <a:endParaRPr lang="en-US" sz="3200" dirty="0">
+              <a:solidFill>
+                <a:schemeClr val="bg1"/>
+              </a:solidFill>
+            </a:endParaRPr>
+          </a:p>
+          <a:p>
+            <a:r>
+              <a:rPr lang="en-US" sz="3200" dirty="0">
+                <a:solidFill>
+                  <a:schemeClr val="bg1"/>
+                </a:solidFill>
+              </a:rPr>
+              <a:t>-    Layered Architecture</a:t>
+            </a:r>
+          </a:p>
+          <a:p>
+            <a:endParaRPr lang="en-US" sz="3200" dirty="0">
+              <a:solidFill>
+                <a:schemeClr val="bg1"/>
+              </a:solidFill>
+            </a:endParaRPr>
+          </a:p>
+          <a:p>
+            <a:endParaRPr lang="en-US" dirty="0">
+              <a:solidFill>
+                <a:schemeClr val="bg1"/>
+              </a:solidFill>
+            </a:endParaRPr>
+          </a:p>
+          <a:p>
+            <a:endParaRPr lang="en-US" dirty="0">
+              <a:solidFill>
+                <a:schemeClr val="bg1"/>
+              </a:solidFill>
+            </a:endParaRPr>
+          </a:p>
+          <a:p>
+            <a:endParaRPr lang="en-US" dirty="0">
+              <a:solidFill>
+                <a:schemeClr val="bg1"/>
+              </a:solidFill>
+            </a:endParaRPr>
+          </a:p>
+          <a:p>
+            <a:endParaRPr lang="en-US" dirty="0">
+              <a:solidFill>
+                <a:schemeClr val="bg1"/>
+              </a:solidFill>
+            </a:endParaRPr>
           </a:p>
         </p:txBody>
       </p:sp>
     </p:spTree>
     <p:extLst>
       <p:ext uri="{BB962C8B-B14F-4D97-AF65-F5344CB8AC3E}">
-        <p14:creationId xmlns:p14="http://schemas.microsoft.com/office/powerpoint/2010/main" val="3797270812"/>
+        <p14:creationId xmlns:p14="http://schemas.microsoft.com/office/powerpoint/2010/main" val="2397542945"/>
       </p:ext>
     </p:extLst>
   </p:cSld>
   <p:clrMapOvr>
     <a:masterClrMapping/>
   </p:clrMapOvr>
-  <mc:AlternateContent xmlns:mc="http://schemas.openxmlformats.org/markup-compatibility/2006">
-    <mc:Choice xmlns:p159="http://schemas.microsoft.com/office/powerpoint/2015/09/main" Requires="p159">
-      <p:transition xmlns:p14="http://schemas.microsoft.com/office/powerpoint/2010/main" spd="slow" p14:dur="2000">
-        <p159:morph option="byObject"/>
-      </p:transition>
-    </mc:Choice>
-    <mc:Fallback>
-      <p:transition spd="slow">
-        <p:fade/>
-      </p:transition>
-    </mc:Fallback>
-  </mc:AlternateContent>
 </p:sld>
 </file>
 
@@ -6291,7 +6680,7 @@
           <a:lstStyle/>
           <a:p>
             <a:pPr algn="ctr"/>
-            <a:endParaRPr lang="ar-EG"/>
+            <a:endParaRPr lang="ar-EG" dirty="0"/>
           </a:p>
         </p:txBody>
       </p:sp>
@@ -6376,8 +6765,8 @@
         </p:nvSpPr>
         <p:spPr>
           <a:xfrm>
-            <a:off x="6558455" y="378371"/>
-            <a:ext cx="5318236" cy="6217087"/>
+            <a:off x="6512156" y="497710"/>
+            <a:ext cx="5409768" cy="3662541"/>
           </a:xfrm>
           <a:prstGeom prst="rect">
             <a:avLst/>
@@ -6391,86 +6780,107 @@
           <a:lstStyle/>
           <a:p>
             <a:r>
-              <a:rPr lang="en-US" sz="4400" dirty="0" err="1"/>
-              <a:t>Yocto</a:t>
-            </a:r>
-            <a:endParaRPr lang="en-US" sz="4400" dirty="0"/>
-          </a:p>
-          <a:p>
-            <a:r>
-              <a:rPr lang="en-US" sz="4400" dirty="0"/>
-              <a:t>01-Project Overview</a:t>
-            </a:r>
-          </a:p>
-          <a:p>
-            <a:r>
-              <a:rPr lang="en-US" sz="4400" dirty="0"/>
-              <a:t>02-System </a:t>
-            </a:r>
-            <a:r>
-              <a:rPr lang="en-US" sz="4400" dirty="0" err="1"/>
-              <a:t>Archticture</a:t>
-            </a:r>
-            <a:endParaRPr lang="en-US" sz="4400" dirty="0"/>
-          </a:p>
-          <a:p>
-            <a:r>
-              <a:rPr lang="en-US" sz="4400" dirty="0"/>
-              <a:t>03-Yocto</a:t>
-            </a:r>
-          </a:p>
-          <a:p>
-            <a:r>
-              <a:rPr lang="en-US" sz="4400" dirty="0"/>
-              <a:t>04-IR Sensor</a:t>
-            </a:r>
-          </a:p>
-          <a:p>
-            <a:r>
-              <a:rPr lang="en-US" sz="4400" dirty="0"/>
-              <a:t>05-Gui</a:t>
-            </a:r>
-          </a:p>
-          <a:p>
-            <a:r>
-              <a:rPr lang="en-US" sz="4400" dirty="0"/>
-              <a:t>06-Demo</a:t>
-            </a:r>
-          </a:p>
-          <a:p>
-            <a:endParaRPr lang="en-US" dirty="0"/>
-          </a:p>
-          <a:p>
-            <a:endParaRPr lang="en-US" dirty="0"/>
-          </a:p>
-          <a:p>
-            <a:endParaRPr lang="en-US" dirty="0"/>
-          </a:p>
-          <a:p>
-            <a:endParaRPr lang="en-US" dirty="0"/>
-          </a:p>
-          <a:p>
-            <a:endParaRPr lang="en-US" dirty="0"/>
+              <a:rPr lang="en-US" sz="3200" dirty="0">
+                <a:solidFill>
+                  <a:schemeClr val="bg1"/>
+                </a:solidFill>
+              </a:rPr>
+              <a:t>CHALENGES</a:t>
+            </a:r>
+          </a:p>
+          <a:p>
+            <a:endParaRPr lang="en-US" sz="3200" dirty="0">
+              <a:solidFill>
+                <a:schemeClr val="bg1"/>
+              </a:solidFill>
+            </a:endParaRPr>
+          </a:p>
+          <a:p>
+            <a:pPr marL="571500" indent="-571500">
+              <a:buFontTx/>
+              <a:buChar char="-"/>
+            </a:pPr>
+            <a:r>
+              <a:rPr lang="en-US" sz="3200" dirty="0">
+                <a:solidFill>
+                  <a:schemeClr val="bg1"/>
+                </a:solidFill>
+              </a:rPr>
+              <a:t>Incompatibility </a:t>
+            </a:r>
+          </a:p>
+          <a:p>
+            <a:pPr marL="571500" indent="-571500">
+              <a:buFontTx/>
+              <a:buChar char="-"/>
+            </a:pPr>
+            <a:endParaRPr lang="en-US" sz="3200" dirty="0">
+              <a:solidFill>
+                <a:schemeClr val="bg1"/>
+              </a:solidFill>
+            </a:endParaRPr>
+          </a:p>
+          <a:p>
+            <a:pPr marL="571500" indent="-571500">
+              <a:buFontTx/>
+              <a:buChar char="-"/>
+            </a:pPr>
+            <a:r>
+              <a:rPr lang="en-US" sz="3200" dirty="0">
+                <a:solidFill>
+                  <a:schemeClr val="bg1"/>
+                </a:solidFill>
+              </a:rPr>
+              <a:t>Bad Documentation</a:t>
+            </a:r>
+          </a:p>
+          <a:p>
+            <a:endParaRPr lang="en-US" dirty="0">
+              <a:solidFill>
+                <a:schemeClr val="bg1"/>
+              </a:solidFill>
+            </a:endParaRPr>
+          </a:p>
+          <a:p>
+            <a:endParaRPr lang="en-US" dirty="0">
+              <a:solidFill>
+                <a:schemeClr val="bg1"/>
+              </a:solidFill>
+            </a:endParaRPr>
+          </a:p>
+          <a:p>
+            <a:endParaRPr lang="en-US" dirty="0">
+              <a:solidFill>
+                <a:schemeClr val="bg1"/>
+              </a:solidFill>
+            </a:endParaRPr>
+          </a:p>
+          <a:p>
+            <a:endParaRPr lang="en-US" dirty="0">
+              <a:solidFill>
+                <a:schemeClr val="bg1"/>
+              </a:solidFill>
+            </a:endParaRPr>
           </a:p>
         </p:txBody>
       </p:sp>
     </p:spTree>
     <p:extLst>
       <p:ext uri="{BB962C8B-B14F-4D97-AF65-F5344CB8AC3E}">
-        <p14:creationId xmlns:p14="http://schemas.microsoft.com/office/powerpoint/2010/main" val="2397542945"/>
+        <p14:creationId xmlns:p14="http://schemas.microsoft.com/office/powerpoint/2010/main" val="1890536054"/>
       </p:ext>
     </p:extLst>
   </p:cSld>
   <p:clrMapOvr>
     <a:masterClrMapping/>
   </p:clrMapOvr>
-  <mc:AlternateContent xmlns:mc="http://schemas.openxmlformats.org/markup-compatibility/2006" xmlns:p159="http://schemas.microsoft.com/office/powerpoint/2015/09/main">
-    <mc:Choice Requires="p159">
+  <mc:AlternateContent xmlns:mc="http://schemas.openxmlformats.org/markup-compatibility/2006">
+    <mc:Choice xmlns:p159="http://schemas.microsoft.com/office/powerpoint/2015/09/main" Requires="p159">
       <p:transition xmlns:p14="http://schemas.microsoft.com/office/powerpoint/2010/main" spd="slow" p14:dur="2000">
         <p159:morph option="byObject"/>
       </p:transition>
     </mc:Choice>
-    <mc:Fallback xmlns="">
+    <mc:Fallback>
       <p:transition spd="slow">
         <p:fade/>
       </p:transition>
@@ -6682,13 +7092,13 @@
   <p:clrMapOvr>
     <a:masterClrMapping/>
   </p:clrMapOvr>
-  <mc:AlternateContent xmlns:mc="http://schemas.openxmlformats.org/markup-compatibility/2006" xmlns:p159="http://schemas.microsoft.com/office/powerpoint/2015/09/main">
-    <mc:Choice Requires="p159">
+  <mc:AlternateContent xmlns:mc="http://schemas.openxmlformats.org/markup-compatibility/2006">
+    <mc:Choice xmlns:p159="http://schemas.microsoft.com/office/powerpoint/2015/09/main" Requires="p159">
       <p:transition xmlns:p14="http://schemas.microsoft.com/office/powerpoint/2010/main" spd="slow" p14:dur="2000">
         <p159:morph option="byObject"/>
       </p:transition>
     </mc:Choice>
-    <mc:Fallback xmlns="">
+    <mc:Fallback>
       <p:transition spd="slow">
         <p:fade/>
       </p:transition>
